--- a/slides/AsynchronousIntuition.pptx
+++ b/slides/AsynchronousIntuition.pptx
@@ -6,12 +6,20 @@
   </p:sldMasterIdLst>
   <p:sldIdLst>
     <p:sldId id="256" r:id="rId2"/>
-    <p:sldId id="266" r:id="rId3"/>
-    <p:sldId id="257" r:id="rId4"/>
-    <p:sldId id="268" r:id="rId5"/>
-    <p:sldId id="263" r:id="rId6"/>
-    <p:sldId id="264" r:id="rId7"/>
-    <p:sldId id="267" r:id="rId8"/>
+    <p:sldId id="271" r:id="rId3"/>
+    <p:sldId id="266" r:id="rId4"/>
+    <p:sldId id="257" r:id="rId5"/>
+    <p:sldId id="272" r:id="rId6"/>
+    <p:sldId id="268" r:id="rId7"/>
+    <p:sldId id="270" r:id="rId8"/>
+    <p:sldId id="273" r:id="rId9"/>
+    <p:sldId id="263" r:id="rId10"/>
+    <p:sldId id="269" r:id="rId11"/>
+    <p:sldId id="274" r:id="rId12"/>
+    <p:sldId id="264" r:id="rId13"/>
+    <p:sldId id="267" r:id="rId14"/>
+    <p:sldId id="275" r:id="rId15"/>
+    <p:sldId id="276" r:id="rId16"/>
   </p:sldIdLst>
   <p:sldSz cx="12192000" cy="6858000"/>
   <p:notesSz cx="6858000" cy="9144000"/>
@@ -449,7 +457,7 @@
           <a:p>
             <a:fld id="{1913A38B-4C48-4B43-824F-E46C1CEB1AA7}" type="datetimeFigureOut">
               <a:rPr lang="pl-PL" smtClean="0"/>
-              <a:t>21.02.2021</a:t>
+              <a:t>24.02.2021</a:t>
             </a:fld>
             <a:endParaRPr lang="pl-PL"/>
           </a:p>
@@ -773,7 +781,7 @@
           <a:p>
             <a:fld id="{1913A38B-4C48-4B43-824F-E46C1CEB1AA7}" type="datetimeFigureOut">
               <a:rPr lang="pl-PL" smtClean="0"/>
-              <a:t>21.02.2021</a:t>
+              <a:t>24.02.2021</a:t>
             </a:fld>
             <a:endParaRPr lang="pl-PL"/>
           </a:p>
@@ -1021,7 +1029,7 @@
           <a:p>
             <a:fld id="{1913A38B-4C48-4B43-824F-E46C1CEB1AA7}" type="datetimeFigureOut">
               <a:rPr lang="pl-PL" smtClean="0"/>
-              <a:t>21.02.2021</a:t>
+              <a:t>24.02.2021</a:t>
             </a:fld>
             <a:endParaRPr lang="pl-PL"/>
           </a:p>
@@ -1360,7 +1368,7 @@
           <a:p>
             <a:fld id="{1913A38B-4C48-4B43-824F-E46C1CEB1AA7}" type="datetimeFigureOut">
               <a:rPr lang="pl-PL" smtClean="0"/>
-              <a:t>21.02.2021</a:t>
+              <a:t>24.02.2021</a:t>
             </a:fld>
             <a:endParaRPr lang="pl-PL"/>
           </a:p>
@@ -1707,7 +1715,7 @@
           <a:p>
             <a:fld id="{1913A38B-4C48-4B43-824F-E46C1CEB1AA7}" type="datetimeFigureOut">
               <a:rPr lang="pl-PL" smtClean="0"/>
-              <a:t>21.02.2021</a:t>
+              <a:t>24.02.2021</a:t>
             </a:fld>
             <a:endParaRPr lang="pl-PL"/>
           </a:p>
@@ -2081,7 +2089,7 @@
           <a:p>
             <a:fld id="{1913A38B-4C48-4B43-824F-E46C1CEB1AA7}" type="datetimeFigureOut">
               <a:rPr lang="pl-PL" smtClean="0"/>
-              <a:t>21.02.2021</a:t>
+              <a:t>24.02.2021</a:t>
             </a:fld>
             <a:endParaRPr lang="pl-PL"/>
           </a:p>
@@ -2551,7 +2559,7 @@
           <a:p>
             <a:fld id="{1913A38B-4C48-4B43-824F-E46C1CEB1AA7}" type="datetimeFigureOut">
               <a:rPr lang="pl-PL" smtClean="0"/>
-              <a:t>21.02.2021</a:t>
+              <a:t>24.02.2021</a:t>
             </a:fld>
             <a:endParaRPr lang="pl-PL"/>
           </a:p>
@@ -2756,7 +2764,7 @@
           <a:p>
             <a:fld id="{1913A38B-4C48-4B43-824F-E46C1CEB1AA7}" type="datetimeFigureOut">
               <a:rPr lang="pl-PL" smtClean="0"/>
-              <a:t>21.02.2021</a:t>
+              <a:t>24.02.2021</a:t>
             </a:fld>
             <a:endParaRPr lang="pl-PL"/>
           </a:p>
@@ -2967,7 +2975,7 @@
           <a:p>
             <a:fld id="{1913A38B-4C48-4B43-824F-E46C1CEB1AA7}" type="datetimeFigureOut">
               <a:rPr lang="pl-PL" smtClean="0"/>
-              <a:t>21.02.2021</a:t>
+              <a:t>24.02.2021</a:t>
             </a:fld>
             <a:endParaRPr lang="pl-PL"/>
           </a:p>
@@ -3199,7 +3207,7 @@
           <a:p>
             <a:fld id="{1913A38B-4C48-4B43-824F-E46C1CEB1AA7}" type="datetimeFigureOut">
               <a:rPr lang="pl-PL" smtClean="0"/>
-              <a:t>21.02.2021</a:t>
+              <a:t>24.02.2021</a:t>
             </a:fld>
             <a:endParaRPr lang="pl-PL"/>
           </a:p>
@@ -3447,7 +3455,7 @@
           <a:p>
             <a:fld id="{1913A38B-4C48-4B43-824F-E46C1CEB1AA7}" type="datetimeFigureOut">
               <a:rPr lang="pl-PL" smtClean="0"/>
-              <a:t>21.02.2021</a:t>
+              <a:t>24.02.2021</a:t>
             </a:fld>
             <a:endParaRPr lang="pl-PL"/>
           </a:p>
@@ -3745,7 +3753,7 @@
           <a:p>
             <a:fld id="{1913A38B-4C48-4B43-824F-E46C1CEB1AA7}" type="datetimeFigureOut">
               <a:rPr lang="pl-PL" smtClean="0"/>
-              <a:t>21.02.2021</a:t>
+              <a:t>24.02.2021</a:t>
             </a:fld>
             <a:endParaRPr lang="pl-PL"/>
           </a:p>
@@ -4139,7 +4147,7 @@
           <a:p>
             <a:fld id="{1913A38B-4C48-4B43-824F-E46C1CEB1AA7}" type="datetimeFigureOut">
               <a:rPr lang="pl-PL" smtClean="0"/>
-              <a:t>21.02.2021</a:t>
+              <a:t>24.02.2021</a:t>
             </a:fld>
             <a:endParaRPr lang="pl-PL"/>
           </a:p>
@@ -4288,7 +4296,7 @@
           <a:p>
             <a:fld id="{1913A38B-4C48-4B43-824F-E46C1CEB1AA7}" type="datetimeFigureOut">
               <a:rPr lang="pl-PL" smtClean="0"/>
-              <a:t>21.02.2021</a:t>
+              <a:t>24.02.2021</a:t>
             </a:fld>
             <a:endParaRPr lang="pl-PL"/>
           </a:p>
@@ -4414,7 +4422,7 @@
           <a:p>
             <a:fld id="{1913A38B-4C48-4B43-824F-E46C1CEB1AA7}" type="datetimeFigureOut">
               <a:rPr lang="pl-PL" smtClean="0"/>
-              <a:t>21.02.2021</a:t>
+              <a:t>24.02.2021</a:t>
             </a:fld>
             <a:endParaRPr lang="pl-PL"/>
           </a:p>
@@ -4669,7 +4677,7 @@
           <a:p>
             <a:fld id="{1913A38B-4C48-4B43-824F-E46C1CEB1AA7}" type="datetimeFigureOut">
               <a:rPr lang="pl-PL" smtClean="0"/>
-              <a:t>21.02.2021</a:t>
+              <a:t>24.02.2021</a:t>
             </a:fld>
             <a:endParaRPr lang="pl-PL"/>
           </a:p>
@@ -4984,7 +4992,7 @@
           <a:p>
             <a:fld id="{1913A38B-4C48-4B43-824F-E46C1CEB1AA7}" type="datetimeFigureOut">
               <a:rPr lang="pl-PL" smtClean="0"/>
-              <a:t>21.02.2021</a:t>
+              <a:t>24.02.2021</a:t>
             </a:fld>
             <a:endParaRPr lang="pl-PL"/>
           </a:p>
@@ -5335,7 +5343,7 @@
           <a:p>
             <a:fld id="{1913A38B-4C48-4B43-824F-E46C1CEB1AA7}" type="datetimeFigureOut">
               <a:rPr lang="pl-PL" smtClean="0"/>
-              <a:t>21.02.2021</a:t>
+              <a:t>24.02.2021</a:t>
             </a:fld>
             <a:endParaRPr lang="pl-PL"/>
           </a:p>
@@ -5949,8 +5957,8 @@
         </p:nvSpPr>
         <p:spPr>
           <a:xfrm>
-            <a:off x="9504727" y="5578679"/>
-            <a:ext cx="2026902" cy="369332"/>
+            <a:off x="9098327" y="5911188"/>
+            <a:ext cx="2410340" cy="400110"/>
           </a:xfrm>
           <a:prstGeom prst="rect">
             <a:avLst/>
@@ -5964,10 +5972,10 @@
           <a:lstStyle/>
           <a:p>
             <a:r>
-              <a:rPr lang="en-US" dirty="0"/>
+              <a:rPr lang="en-US" sz="2000" b="1" dirty="0"/>
               <a:t>Mariusz Krzanowski</a:t>
             </a:r>
-            <a:endParaRPr lang="pl-PL" dirty="0"/>
+            <a:endParaRPr lang="pl-PL" sz="2000" b="1" dirty="0"/>
           </a:p>
         </p:txBody>
       </p:sp>
@@ -5984,7 +5992,213 @@
 </p:sld>
 </file>
 
-<file path=ppt/slides/slide2.xml><?xml version="1.0" encoding="utf-8"?>
+<file path=ppt/slides/slide10.xml><?xml version="1.0" encoding="utf-8"?>
+<p:sld xmlns:a="http://schemas.openxmlformats.org/drawingml/2006/main" xmlns:r="http://schemas.openxmlformats.org/officeDocument/2006/relationships" xmlns:p="http://schemas.openxmlformats.org/presentationml/2006/main" show="0">
+  <p:cSld>
+    <p:spTree>
+      <p:nvGrpSpPr>
+        <p:cNvPr id="1" name=""/>
+        <p:cNvGrpSpPr/>
+        <p:nvPr/>
+      </p:nvGrpSpPr>
+      <p:grpSpPr>
+        <a:xfrm>
+          <a:off x="0" y="0"/>
+          <a:ext cx="0" cy="0"/>
+          <a:chOff x="0" y="0"/>
+          <a:chExt cx="0" cy="0"/>
+        </a:xfrm>
+      </p:grpSpPr>
+      <p:grpSp>
+        <p:nvGrpSpPr>
+          <p:cNvPr id="5" name="Grupa 4">
+            <a:extLst>
+              <a:ext uri="{FF2B5EF4-FFF2-40B4-BE49-F238E27FC236}">
+                <a16:creationId xmlns:a16="http://schemas.microsoft.com/office/drawing/2014/main" id="{EF2CAC3E-8AD4-4E52-AF63-B64EF9258DB6}"/>
+              </a:ext>
+            </a:extLst>
+          </p:cNvPr>
+          <p:cNvGrpSpPr/>
+          <p:nvPr/>
+        </p:nvGrpSpPr>
+        <p:grpSpPr>
+          <a:xfrm>
+            <a:off x="4147127" y="1607127"/>
+            <a:ext cx="1182255" cy="2092418"/>
+            <a:chOff x="4147127" y="1607127"/>
+            <a:chExt cx="1182255" cy="2092418"/>
+          </a:xfrm>
+        </p:grpSpPr>
+        <p:sp>
+          <p:nvSpPr>
+            <p:cNvPr id="2" name="Prostokąt 1">
+              <a:extLst>
+                <a:ext uri="{FF2B5EF4-FFF2-40B4-BE49-F238E27FC236}">
+                  <a16:creationId xmlns:a16="http://schemas.microsoft.com/office/drawing/2014/main" id="{FC1BD6D8-FC47-4434-B411-5B77EA7E0B8B}"/>
+                </a:ext>
+              </a:extLst>
+            </p:cNvPr>
+            <p:cNvSpPr/>
+            <p:nvPr/>
+          </p:nvSpPr>
+          <p:spPr>
+            <a:xfrm>
+              <a:off x="4147127" y="1607127"/>
+              <a:ext cx="1182255" cy="2092418"/>
+            </a:xfrm>
+            <a:prstGeom prst="rect">
+              <a:avLst/>
+            </a:prstGeom>
+          </p:spPr>
+          <p:style>
+            <a:lnRef idx="2">
+              <a:schemeClr val="dk1">
+                <a:shade val="50000"/>
+              </a:schemeClr>
+            </a:lnRef>
+            <a:fillRef idx="1">
+              <a:schemeClr val="dk1"/>
+            </a:fillRef>
+            <a:effectRef idx="0">
+              <a:schemeClr val="dk1"/>
+            </a:effectRef>
+            <a:fontRef idx="minor">
+              <a:schemeClr val="lt1"/>
+            </a:fontRef>
+          </p:style>
+          <p:txBody>
+            <a:bodyPr rtlCol="0" anchor="ctr"/>
+            <a:lstStyle/>
+            <a:p>
+              <a:pPr algn="ctr"/>
+              <a:endParaRPr lang="pl-PL"/>
+            </a:p>
+          </p:txBody>
+        </p:sp>
+        <p:sp>
+          <p:nvSpPr>
+            <p:cNvPr id="3" name="Owal 2">
+              <a:extLst>
+                <a:ext uri="{FF2B5EF4-FFF2-40B4-BE49-F238E27FC236}">
+                  <a16:creationId xmlns:a16="http://schemas.microsoft.com/office/drawing/2014/main" id="{2C77E6FB-EB48-482E-B8FD-133058D4D4ED}"/>
+                </a:ext>
+              </a:extLst>
+            </p:cNvPr>
+            <p:cNvSpPr/>
+            <p:nvPr/>
+          </p:nvSpPr>
+          <p:spPr>
+            <a:xfrm>
+              <a:off x="4276860" y="2710693"/>
+              <a:ext cx="922788" cy="853579"/>
+            </a:xfrm>
+            <a:prstGeom prst="ellipse">
+              <a:avLst/>
+            </a:prstGeom>
+            <a:solidFill>
+              <a:schemeClr val="accent1">
+                <a:lumMod val="50000"/>
+              </a:schemeClr>
+            </a:solidFill>
+          </p:spPr>
+          <p:style>
+            <a:lnRef idx="2">
+              <a:schemeClr val="accent1">
+                <a:shade val="50000"/>
+              </a:schemeClr>
+            </a:lnRef>
+            <a:fillRef idx="1">
+              <a:schemeClr val="accent1"/>
+            </a:fillRef>
+            <a:effectRef idx="0">
+              <a:schemeClr val="accent1"/>
+            </a:effectRef>
+            <a:fontRef idx="minor">
+              <a:schemeClr val="lt1"/>
+            </a:fontRef>
+          </p:style>
+          <p:txBody>
+            <a:bodyPr rtlCol="0" anchor="ctr"/>
+            <a:lstStyle/>
+            <a:p>
+              <a:pPr algn="ctr"/>
+              <a:endParaRPr lang="pl-PL"/>
+            </a:p>
+          </p:txBody>
+        </p:sp>
+        <p:sp>
+          <p:nvSpPr>
+            <p:cNvPr id="4" name="Owal 3">
+              <a:extLst>
+                <a:ext uri="{FF2B5EF4-FFF2-40B4-BE49-F238E27FC236}">
+                  <a16:creationId xmlns:a16="http://schemas.microsoft.com/office/drawing/2014/main" id="{C544CE16-2406-4DCD-909C-A16FB04AB930}"/>
+                </a:ext>
+              </a:extLst>
+            </p:cNvPr>
+            <p:cNvSpPr/>
+            <p:nvPr/>
+          </p:nvSpPr>
+          <p:spPr>
+            <a:xfrm>
+              <a:off x="4276860" y="1721841"/>
+              <a:ext cx="922788" cy="853579"/>
+            </a:xfrm>
+            <a:prstGeom prst="ellipse">
+              <a:avLst/>
+            </a:prstGeom>
+            <a:solidFill>
+              <a:srgbClr val="FF0000"/>
+            </a:solidFill>
+          </p:spPr>
+          <p:style>
+            <a:lnRef idx="2">
+              <a:schemeClr val="accent1">
+                <a:shade val="50000"/>
+              </a:schemeClr>
+            </a:lnRef>
+            <a:fillRef idx="1">
+              <a:schemeClr val="accent1"/>
+            </a:fillRef>
+            <a:effectRef idx="0">
+              <a:schemeClr val="accent1"/>
+            </a:effectRef>
+            <a:fontRef idx="minor">
+              <a:schemeClr val="lt1"/>
+            </a:fontRef>
+          </p:style>
+          <p:txBody>
+            <a:bodyPr rtlCol="0" anchor="ctr"/>
+            <a:lstStyle/>
+            <a:p>
+              <a:pPr algn="ctr"/>
+              <a:endParaRPr lang="pl-PL">
+                <a:ln>
+                  <a:solidFill>
+                    <a:srgbClr val="FF0000"/>
+                  </a:solidFill>
+                </a:ln>
+                <a:solidFill>
+                  <a:srgbClr val="FF0000"/>
+                </a:solidFill>
+              </a:endParaRPr>
+            </a:p>
+          </p:txBody>
+        </p:sp>
+      </p:grpSp>
+    </p:spTree>
+    <p:extLst>
+      <p:ext uri="{BB962C8B-B14F-4D97-AF65-F5344CB8AC3E}">
+        <p14:creationId xmlns:p14="http://schemas.microsoft.com/office/powerpoint/2010/main" val="4234332544"/>
+      </p:ext>
+    </p:extLst>
+  </p:cSld>
+  <p:clrMapOvr>
+    <a:masterClrMapping/>
+  </p:clrMapOvr>
+</p:sld>
+</file>
+
+<file path=ppt/slides/slide11.xml><?xml version="1.0" encoding="utf-8"?>
 <p:sld xmlns:a="http://schemas.openxmlformats.org/drawingml/2006/main" xmlns:r="http://schemas.openxmlformats.org/officeDocument/2006/relationships" xmlns:p="http://schemas.openxmlformats.org/presentationml/2006/main">
   <p:cSld>
     <p:spTree>
@@ -6003,490 +6217,92 @@
       </p:grpSpPr>
       <p:sp>
         <p:nvSpPr>
-          <p:cNvPr id="2" name="Title 1">
+          <p:cNvPr id="2" name="Tytuł 1">
             <a:extLst>
               <a:ext uri="{FF2B5EF4-FFF2-40B4-BE49-F238E27FC236}">
-                <a16:creationId xmlns:a16="http://schemas.microsoft.com/office/drawing/2014/main" id="{2DA79CC7-B38F-4A17-957F-5DA74F035E60}"/>
+                <a16:creationId xmlns:a16="http://schemas.microsoft.com/office/drawing/2014/main" id="{8C65B24C-E653-4FC7-B6DA-74813ABAC353}"/>
               </a:ext>
             </a:extLst>
           </p:cNvPr>
-          <p:cNvSpPr txBox="1">
-            <a:spLocks/>
-          </p:cNvSpPr>
-          <p:nvPr/>
-        </p:nvSpPr>
-        <p:spPr>
-          <a:xfrm>
-            <a:off x="1141413" y="618518"/>
-            <a:ext cx="9905998" cy="1478570"/>
-          </a:xfrm>
-          <a:prstGeom prst="rect">
-            <a:avLst/>
-          </a:prstGeom>
-        </p:spPr>
+          <p:cNvSpPr>
+            <a:spLocks noGrp="1"/>
+          </p:cNvSpPr>
+          <p:nvPr>
+            <p:ph type="title"/>
+          </p:nvPr>
+        </p:nvSpPr>
+        <p:spPr/>
         <p:txBody>
           <a:bodyPr/>
-          <a:lstStyle>
-            <a:lvl1pPr algn="l" defTabSz="914400" rtl="0" eaLnBrk="1" latinLnBrk="0" hangingPunct="1">
-              <a:lnSpc>
-                <a:spcPct val="90000"/>
-              </a:lnSpc>
-              <a:spcBef>
-                <a:spcPct val="0"/>
-              </a:spcBef>
-              <a:buNone/>
-              <a:defRPr sz="3200" b="0" i="0" kern="1200" cap="all">
-                <a:solidFill>
-                  <a:schemeClr val="tx1"/>
-                </a:solidFill>
-                <a:effectLst/>
-                <a:latin typeface="+mj-lt"/>
-                <a:ea typeface="+mj-ea"/>
-                <a:cs typeface="+mj-cs"/>
-              </a:defRPr>
-            </a:lvl1pPr>
-          </a:lstStyle>
-          <a:p>
-            <a:r>
-              <a:rPr lang="en-US" dirty="0"/>
-              <a:t>About ME</a:t>
-            </a:r>
-          </a:p>
-        </p:txBody>
-      </p:sp>
-      <p:sp>
-        <p:nvSpPr>
-          <p:cNvPr id="3" name="Content Placeholder 3">
+          <a:lstStyle/>
+          <a:p>
+            <a:r>
+              <a:rPr lang="en-US"/>
+              <a:t>Summary</a:t>
+            </a:r>
+            <a:endParaRPr lang="pl-PL" dirty="0"/>
+          </a:p>
+        </p:txBody>
+      </p:sp>
+      <p:sp>
+        <p:nvSpPr>
+          <p:cNvPr id="3" name="Symbol zastępczy zawartości 2">
             <a:extLst>
               <a:ext uri="{FF2B5EF4-FFF2-40B4-BE49-F238E27FC236}">
-                <a16:creationId xmlns:a16="http://schemas.microsoft.com/office/drawing/2014/main" id="{4908BDBE-A953-4864-9A2E-E8BA26CCCEC8}"/>
+                <a16:creationId xmlns:a16="http://schemas.microsoft.com/office/drawing/2014/main" id="{EDC950E1-3660-40C1-BB52-E5EDB09F070B}"/>
               </a:ext>
             </a:extLst>
           </p:cNvPr>
-          <p:cNvSpPr txBox="1">
-            <a:spLocks/>
-          </p:cNvSpPr>
-          <p:nvPr/>
-        </p:nvSpPr>
-        <p:spPr>
-          <a:xfrm>
-            <a:off x="1141412" y="2249487"/>
-            <a:ext cx="9905999" cy="3541714"/>
-          </a:xfrm>
-          <a:prstGeom prst="rect">
-            <a:avLst/>
-          </a:prstGeom>
-        </p:spPr>
-        <p:txBody>
-          <a:bodyPr>
-            <a:normAutofit fontScale="92500" lnSpcReduction="10000"/>
-          </a:bodyPr>
-          <a:lstStyle>
-            <a:lvl1pPr marL="228600" indent="-228600" algn="l" defTabSz="914400" rtl="0" eaLnBrk="1" latinLnBrk="0" hangingPunct="1">
-              <a:lnSpc>
-                <a:spcPct val="120000"/>
-              </a:lnSpc>
-              <a:spcBef>
-                <a:spcPts val="1000"/>
-              </a:spcBef>
-              <a:buClr>
-                <a:schemeClr val="accent1"/>
-              </a:buClr>
-              <a:buSzPct val="100000"/>
-              <a:buFont typeface="Arial" panose="020B0604020202020204" pitchFamily="34" charset="0"/>
-              <a:buChar char="•"/>
-              <a:defRPr sz="2000" kern="1200">
-                <a:solidFill>
-                  <a:schemeClr val="tx1"/>
-                </a:solidFill>
-                <a:effectLst/>
-                <a:latin typeface="+mn-lt"/>
-                <a:ea typeface="+mn-ea"/>
-                <a:cs typeface="+mn-cs"/>
-              </a:defRPr>
-            </a:lvl1pPr>
-            <a:lvl2pPr marL="685800" indent="-228600" algn="l" defTabSz="914400" rtl="0" eaLnBrk="1" latinLnBrk="0" hangingPunct="1">
-              <a:lnSpc>
-                <a:spcPct val="120000"/>
-              </a:lnSpc>
-              <a:spcBef>
-                <a:spcPts val="500"/>
-              </a:spcBef>
-              <a:buClr>
-                <a:schemeClr val="accent1"/>
-              </a:buClr>
-              <a:buSzPct val="100000"/>
-              <a:buFont typeface="Arial" panose="020B0604020202020204" pitchFamily="34" charset="0"/>
-              <a:buChar char="•"/>
-              <a:defRPr sz="1800" kern="1200" cap="none" baseline="0">
-                <a:solidFill>
-                  <a:schemeClr val="tx1"/>
-                </a:solidFill>
-                <a:effectLst/>
-                <a:latin typeface="+mn-lt"/>
-                <a:ea typeface="+mn-ea"/>
-                <a:cs typeface="+mn-cs"/>
-              </a:defRPr>
-            </a:lvl2pPr>
-            <a:lvl3pPr marL="1143000" indent="-228600" algn="l" defTabSz="914400" rtl="0" eaLnBrk="1" latinLnBrk="0" hangingPunct="1">
-              <a:lnSpc>
-                <a:spcPct val="120000"/>
-              </a:lnSpc>
-              <a:spcBef>
-                <a:spcPts val="500"/>
-              </a:spcBef>
-              <a:buClr>
-                <a:schemeClr val="accent1"/>
-              </a:buClr>
-              <a:buSzPct val="100000"/>
-              <a:buFont typeface="Arial" panose="020B0604020202020204" pitchFamily="34" charset="0"/>
-              <a:buChar char="•"/>
-              <a:defRPr sz="1600" kern="1200">
-                <a:solidFill>
-                  <a:schemeClr val="tx1"/>
-                </a:solidFill>
-                <a:effectLst/>
-                <a:latin typeface="+mn-lt"/>
-                <a:ea typeface="+mn-ea"/>
-                <a:cs typeface="+mn-cs"/>
-              </a:defRPr>
-            </a:lvl3pPr>
-            <a:lvl4pPr marL="1600200" indent="-228600" algn="l" defTabSz="914400" rtl="0" eaLnBrk="1" latinLnBrk="0" hangingPunct="1">
-              <a:lnSpc>
-                <a:spcPct val="120000"/>
-              </a:lnSpc>
-              <a:spcBef>
-                <a:spcPts val="500"/>
-              </a:spcBef>
-              <a:buClr>
-                <a:schemeClr val="accent1"/>
-              </a:buClr>
-              <a:buSzPct val="100000"/>
-              <a:buFont typeface="Arial" panose="020B0604020202020204" pitchFamily="34" charset="0"/>
-              <a:buChar char="•"/>
-              <a:defRPr sz="1400" kern="1200" cap="none" baseline="0">
-                <a:solidFill>
-                  <a:schemeClr val="tx1"/>
-                </a:solidFill>
-                <a:effectLst/>
-                <a:latin typeface="+mn-lt"/>
-                <a:ea typeface="+mn-ea"/>
-                <a:cs typeface="+mn-cs"/>
-              </a:defRPr>
-            </a:lvl4pPr>
-            <a:lvl5pPr marL="2057400" indent="-228600" algn="l" defTabSz="914400" rtl="0" eaLnBrk="1" latinLnBrk="0" hangingPunct="1">
-              <a:lnSpc>
-                <a:spcPct val="120000"/>
-              </a:lnSpc>
-              <a:spcBef>
-                <a:spcPts val="500"/>
-              </a:spcBef>
-              <a:buClr>
-                <a:schemeClr val="accent1"/>
-              </a:buClr>
-              <a:buSzPct val="100000"/>
-              <a:buFont typeface="Arial" panose="020B0604020202020204" pitchFamily="34" charset="0"/>
-              <a:buChar char="•"/>
-              <a:defRPr sz="1200" kern="1200">
-                <a:solidFill>
-                  <a:schemeClr val="tx1"/>
-                </a:solidFill>
-                <a:effectLst/>
-                <a:latin typeface="+mn-lt"/>
-                <a:ea typeface="+mn-ea"/>
-                <a:cs typeface="+mn-cs"/>
-              </a:defRPr>
-            </a:lvl5pPr>
-            <a:lvl6pPr marL="2514600" indent="-228600" algn="l" defTabSz="914400" rtl="0" eaLnBrk="1" latinLnBrk="0" hangingPunct="1">
-              <a:lnSpc>
-                <a:spcPct val="120000"/>
-              </a:lnSpc>
-              <a:spcBef>
-                <a:spcPts val="500"/>
-              </a:spcBef>
-              <a:buClr>
-                <a:schemeClr val="accent1"/>
-              </a:buClr>
-              <a:buSzPct val="100000"/>
-              <a:buFont typeface="Arial" panose="020B0604020202020204" pitchFamily="34" charset="0"/>
-              <a:buChar char="•"/>
-              <a:defRPr sz="1200" kern="1200">
-                <a:solidFill>
-                  <a:schemeClr val="tx1"/>
-                </a:solidFill>
-                <a:effectLst/>
-                <a:latin typeface="+mn-lt"/>
-                <a:ea typeface="+mn-ea"/>
-                <a:cs typeface="+mn-cs"/>
-              </a:defRPr>
-            </a:lvl6pPr>
-            <a:lvl7pPr marL="2971800" indent="-228600" algn="l" defTabSz="914400" rtl="0" eaLnBrk="1" latinLnBrk="0" hangingPunct="1">
-              <a:lnSpc>
-                <a:spcPct val="120000"/>
-              </a:lnSpc>
-              <a:spcBef>
-                <a:spcPts val="500"/>
-              </a:spcBef>
-              <a:buClr>
-                <a:schemeClr val="accent1"/>
-              </a:buClr>
-              <a:buSzPct val="100000"/>
-              <a:buFont typeface="Arial" panose="020B0604020202020204" pitchFamily="34" charset="0"/>
-              <a:buChar char="•"/>
-              <a:defRPr sz="1200" kern="1200">
-                <a:solidFill>
-                  <a:schemeClr val="tx1"/>
-                </a:solidFill>
-                <a:effectLst/>
-                <a:latin typeface="+mn-lt"/>
-                <a:ea typeface="+mn-ea"/>
-                <a:cs typeface="+mn-cs"/>
-              </a:defRPr>
-            </a:lvl7pPr>
-            <a:lvl8pPr marL="3429000" indent="-228600" algn="l" defTabSz="914400" rtl="0" eaLnBrk="1" latinLnBrk="0" hangingPunct="1">
-              <a:lnSpc>
-                <a:spcPct val="120000"/>
-              </a:lnSpc>
-              <a:spcBef>
-                <a:spcPts val="500"/>
-              </a:spcBef>
-              <a:buClr>
-                <a:schemeClr val="accent1"/>
-              </a:buClr>
-              <a:buSzPct val="100000"/>
-              <a:buFont typeface="Arial" panose="020B0604020202020204" pitchFamily="34" charset="0"/>
-              <a:buChar char="•"/>
-              <a:defRPr sz="1200" kern="1200" baseline="0">
-                <a:solidFill>
-                  <a:schemeClr val="tx1"/>
-                </a:solidFill>
-                <a:effectLst/>
-                <a:latin typeface="+mn-lt"/>
-                <a:ea typeface="+mn-ea"/>
-                <a:cs typeface="+mn-cs"/>
-              </a:defRPr>
-            </a:lvl8pPr>
-            <a:lvl9pPr marL="3886200" indent="-228600" algn="l" defTabSz="914400" rtl="0" eaLnBrk="1" latinLnBrk="0" hangingPunct="1">
-              <a:lnSpc>
-                <a:spcPct val="120000"/>
-              </a:lnSpc>
-              <a:spcBef>
-                <a:spcPts val="500"/>
-              </a:spcBef>
-              <a:buClr>
-                <a:schemeClr val="accent1"/>
-              </a:buClr>
-              <a:buSzPct val="100000"/>
-              <a:buFont typeface="Arial" panose="020B0604020202020204" pitchFamily="34" charset="0"/>
-              <a:buChar char="•"/>
-              <a:defRPr sz="1200" kern="1200" baseline="0">
-                <a:solidFill>
-                  <a:schemeClr val="tx1"/>
-                </a:solidFill>
-                <a:effectLst/>
-                <a:latin typeface="+mn-lt"/>
-                <a:ea typeface="+mn-ea"/>
-                <a:cs typeface="+mn-cs"/>
-              </a:defRPr>
-            </a:lvl9pPr>
-          </a:lstStyle>
+          <p:cNvSpPr>
+            <a:spLocks noGrp="1"/>
+          </p:cNvSpPr>
+          <p:nvPr>
+            <p:ph idx="1"/>
+          </p:nvPr>
+        </p:nvSpPr>
+        <p:spPr/>
+        <p:txBody>
+          <a:bodyPr/>
+          <a:lstStyle/>
           <a:p>
             <a:r>
               <a:rPr lang="en-US" dirty="0"/>
-              <a:t>Employed in IT since 1999</a:t>
-            </a:r>
-          </a:p>
-          <a:p>
-            <a:pPr lvl="1"/>
+              <a:t>Read carefully documentations.</a:t>
+            </a:r>
+          </a:p>
+          <a:p>
             <a:r>
               <a:rPr lang="en-US" dirty="0"/>
-              <a:t>Developer / Architect / Team Leader</a:t>
-            </a:r>
-          </a:p>
-          <a:p>
-            <a:pPr lvl="1"/>
+              <a:t>Samples are samples not a final solution.</a:t>
+            </a:r>
+          </a:p>
+          <a:p>
             <a:r>
               <a:rPr lang="en-US" dirty="0"/>
-              <a:t>Now: Senior Software Developer </a:t>
-            </a:r>
-            <a:br>
+              <a:t>Using await does not guarantee an atomic operation.</a:t>
+            </a:r>
+          </a:p>
+          <a:p>
+            <a:r>
               <a:rPr lang="en-US" dirty="0"/>
-            </a:br>
+              <a:t>Each thread can be paused for a moment.</a:t>
+            </a:r>
+          </a:p>
+          <a:p>
             <a:r>
               <a:rPr lang="en-US" dirty="0"/>
-              <a:t>@ SoftwareONE</a:t>
-            </a:r>
-          </a:p>
-          <a:p>
-            <a:r>
-              <a:rPr lang="en-US" dirty="0"/>
-              <a:t>Experienced in many technologies</a:t>
-            </a:r>
-          </a:p>
-          <a:p>
-            <a:pPr lvl="1"/>
-            <a:r>
-              <a:rPr lang="en-US" sz="1600" dirty="0"/>
-              <a:t>.NET, SQL, SharePoint, BizTalk, Google Cloud, Android, SCCM</a:t>
-            </a:r>
-            <a:br>
-              <a:rPr lang="en-US" sz="1600" dirty="0"/>
-            </a:br>
-            <a:r>
-              <a:rPr lang="en-US" sz="1600" dirty="0"/>
-              <a:t>Active Directory, Web Development …</a:t>
-            </a:r>
-            <a:endParaRPr lang="en-US" sz="2000" dirty="0"/>
-          </a:p>
-          <a:p>
-            <a:r>
-              <a:rPr lang="en-US" dirty="0"/>
-              <a:t>I like to share my knowledge with others</a:t>
-            </a:r>
-          </a:p>
-          <a:p>
-            <a:pPr lvl="1"/>
-            <a:r>
-              <a:rPr lang="en-US" sz="1600" dirty="0"/>
-              <a:t>You can meet me at </a:t>
-            </a:r>
-            <a:r>
-              <a:rPr lang="en-US" sz="1600" dirty="0" err="1"/>
-              <a:t>Warszawska</a:t>
-            </a:r>
-            <a:r>
-              <a:rPr lang="en-US" sz="1600" dirty="0"/>
-              <a:t> </a:t>
-            </a:r>
-            <a:r>
-              <a:rPr lang="en-US" sz="1600" dirty="0" err="1"/>
-              <a:t>Grupa</a:t>
-            </a:r>
-            <a:r>
-              <a:rPr lang="en-US" sz="1600" dirty="0"/>
-              <a:t> .NET (WG-NET)</a:t>
-            </a:r>
-          </a:p>
-          <a:p>
-            <a:pPr lvl="1"/>
-            <a:r>
-              <a:rPr lang="en-US" sz="1600" dirty="0"/>
-              <a:t>I get chance to present on </a:t>
-            </a:r>
-            <a:r>
-              <a:rPr lang="en-US" sz="1600" dirty="0" err="1"/>
-              <a:t>Warszawskie</a:t>
-            </a:r>
-            <a:r>
-              <a:rPr lang="en-US" sz="1600" dirty="0"/>
-              <a:t> </a:t>
-            </a:r>
-            <a:r>
-              <a:rPr lang="en-US" sz="1600" dirty="0" err="1"/>
-              <a:t>Dni</a:t>
-            </a:r>
-            <a:r>
-              <a:rPr lang="en-US" sz="1600" dirty="0"/>
-              <a:t> </a:t>
-            </a:r>
-            <a:r>
-              <a:rPr lang="en-US" sz="1600" dirty="0" err="1"/>
-              <a:t>Informatyki</a:t>
-            </a:r>
-            <a:endParaRPr lang="en-US" sz="1600" dirty="0"/>
-          </a:p>
-        </p:txBody>
-      </p:sp>
-      <p:pic>
-        <p:nvPicPr>
-          <p:cNvPr id="4" name="Picture 2" descr="Mariusz Krzanowski">
-            <a:extLst>
-              <a:ext uri="{FF2B5EF4-FFF2-40B4-BE49-F238E27FC236}">
-                <a16:creationId xmlns:a16="http://schemas.microsoft.com/office/drawing/2014/main" id="{D8CEEB4E-C891-4490-B4AF-44C4B3D03DF0}"/>
-              </a:ext>
-            </a:extLst>
-          </p:cNvPr>
-          <p:cNvPicPr>
-            <a:picLocks noChangeAspect="1" noChangeArrowheads="1"/>
-          </p:cNvPicPr>
-          <p:nvPr/>
-        </p:nvPicPr>
-        <p:blipFill>
-          <a:blip r:embed="rId2">
-            <a:extLst>
-              <a:ext uri="{28A0092B-C50C-407E-A947-70E740481C1C}">
-                <a14:useLocalDpi xmlns:a14="http://schemas.microsoft.com/office/drawing/2010/main" val="0"/>
-              </a:ext>
-            </a:extLst>
-          </a:blip>
-          <a:srcRect/>
-          <a:stretch>
-            <a:fillRect/>
-          </a:stretch>
-        </p:blipFill>
-        <p:spPr bwMode="auto">
-          <a:xfrm>
-            <a:off x="7695416" y="2232581"/>
-            <a:ext cx="2886173" cy="2886173"/>
-          </a:xfrm>
-          <a:prstGeom prst="rect">
-            <a:avLst/>
-          </a:prstGeom>
-          <a:noFill/>
-          <a:extLst>
-            <a:ext uri="{909E8E84-426E-40DD-AFC4-6F175D3DCCD1}">
-              <a14:hiddenFill xmlns:a14="http://schemas.microsoft.com/office/drawing/2010/main">
-                <a:solidFill>
-                  <a:srgbClr val="FFFFFF"/>
-                </a:solidFill>
-              </a14:hiddenFill>
-            </a:ext>
-          </a:extLst>
-        </p:spPr>
-      </p:pic>
-      <p:pic>
-        <p:nvPicPr>
-          <p:cNvPr id="5" name="Picture 5" descr="A picture containing drawing&#10;&#10;Description automatically generated">
-            <a:extLst>
-              <a:ext uri="{FF2B5EF4-FFF2-40B4-BE49-F238E27FC236}">
-                <a16:creationId xmlns:a16="http://schemas.microsoft.com/office/drawing/2014/main" id="{5AF26D78-70A7-4887-ABBA-13FD32830D9F}"/>
-              </a:ext>
-            </a:extLst>
-          </p:cNvPr>
-          <p:cNvPicPr>
-            <a:picLocks noChangeAspect="1"/>
-          </p:cNvPicPr>
-          <p:nvPr/>
-        </p:nvPicPr>
-        <p:blipFill>
-          <a:blip r:embed="rId3">
-            <a:extLst>
-              <a:ext uri="{28A0092B-C50C-407E-A947-70E740481C1C}">
-                <a14:useLocalDpi xmlns:a14="http://schemas.microsoft.com/office/drawing/2010/main" val="0"/>
-              </a:ext>
-            </a:extLst>
-          </a:blip>
-          <a:stretch>
-            <a:fillRect/>
-          </a:stretch>
-        </p:blipFill>
-        <p:spPr>
-          <a:xfrm>
-            <a:off x="8296659" y="5135660"/>
-            <a:ext cx="2284930" cy="571233"/>
-          </a:xfrm>
-          <a:prstGeom prst="rect">
-            <a:avLst/>
-          </a:prstGeom>
-          <a:solidFill>
-            <a:schemeClr val="tx1"/>
-          </a:solidFill>
-        </p:spPr>
-      </p:pic>
+              <a:t>Challenge implemented code by doing thought experiments.</a:t>
+            </a:r>
+          </a:p>
+          <a:p>
+            <a:endParaRPr lang="pl-PL" dirty="0"/>
+          </a:p>
+        </p:txBody>
+      </p:sp>
     </p:spTree>
     <p:extLst>
       <p:ext uri="{BB962C8B-B14F-4D97-AF65-F5344CB8AC3E}">
-        <p14:creationId xmlns:p14="http://schemas.microsoft.com/office/powerpoint/2010/main" val="4021164258"/>
+        <p14:creationId xmlns:p14="http://schemas.microsoft.com/office/powerpoint/2010/main" val="1913639020"/>
       </p:ext>
     </p:extLst>
   </p:cSld>
@@ -6496,333 +6312,7 @@
 </p:sld>
 </file>
 
-<file path=ppt/slides/slide3.xml><?xml version="1.0" encoding="utf-8"?>
-<p:sld xmlns:a="http://schemas.openxmlformats.org/drawingml/2006/main" xmlns:r="http://schemas.openxmlformats.org/officeDocument/2006/relationships" xmlns:p="http://schemas.openxmlformats.org/presentationml/2006/main">
-  <p:cSld>
-    <p:spTree>
-      <p:nvGrpSpPr>
-        <p:cNvPr id="1" name=""/>
-        <p:cNvGrpSpPr/>
-        <p:nvPr/>
-      </p:nvGrpSpPr>
-      <p:grpSpPr>
-        <a:xfrm>
-          <a:off x="0" y="0"/>
-          <a:ext cx="0" cy="0"/>
-          <a:chOff x="0" y="0"/>
-          <a:chExt cx="0" cy="0"/>
-        </a:xfrm>
-      </p:grpSpPr>
-      <p:sp>
-        <p:nvSpPr>
-          <p:cNvPr id="2" name="Tytuł 1">
-            <a:extLst>
-              <a:ext uri="{FF2B5EF4-FFF2-40B4-BE49-F238E27FC236}">
-                <a16:creationId xmlns:a16="http://schemas.microsoft.com/office/drawing/2014/main" id="{1568D01C-6E4B-485E-9CC9-F835670545BA}"/>
-              </a:ext>
-            </a:extLst>
-          </p:cNvPr>
-          <p:cNvSpPr>
-            <a:spLocks noGrp="1"/>
-          </p:cNvSpPr>
-          <p:nvPr>
-            <p:ph type="title"/>
-          </p:nvPr>
-        </p:nvSpPr>
-        <p:spPr/>
-        <p:txBody>
-          <a:bodyPr/>
-          <a:lstStyle/>
-          <a:p>
-            <a:r>
-              <a:rPr lang="en-US" dirty="0"/>
-              <a:t>Agenda</a:t>
-            </a:r>
-            <a:endParaRPr lang="pl-PL" dirty="0"/>
-          </a:p>
-        </p:txBody>
-      </p:sp>
-      <p:sp>
-        <p:nvSpPr>
-          <p:cNvPr id="3" name="Symbol zastępczy zawartości 2">
-            <a:extLst>
-              <a:ext uri="{FF2B5EF4-FFF2-40B4-BE49-F238E27FC236}">
-                <a16:creationId xmlns:a16="http://schemas.microsoft.com/office/drawing/2014/main" id="{C78A4384-4F29-4DCA-B873-6B082A3CDD90}"/>
-              </a:ext>
-            </a:extLst>
-          </p:cNvPr>
-          <p:cNvSpPr>
-            <a:spLocks noGrp="1"/>
-          </p:cNvSpPr>
-          <p:nvPr>
-            <p:ph idx="1"/>
-          </p:nvPr>
-        </p:nvSpPr>
-        <p:spPr/>
-        <p:txBody>
-          <a:bodyPr/>
-          <a:lstStyle/>
-          <a:p>
-            <a:r>
-              <a:rPr lang="en-US" dirty="0"/>
-              <a:t>Warmup - async or no async that’s the question</a:t>
-            </a:r>
-          </a:p>
-          <a:p>
-            <a:r>
-              <a:rPr lang="en-US" dirty="0"/>
-              <a:t>More to do require less time</a:t>
-            </a:r>
-          </a:p>
-          <a:p>
-            <a:r>
-              <a:rPr lang="en-US" dirty="0"/>
-              <a:t>Action block and never executed tasks</a:t>
-            </a:r>
-          </a:p>
-          <a:p>
-            <a:r>
-              <a:rPr lang="en-US" dirty="0"/>
-              <a:t>Concurrent dictionary and factory problem</a:t>
-            </a:r>
-          </a:p>
-          <a:p>
-            <a:r>
-              <a:rPr lang="en-US" dirty="0"/>
-              <a:t>Slim Semaphore deadlock</a:t>
-            </a:r>
-          </a:p>
-        </p:txBody>
-      </p:sp>
-    </p:spTree>
-    <p:extLst>
-      <p:ext uri="{BB962C8B-B14F-4D97-AF65-F5344CB8AC3E}">
-        <p14:creationId xmlns:p14="http://schemas.microsoft.com/office/powerpoint/2010/main" val="2062289299"/>
-      </p:ext>
-    </p:extLst>
-  </p:cSld>
-  <p:clrMapOvr>
-    <a:masterClrMapping/>
-  </p:clrMapOvr>
-</p:sld>
-</file>
-
-<file path=ppt/slides/slide4.xml><?xml version="1.0" encoding="utf-8"?>
-<p:sld xmlns:a="http://schemas.openxmlformats.org/drawingml/2006/main" xmlns:r="http://schemas.openxmlformats.org/officeDocument/2006/relationships" xmlns:p="http://schemas.openxmlformats.org/presentationml/2006/main">
-  <p:cSld>
-    <p:spTree>
-      <p:nvGrpSpPr>
-        <p:cNvPr id="1" name=""/>
-        <p:cNvGrpSpPr/>
-        <p:nvPr/>
-      </p:nvGrpSpPr>
-      <p:grpSpPr>
-        <a:xfrm>
-          <a:off x="0" y="0"/>
-          <a:ext cx="0" cy="0"/>
-          <a:chOff x="0" y="0"/>
-          <a:chExt cx="0" cy="0"/>
-        </a:xfrm>
-      </p:grpSpPr>
-      <p:sp>
-        <p:nvSpPr>
-          <p:cNvPr id="2" name="Tytuł 1">
-            <a:extLst>
-              <a:ext uri="{FF2B5EF4-FFF2-40B4-BE49-F238E27FC236}">
-                <a16:creationId xmlns:a16="http://schemas.microsoft.com/office/drawing/2014/main" id="{5D1FC2DA-2BEE-450E-BD8F-19DFBEEAAA51}"/>
-              </a:ext>
-            </a:extLst>
-          </p:cNvPr>
-          <p:cNvSpPr>
-            <a:spLocks noGrp="1"/>
-          </p:cNvSpPr>
-          <p:nvPr>
-            <p:ph type="title"/>
-          </p:nvPr>
-        </p:nvSpPr>
-        <p:spPr/>
-        <p:txBody>
-          <a:bodyPr/>
-          <a:lstStyle/>
-          <a:p>
-            <a:r>
-              <a:rPr lang="en-US" dirty="0"/>
-              <a:t>Players</a:t>
-            </a:r>
-            <a:endParaRPr lang="pl-PL" dirty="0"/>
-          </a:p>
-        </p:txBody>
-      </p:sp>
-      <p:sp>
-        <p:nvSpPr>
-          <p:cNvPr id="3" name="Symbol zastępczy zawartości 2">
-            <a:extLst>
-              <a:ext uri="{FF2B5EF4-FFF2-40B4-BE49-F238E27FC236}">
-                <a16:creationId xmlns:a16="http://schemas.microsoft.com/office/drawing/2014/main" id="{969F43AF-F6FD-45CE-A2DB-1355F8D5A243}"/>
-              </a:ext>
-            </a:extLst>
-          </p:cNvPr>
-          <p:cNvSpPr>
-            <a:spLocks noGrp="1"/>
-          </p:cNvSpPr>
-          <p:nvPr>
-            <p:ph idx="1"/>
-          </p:nvPr>
-        </p:nvSpPr>
-        <p:spPr/>
-        <p:txBody>
-          <a:bodyPr/>
-          <a:lstStyle/>
-          <a:p>
-            <a:r>
-              <a:rPr lang="en-US" dirty="0"/>
-              <a:t>Thread</a:t>
-            </a:r>
-          </a:p>
-          <a:p>
-            <a:r>
-              <a:rPr lang="en-US" dirty="0"/>
-              <a:t>Manual Reset Event</a:t>
-            </a:r>
-          </a:p>
-          <a:p>
-            <a:r>
-              <a:rPr lang="en-US" dirty="0"/>
-              <a:t>Action Block</a:t>
-            </a:r>
-            <a:endParaRPr lang="pl-PL" dirty="0"/>
-          </a:p>
-          <a:p>
-            <a:r>
-              <a:rPr lang="en-US" dirty="0"/>
-              <a:t>Semaphore</a:t>
-            </a:r>
-          </a:p>
-          <a:p>
-            <a:r>
-              <a:rPr lang="en-US" dirty="0"/>
-              <a:t>Concurrent Dictionary</a:t>
-            </a:r>
-          </a:p>
-          <a:p>
-            <a:endParaRPr lang="en-US" dirty="0"/>
-          </a:p>
-        </p:txBody>
-      </p:sp>
-    </p:spTree>
-    <p:extLst>
-      <p:ext uri="{BB962C8B-B14F-4D97-AF65-F5344CB8AC3E}">
-        <p14:creationId xmlns:p14="http://schemas.microsoft.com/office/powerpoint/2010/main" val="63138878"/>
-      </p:ext>
-    </p:extLst>
-  </p:cSld>
-  <p:clrMapOvr>
-    <a:masterClrMapping/>
-  </p:clrMapOvr>
-</p:sld>
-</file>
-
-<file path=ppt/slides/slide5.xml><?xml version="1.0" encoding="utf-8"?>
-<p:sld xmlns:a="http://schemas.openxmlformats.org/drawingml/2006/main" xmlns:r="http://schemas.openxmlformats.org/officeDocument/2006/relationships" xmlns:p="http://schemas.openxmlformats.org/presentationml/2006/main" show="0">
-  <p:cSld>
-    <p:spTree>
-      <p:nvGrpSpPr>
-        <p:cNvPr id="1" name=""/>
-        <p:cNvGrpSpPr/>
-        <p:nvPr/>
-      </p:nvGrpSpPr>
-      <p:grpSpPr>
-        <a:xfrm>
-          <a:off x="0" y="0"/>
-          <a:ext cx="0" cy="0"/>
-          <a:chOff x="0" y="0"/>
-          <a:chExt cx="0" cy="0"/>
-        </a:xfrm>
-      </p:grpSpPr>
-      <p:sp>
-        <p:nvSpPr>
-          <p:cNvPr id="2" name="Tytuł 1">
-            <a:extLst>
-              <a:ext uri="{FF2B5EF4-FFF2-40B4-BE49-F238E27FC236}">
-                <a16:creationId xmlns:a16="http://schemas.microsoft.com/office/drawing/2014/main" id="{219DD17C-59DF-4EBF-A995-7EA4DE2A2058}"/>
-              </a:ext>
-            </a:extLst>
-          </p:cNvPr>
-          <p:cNvSpPr>
-            <a:spLocks noGrp="1"/>
-          </p:cNvSpPr>
-          <p:nvPr>
-            <p:ph type="title"/>
-          </p:nvPr>
-        </p:nvSpPr>
-        <p:spPr/>
-        <p:txBody>
-          <a:bodyPr/>
-          <a:lstStyle/>
-          <a:p>
-            <a:r>
-              <a:rPr lang="en-US" dirty="0"/>
-              <a:t>Manual Reset Event </a:t>
-            </a:r>
-            <a:endParaRPr lang="pl-PL" dirty="0"/>
-          </a:p>
-        </p:txBody>
-      </p:sp>
-      <p:sp>
-        <p:nvSpPr>
-          <p:cNvPr id="3" name="Symbol zastępczy zawartości 2">
-            <a:extLst>
-              <a:ext uri="{FF2B5EF4-FFF2-40B4-BE49-F238E27FC236}">
-                <a16:creationId xmlns:a16="http://schemas.microsoft.com/office/drawing/2014/main" id="{D03FA739-504E-4CDD-AED4-6ACF0CFDB750}"/>
-              </a:ext>
-            </a:extLst>
-          </p:cNvPr>
-          <p:cNvSpPr>
-            <a:spLocks noGrp="1"/>
-          </p:cNvSpPr>
-          <p:nvPr>
-            <p:ph idx="1"/>
-          </p:nvPr>
-        </p:nvSpPr>
-        <p:spPr/>
-        <p:txBody>
-          <a:bodyPr/>
-          <a:lstStyle/>
-          <a:p>
-            <a:r>
-              <a:rPr lang="en-US" dirty="0"/>
-              <a:t>Blocks all thread waiting. When it is signaled all threads can enter protected section.</a:t>
-            </a:r>
-          </a:p>
-          <a:p>
-            <a:r>
-              <a:rPr lang="en-US" dirty="0"/>
-              <a:t>Start line</a:t>
-            </a:r>
-          </a:p>
-          <a:p>
-            <a:r>
-              <a:rPr lang="en-US" dirty="0"/>
-              <a:t>Synchronizations point for multiple thread.</a:t>
-            </a:r>
-            <a:endParaRPr lang="pl-PL" dirty="0"/>
-          </a:p>
-        </p:txBody>
-      </p:sp>
-    </p:spTree>
-    <p:extLst>
-      <p:ext uri="{BB962C8B-B14F-4D97-AF65-F5344CB8AC3E}">
-        <p14:creationId xmlns:p14="http://schemas.microsoft.com/office/powerpoint/2010/main" val="2572891360"/>
-      </p:ext>
-    </p:extLst>
-  </p:cSld>
-  <p:clrMapOvr>
-    <a:masterClrMapping/>
-  </p:clrMapOvr>
-</p:sld>
-</file>
-
-<file path=ppt/slides/slide6.xml><?xml version="1.0" encoding="utf-8"?>
+<file path=ppt/slides/slide12.xml><?xml version="1.0" encoding="utf-8"?>
 <p:sld xmlns:a="http://schemas.openxmlformats.org/drawingml/2006/main" xmlns:r="http://schemas.openxmlformats.org/officeDocument/2006/relationships" xmlns:p="http://schemas.openxmlformats.org/presentationml/2006/main">
   <p:cSld>
     <p:bg>
@@ -7590,7 +7080,7 @@
 </p:sld>
 </file>
 
-<file path=ppt/slides/slide7.xml><?xml version="1.0" encoding="utf-8"?>
+<file path=ppt/slides/slide13.xml><?xml version="1.0" encoding="utf-8"?>
 <p:sld xmlns:a="http://schemas.openxmlformats.org/drawingml/2006/main" xmlns:r="http://schemas.openxmlformats.org/officeDocument/2006/relationships" xmlns:p="http://schemas.openxmlformats.org/presentationml/2006/main">
   <p:cSld>
     <p:spTree>
@@ -8063,6 +7553,3641 @@
     <p:extLst>
       <p:ext uri="{BB962C8B-B14F-4D97-AF65-F5344CB8AC3E}">
         <p14:creationId xmlns:p14="http://schemas.microsoft.com/office/powerpoint/2010/main" val="3868984610"/>
+      </p:ext>
+    </p:extLst>
+  </p:cSld>
+  <p:clrMapOvr>
+    <a:masterClrMapping/>
+  </p:clrMapOvr>
+</p:sld>
+</file>
+
+<file path=ppt/slides/slide14.xml><?xml version="1.0" encoding="utf-8"?>
+<p:sld xmlns:a="http://schemas.openxmlformats.org/drawingml/2006/main" xmlns:r="http://schemas.openxmlformats.org/officeDocument/2006/relationships" xmlns:p="http://schemas.openxmlformats.org/presentationml/2006/main">
+  <p:cSld>
+    <p:spTree>
+      <p:nvGrpSpPr>
+        <p:cNvPr id="1" name=""/>
+        <p:cNvGrpSpPr/>
+        <p:nvPr/>
+      </p:nvGrpSpPr>
+      <p:grpSpPr>
+        <a:xfrm>
+          <a:off x="0" y="0"/>
+          <a:ext cx="0" cy="0"/>
+          <a:chOff x="0" y="0"/>
+          <a:chExt cx="0" cy="0"/>
+        </a:xfrm>
+      </p:grpSpPr>
+      <p:sp>
+        <p:nvSpPr>
+          <p:cNvPr id="2" name="Tytuł 1">
+            <a:extLst>
+              <a:ext uri="{FF2B5EF4-FFF2-40B4-BE49-F238E27FC236}">
+                <a16:creationId xmlns:a16="http://schemas.microsoft.com/office/drawing/2014/main" id="{0E349326-5768-49AD-92E3-16B95EC6E610}"/>
+              </a:ext>
+            </a:extLst>
+          </p:cNvPr>
+          <p:cNvSpPr>
+            <a:spLocks noGrp="1"/>
+          </p:cNvSpPr>
+          <p:nvPr>
+            <p:ph type="title"/>
+          </p:nvPr>
+        </p:nvSpPr>
+        <p:spPr/>
+        <p:txBody>
+          <a:bodyPr/>
+          <a:lstStyle/>
+          <a:p>
+            <a:r>
+              <a:rPr lang="en-US" dirty="0"/>
+              <a:t>Thank you</a:t>
+            </a:r>
+            <a:endParaRPr lang="pl-PL" dirty="0"/>
+          </a:p>
+        </p:txBody>
+      </p:sp>
+      <p:sp>
+        <p:nvSpPr>
+          <p:cNvPr id="3" name="Symbol zastępczy zawartości 2">
+            <a:extLst>
+              <a:ext uri="{FF2B5EF4-FFF2-40B4-BE49-F238E27FC236}">
+                <a16:creationId xmlns:a16="http://schemas.microsoft.com/office/drawing/2014/main" id="{0CF1B121-B16F-4342-8358-47B1C4CD7689}"/>
+              </a:ext>
+            </a:extLst>
+          </p:cNvPr>
+          <p:cNvSpPr>
+            <a:spLocks noGrp="1"/>
+          </p:cNvSpPr>
+          <p:nvPr>
+            <p:ph idx="1"/>
+          </p:nvPr>
+        </p:nvSpPr>
+        <p:spPr/>
+        <p:txBody>
+          <a:bodyPr/>
+          <a:lstStyle/>
+          <a:p>
+            <a:endParaRPr lang="pl-PL" dirty="0"/>
+          </a:p>
+        </p:txBody>
+      </p:sp>
+    </p:spTree>
+    <p:extLst>
+      <p:ext uri="{BB962C8B-B14F-4D97-AF65-F5344CB8AC3E}">
+        <p14:creationId xmlns:p14="http://schemas.microsoft.com/office/powerpoint/2010/main" val="3637521667"/>
+      </p:ext>
+    </p:extLst>
+  </p:cSld>
+  <p:clrMapOvr>
+    <a:masterClrMapping/>
+  </p:clrMapOvr>
+</p:sld>
+</file>
+
+<file path=ppt/slides/slide15.xml><?xml version="1.0" encoding="utf-8"?>
+<p:sld xmlns:a="http://schemas.openxmlformats.org/drawingml/2006/main" xmlns:r="http://schemas.openxmlformats.org/officeDocument/2006/relationships" xmlns:p="http://schemas.openxmlformats.org/presentationml/2006/main">
+  <p:cSld>
+    <p:spTree>
+      <p:nvGrpSpPr>
+        <p:cNvPr id="1" name=""/>
+        <p:cNvGrpSpPr/>
+        <p:nvPr/>
+      </p:nvGrpSpPr>
+      <p:grpSpPr>
+        <a:xfrm>
+          <a:off x="0" y="0"/>
+          <a:ext cx="0" cy="0"/>
+          <a:chOff x="0" y="0"/>
+          <a:chExt cx="0" cy="0"/>
+        </a:xfrm>
+      </p:grpSpPr>
+      <p:sp>
+        <p:nvSpPr>
+          <p:cNvPr id="2" name="Title 1">
+            <a:extLst>
+              <a:ext uri="{FF2B5EF4-FFF2-40B4-BE49-F238E27FC236}">
+                <a16:creationId xmlns:a16="http://schemas.microsoft.com/office/drawing/2014/main" id="{322FCD23-4404-4E7C-8ABD-AA24119A85BE}"/>
+              </a:ext>
+            </a:extLst>
+          </p:cNvPr>
+          <p:cNvSpPr txBox="1">
+            <a:spLocks/>
+          </p:cNvSpPr>
+          <p:nvPr/>
+        </p:nvSpPr>
+        <p:spPr>
+          <a:xfrm>
+            <a:off x="1141413" y="618518"/>
+            <a:ext cx="9905998" cy="1478570"/>
+          </a:xfrm>
+          <a:prstGeom prst="rect">
+            <a:avLst/>
+          </a:prstGeom>
+        </p:spPr>
+        <p:txBody>
+          <a:bodyPr/>
+          <a:lstStyle>
+            <a:lvl1pPr algn="l" defTabSz="914400" rtl="0" eaLnBrk="1" latinLnBrk="0" hangingPunct="1">
+              <a:lnSpc>
+                <a:spcPct val="90000"/>
+              </a:lnSpc>
+              <a:spcBef>
+                <a:spcPct val="0"/>
+              </a:spcBef>
+              <a:buNone/>
+              <a:defRPr sz="3200" b="0" i="0" kern="1200" cap="all">
+                <a:solidFill>
+                  <a:schemeClr val="tx1"/>
+                </a:solidFill>
+                <a:effectLst/>
+                <a:latin typeface="+mj-lt"/>
+                <a:ea typeface="+mj-ea"/>
+                <a:cs typeface="+mj-cs"/>
+              </a:defRPr>
+            </a:lvl1pPr>
+          </a:lstStyle>
+          <a:p>
+            <a:r>
+              <a:rPr lang="en-US" dirty="0"/>
+              <a:t>Where can you find me?</a:t>
+            </a:r>
+          </a:p>
+        </p:txBody>
+      </p:sp>
+      <p:sp>
+        <p:nvSpPr>
+          <p:cNvPr id="3" name="Content Placeholder 2">
+            <a:extLst>
+              <a:ext uri="{FF2B5EF4-FFF2-40B4-BE49-F238E27FC236}">
+                <a16:creationId xmlns:a16="http://schemas.microsoft.com/office/drawing/2014/main" id="{A8228DCD-F368-4621-8CCA-488306C49EC4}"/>
+              </a:ext>
+            </a:extLst>
+          </p:cNvPr>
+          <p:cNvSpPr txBox="1">
+            <a:spLocks/>
+          </p:cNvSpPr>
+          <p:nvPr/>
+        </p:nvSpPr>
+        <p:spPr>
+          <a:xfrm>
+            <a:off x="1141412" y="1947828"/>
+            <a:ext cx="4878389" cy="3541714"/>
+          </a:xfrm>
+          <a:prstGeom prst="rect">
+            <a:avLst/>
+          </a:prstGeom>
+        </p:spPr>
+        <p:txBody>
+          <a:bodyPr>
+            <a:normAutofit fontScale="77500" lnSpcReduction="20000"/>
+          </a:bodyPr>
+          <a:lstStyle>
+            <a:lvl1pPr marL="228600" indent="-228600" algn="l" defTabSz="914400" rtl="0" eaLnBrk="1" latinLnBrk="0" hangingPunct="1">
+              <a:lnSpc>
+                <a:spcPct val="120000"/>
+              </a:lnSpc>
+              <a:spcBef>
+                <a:spcPts val="1000"/>
+              </a:spcBef>
+              <a:buClr>
+                <a:schemeClr val="accent1"/>
+              </a:buClr>
+              <a:buSzPct val="100000"/>
+              <a:buFont typeface="Arial" panose="020B0604020202020204" pitchFamily="34" charset="0"/>
+              <a:buChar char="•"/>
+              <a:defRPr sz="2000" kern="1200">
+                <a:solidFill>
+                  <a:schemeClr val="tx1"/>
+                </a:solidFill>
+                <a:effectLst/>
+                <a:latin typeface="+mn-lt"/>
+                <a:ea typeface="+mn-ea"/>
+                <a:cs typeface="+mn-cs"/>
+              </a:defRPr>
+            </a:lvl1pPr>
+            <a:lvl2pPr marL="685800" indent="-228600" algn="l" defTabSz="914400" rtl="0" eaLnBrk="1" latinLnBrk="0" hangingPunct="1">
+              <a:lnSpc>
+                <a:spcPct val="120000"/>
+              </a:lnSpc>
+              <a:spcBef>
+                <a:spcPts val="500"/>
+              </a:spcBef>
+              <a:buClr>
+                <a:schemeClr val="accent1"/>
+              </a:buClr>
+              <a:buSzPct val="100000"/>
+              <a:buFont typeface="Arial" panose="020B0604020202020204" pitchFamily="34" charset="0"/>
+              <a:buChar char="•"/>
+              <a:defRPr sz="1800" kern="1200" cap="none" baseline="0">
+                <a:solidFill>
+                  <a:schemeClr val="tx1"/>
+                </a:solidFill>
+                <a:effectLst/>
+                <a:latin typeface="+mn-lt"/>
+                <a:ea typeface="+mn-ea"/>
+                <a:cs typeface="+mn-cs"/>
+              </a:defRPr>
+            </a:lvl2pPr>
+            <a:lvl3pPr marL="1143000" indent="-228600" algn="l" defTabSz="914400" rtl="0" eaLnBrk="1" latinLnBrk="0" hangingPunct="1">
+              <a:lnSpc>
+                <a:spcPct val="120000"/>
+              </a:lnSpc>
+              <a:spcBef>
+                <a:spcPts val="500"/>
+              </a:spcBef>
+              <a:buClr>
+                <a:schemeClr val="accent1"/>
+              </a:buClr>
+              <a:buSzPct val="100000"/>
+              <a:buFont typeface="Arial" panose="020B0604020202020204" pitchFamily="34" charset="0"/>
+              <a:buChar char="•"/>
+              <a:defRPr sz="1600" kern="1200">
+                <a:solidFill>
+                  <a:schemeClr val="tx1"/>
+                </a:solidFill>
+                <a:effectLst/>
+                <a:latin typeface="+mn-lt"/>
+                <a:ea typeface="+mn-ea"/>
+                <a:cs typeface="+mn-cs"/>
+              </a:defRPr>
+            </a:lvl3pPr>
+            <a:lvl4pPr marL="1600200" indent="-228600" algn="l" defTabSz="914400" rtl="0" eaLnBrk="1" latinLnBrk="0" hangingPunct="1">
+              <a:lnSpc>
+                <a:spcPct val="120000"/>
+              </a:lnSpc>
+              <a:spcBef>
+                <a:spcPts val="500"/>
+              </a:spcBef>
+              <a:buClr>
+                <a:schemeClr val="accent1"/>
+              </a:buClr>
+              <a:buSzPct val="100000"/>
+              <a:buFont typeface="Arial" panose="020B0604020202020204" pitchFamily="34" charset="0"/>
+              <a:buChar char="•"/>
+              <a:defRPr sz="1400" kern="1200" cap="none" baseline="0">
+                <a:solidFill>
+                  <a:schemeClr val="tx1"/>
+                </a:solidFill>
+                <a:effectLst/>
+                <a:latin typeface="+mn-lt"/>
+                <a:ea typeface="+mn-ea"/>
+                <a:cs typeface="+mn-cs"/>
+              </a:defRPr>
+            </a:lvl4pPr>
+            <a:lvl5pPr marL="2057400" indent="-228600" algn="l" defTabSz="914400" rtl="0" eaLnBrk="1" latinLnBrk="0" hangingPunct="1">
+              <a:lnSpc>
+                <a:spcPct val="120000"/>
+              </a:lnSpc>
+              <a:spcBef>
+                <a:spcPts val="500"/>
+              </a:spcBef>
+              <a:buClr>
+                <a:schemeClr val="accent1"/>
+              </a:buClr>
+              <a:buSzPct val="100000"/>
+              <a:buFont typeface="Arial" panose="020B0604020202020204" pitchFamily="34" charset="0"/>
+              <a:buChar char="•"/>
+              <a:defRPr sz="1200" kern="1200">
+                <a:solidFill>
+                  <a:schemeClr val="tx1"/>
+                </a:solidFill>
+                <a:effectLst/>
+                <a:latin typeface="+mn-lt"/>
+                <a:ea typeface="+mn-ea"/>
+                <a:cs typeface="+mn-cs"/>
+              </a:defRPr>
+            </a:lvl5pPr>
+            <a:lvl6pPr marL="2514600" indent="-228600" algn="l" defTabSz="914400" rtl="0" eaLnBrk="1" latinLnBrk="0" hangingPunct="1">
+              <a:lnSpc>
+                <a:spcPct val="120000"/>
+              </a:lnSpc>
+              <a:spcBef>
+                <a:spcPts val="500"/>
+              </a:spcBef>
+              <a:buClr>
+                <a:schemeClr val="accent1"/>
+              </a:buClr>
+              <a:buSzPct val="100000"/>
+              <a:buFont typeface="Arial" panose="020B0604020202020204" pitchFamily="34" charset="0"/>
+              <a:buChar char="•"/>
+              <a:defRPr sz="1200" kern="1200">
+                <a:solidFill>
+                  <a:schemeClr val="tx1"/>
+                </a:solidFill>
+                <a:effectLst/>
+                <a:latin typeface="+mn-lt"/>
+                <a:ea typeface="+mn-ea"/>
+                <a:cs typeface="+mn-cs"/>
+              </a:defRPr>
+            </a:lvl6pPr>
+            <a:lvl7pPr marL="2971800" indent="-228600" algn="l" defTabSz="914400" rtl="0" eaLnBrk="1" latinLnBrk="0" hangingPunct="1">
+              <a:lnSpc>
+                <a:spcPct val="120000"/>
+              </a:lnSpc>
+              <a:spcBef>
+                <a:spcPts val="500"/>
+              </a:spcBef>
+              <a:buClr>
+                <a:schemeClr val="accent1"/>
+              </a:buClr>
+              <a:buSzPct val="100000"/>
+              <a:buFont typeface="Arial" panose="020B0604020202020204" pitchFamily="34" charset="0"/>
+              <a:buChar char="•"/>
+              <a:defRPr sz="1200" kern="1200">
+                <a:solidFill>
+                  <a:schemeClr val="tx1"/>
+                </a:solidFill>
+                <a:effectLst/>
+                <a:latin typeface="+mn-lt"/>
+                <a:ea typeface="+mn-ea"/>
+                <a:cs typeface="+mn-cs"/>
+              </a:defRPr>
+            </a:lvl7pPr>
+            <a:lvl8pPr marL="3429000" indent="-228600" algn="l" defTabSz="914400" rtl="0" eaLnBrk="1" latinLnBrk="0" hangingPunct="1">
+              <a:lnSpc>
+                <a:spcPct val="120000"/>
+              </a:lnSpc>
+              <a:spcBef>
+                <a:spcPts val="500"/>
+              </a:spcBef>
+              <a:buClr>
+                <a:schemeClr val="accent1"/>
+              </a:buClr>
+              <a:buSzPct val="100000"/>
+              <a:buFont typeface="Arial" panose="020B0604020202020204" pitchFamily="34" charset="0"/>
+              <a:buChar char="•"/>
+              <a:defRPr sz="1200" kern="1200" baseline="0">
+                <a:solidFill>
+                  <a:schemeClr val="tx1"/>
+                </a:solidFill>
+                <a:effectLst/>
+                <a:latin typeface="+mn-lt"/>
+                <a:ea typeface="+mn-ea"/>
+                <a:cs typeface="+mn-cs"/>
+              </a:defRPr>
+            </a:lvl8pPr>
+            <a:lvl9pPr marL="3886200" indent="-228600" algn="l" defTabSz="914400" rtl="0" eaLnBrk="1" latinLnBrk="0" hangingPunct="1">
+              <a:lnSpc>
+                <a:spcPct val="120000"/>
+              </a:lnSpc>
+              <a:spcBef>
+                <a:spcPts val="500"/>
+              </a:spcBef>
+              <a:buClr>
+                <a:schemeClr val="accent1"/>
+              </a:buClr>
+              <a:buSzPct val="100000"/>
+              <a:buFont typeface="Arial" panose="020B0604020202020204" pitchFamily="34" charset="0"/>
+              <a:buChar char="•"/>
+              <a:defRPr sz="1200" kern="1200" baseline="0">
+                <a:solidFill>
+                  <a:schemeClr val="tx1"/>
+                </a:solidFill>
+                <a:effectLst/>
+                <a:latin typeface="+mn-lt"/>
+                <a:ea typeface="+mn-ea"/>
+                <a:cs typeface="+mn-cs"/>
+              </a:defRPr>
+            </a:lvl9pPr>
+          </a:lstStyle>
+          <a:p>
+            <a:r>
+              <a:rPr lang="en-US" dirty="0"/>
+              <a:t>Web</a:t>
+            </a:r>
+          </a:p>
+          <a:p>
+            <a:pPr lvl="1"/>
+            <a:r>
+              <a:rPr lang="en-US" dirty="0"/>
+              <a:t>https://lastboardingcall.pl </a:t>
+            </a:r>
+          </a:p>
+          <a:p>
+            <a:pPr lvl="1"/>
+            <a:r>
+              <a:rPr lang="en-US" dirty="0"/>
+              <a:t>https://mrmatrix.net </a:t>
+            </a:r>
+          </a:p>
+          <a:p>
+            <a:r>
+              <a:rPr lang="en-US" dirty="0"/>
+              <a:t>GitHub</a:t>
+            </a:r>
+          </a:p>
+          <a:p>
+            <a:pPr lvl="1"/>
+            <a:r>
+              <a:rPr lang="en-US" dirty="0"/>
+              <a:t>https://github.com/MariuszKrzanowski</a:t>
+            </a:r>
+          </a:p>
+          <a:p>
+            <a:r>
+              <a:rPr lang="en-US" dirty="0"/>
+              <a:t>YouTube</a:t>
+            </a:r>
+          </a:p>
+          <a:p>
+            <a:pPr lvl="1"/>
+            <a:r>
+              <a:rPr lang="en-US" dirty="0"/>
+              <a:t>Mariusz Krzanowski `mrmatrix.net`</a:t>
+            </a:r>
+          </a:p>
+          <a:p>
+            <a:r>
+              <a:rPr lang="en-US" dirty="0"/>
+              <a:t>Tweeter</a:t>
+            </a:r>
+          </a:p>
+          <a:p>
+            <a:pPr lvl="1"/>
+            <a:r>
+              <a:rPr lang="en-US" dirty="0"/>
+              <a:t>@KrzanowskiM</a:t>
+            </a:r>
+          </a:p>
+          <a:p>
+            <a:r>
+              <a:rPr lang="en-US" dirty="0"/>
+              <a:t>Meetups</a:t>
+            </a:r>
+          </a:p>
+          <a:p>
+            <a:pPr lvl="1"/>
+            <a:r>
+              <a:rPr lang="en-US" dirty="0" err="1"/>
+              <a:t>Warszawska</a:t>
+            </a:r>
+            <a:r>
+              <a:rPr lang="en-US" dirty="0"/>
+              <a:t> </a:t>
+            </a:r>
+            <a:r>
+              <a:rPr lang="en-US" dirty="0" err="1"/>
+              <a:t>Grupa</a:t>
+            </a:r>
+            <a:r>
+              <a:rPr lang="en-US" dirty="0"/>
+              <a:t> .NET</a:t>
+            </a:r>
+          </a:p>
+          <a:p>
+            <a:pPr marL="0" indent="0">
+              <a:buFont typeface="Arial" panose="020B0604020202020204" pitchFamily="34" charset="0"/>
+              <a:buNone/>
+            </a:pPr>
+            <a:endParaRPr lang="en-US" dirty="0"/>
+          </a:p>
+        </p:txBody>
+      </p:sp>
+      <p:pic>
+        <p:nvPicPr>
+          <p:cNvPr id="4" name="Obraz 14">
+            <a:extLst>
+              <a:ext uri="{FF2B5EF4-FFF2-40B4-BE49-F238E27FC236}">
+                <a16:creationId xmlns:a16="http://schemas.microsoft.com/office/drawing/2014/main" id="{0128306D-889E-4720-B876-6CAECE3A2FAF}"/>
+              </a:ext>
+            </a:extLst>
+          </p:cNvPr>
+          <p:cNvPicPr>
+            <a:picLocks noChangeAspect="1"/>
+          </p:cNvPicPr>
+          <p:nvPr/>
+        </p:nvPicPr>
+        <p:blipFill>
+          <a:blip r:embed="rId2">
+            <a:extLst>
+              <a:ext uri="{28A0092B-C50C-407E-A947-70E740481C1C}">
+                <a14:useLocalDpi xmlns:a14="http://schemas.microsoft.com/office/drawing/2010/main" val="0"/>
+              </a:ext>
+            </a:extLst>
+          </a:blip>
+          <a:stretch>
+            <a:fillRect/>
+          </a:stretch>
+        </p:blipFill>
+        <p:spPr>
+          <a:xfrm>
+            <a:off x="6094412" y="1947828"/>
+            <a:ext cx="4875213" cy="3251728"/>
+          </a:xfrm>
+          <a:prstGeom prst="rect">
+            <a:avLst/>
+          </a:prstGeom>
+        </p:spPr>
+      </p:pic>
+      <p:sp>
+        <p:nvSpPr>
+          <p:cNvPr id="5" name="Rectangle 6">
+            <a:extLst>
+              <a:ext uri="{FF2B5EF4-FFF2-40B4-BE49-F238E27FC236}">
+                <a16:creationId xmlns:a16="http://schemas.microsoft.com/office/drawing/2014/main" id="{C4BD00A6-EA8C-4733-B6FD-3C699021F010}"/>
+              </a:ext>
+            </a:extLst>
+          </p:cNvPr>
+          <p:cNvSpPr/>
+          <p:nvPr/>
+        </p:nvSpPr>
+        <p:spPr>
+          <a:xfrm>
+            <a:off x="6342511" y="5337174"/>
+            <a:ext cx="4188134" cy="707886"/>
+          </a:xfrm>
+          <a:prstGeom prst="rect">
+            <a:avLst/>
+          </a:prstGeom>
+        </p:spPr>
+        <p:txBody>
+          <a:bodyPr wrap="none">
+            <a:spAutoFit/>
+          </a:bodyPr>
+          <a:lstStyle/>
+          <a:p>
+            <a:r>
+              <a:rPr lang="en-US" sz="4000" dirty="0"/>
+              <a:t>Mariusz Krzanowski</a:t>
+            </a:r>
+          </a:p>
+        </p:txBody>
+      </p:sp>
+    </p:spTree>
+    <p:extLst>
+      <p:ext uri="{BB962C8B-B14F-4D97-AF65-F5344CB8AC3E}">
+        <p14:creationId xmlns:p14="http://schemas.microsoft.com/office/powerpoint/2010/main" val="1033171687"/>
+      </p:ext>
+    </p:extLst>
+  </p:cSld>
+  <p:clrMapOvr>
+    <a:masterClrMapping/>
+  </p:clrMapOvr>
+</p:sld>
+</file>
+
+<file path=ppt/slides/slide2.xml><?xml version="1.0" encoding="utf-8"?>
+<p:sld xmlns:a="http://schemas.openxmlformats.org/drawingml/2006/main" xmlns:r="http://schemas.openxmlformats.org/officeDocument/2006/relationships" xmlns:p="http://schemas.openxmlformats.org/presentationml/2006/main">
+  <p:cSld>
+    <p:spTree>
+      <p:nvGrpSpPr>
+        <p:cNvPr id="1" name=""/>
+        <p:cNvGrpSpPr/>
+        <p:nvPr/>
+      </p:nvGrpSpPr>
+      <p:grpSpPr>
+        <a:xfrm>
+          <a:off x="0" y="0"/>
+          <a:ext cx="0" cy="0"/>
+          <a:chOff x="0" y="0"/>
+          <a:chExt cx="0" cy="0"/>
+        </a:xfrm>
+      </p:grpSpPr>
+      <p:sp>
+        <p:nvSpPr>
+          <p:cNvPr id="2" name="Tytuł 1">
+            <a:extLst>
+              <a:ext uri="{FF2B5EF4-FFF2-40B4-BE49-F238E27FC236}">
+                <a16:creationId xmlns:a16="http://schemas.microsoft.com/office/drawing/2014/main" id="{8EAE64BE-92B8-4307-B5F9-338C271F507C}"/>
+              </a:ext>
+            </a:extLst>
+          </p:cNvPr>
+          <p:cNvSpPr>
+            <a:spLocks noGrp="1"/>
+          </p:cNvSpPr>
+          <p:nvPr>
+            <p:ph type="title"/>
+          </p:nvPr>
+        </p:nvSpPr>
+        <p:spPr/>
+        <p:txBody>
+          <a:bodyPr/>
+          <a:lstStyle/>
+          <a:p>
+            <a:r>
+              <a:rPr lang="en-US" dirty="0"/>
+              <a:t>Purpose</a:t>
+            </a:r>
+            <a:endParaRPr lang="pl-PL" dirty="0"/>
+          </a:p>
+        </p:txBody>
+      </p:sp>
+      <p:sp>
+        <p:nvSpPr>
+          <p:cNvPr id="3" name="Symbol zastępczy zawartości 2">
+            <a:extLst>
+              <a:ext uri="{FF2B5EF4-FFF2-40B4-BE49-F238E27FC236}">
+                <a16:creationId xmlns:a16="http://schemas.microsoft.com/office/drawing/2014/main" id="{B7FBE65E-57C8-4889-BE99-986B29F48E2A}"/>
+              </a:ext>
+            </a:extLst>
+          </p:cNvPr>
+          <p:cNvSpPr>
+            <a:spLocks noGrp="1"/>
+          </p:cNvSpPr>
+          <p:nvPr>
+            <p:ph idx="1"/>
+          </p:nvPr>
+        </p:nvSpPr>
+        <p:spPr/>
+        <p:txBody>
+          <a:bodyPr/>
+          <a:lstStyle/>
+          <a:p>
+            <a:r>
+              <a:rPr lang="en-US" dirty="0"/>
+              <a:t>Help us start thinking outside the box</a:t>
+            </a:r>
+          </a:p>
+          <a:p>
+            <a:r>
+              <a:rPr lang="en-US" dirty="0"/>
+              <a:t>See where to look for traps.</a:t>
+            </a:r>
+          </a:p>
+          <a:p>
+            <a:r>
+              <a:rPr lang="en-US" dirty="0"/>
+              <a:t>Change our counterintuitive knowledge about asynchronous programming.</a:t>
+            </a:r>
+          </a:p>
+          <a:p>
+            <a:r>
+              <a:rPr lang="en-US" dirty="0"/>
+              <a:t>Make us better software developers, by learning new stuff.</a:t>
+            </a:r>
+          </a:p>
+          <a:p>
+            <a:endParaRPr lang="en-US" dirty="0"/>
+          </a:p>
+        </p:txBody>
+      </p:sp>
+    </p:spTree>
+    <p:extLst>
+      <p:ext uri="{BB962C8B-B14F-4D97-AF65-F5344CB8AC3E}">
+        <p14:creationId xmlns:p14="http://schemas.microsoft.com/office/powerpoint/2010/main" val="309038024"/>
+      </p:ext>
+    </p:extLst>
+  </p:cSld>
+  <p:clrMapOvr>
+    <a:masterClrMapping/>
+  </p:clrMapOvr>
+</p:sld>
+</file>
+
+<file path=ppt/slides/slide3.xml><?xml version="1.0" encoding="utf-8"?>
+<p:sld xmlns:a="http://schemas.openxmlformats.org/drawingml/2006/main" xmlns:r="http://schemas.openxmlformats.org/officeDocument/2006/relationships" xmlns:p="http://schemas.openxmlformats.org/presentationml/2006/main">
+  <p:cSld>
+    <p:spTree>
+      <p:nvGrpSpPr>
+        <p:cNvPr id="1" name=""/>
+        <p:cNvGrpSpPr/>
+        <p:nvPr/>
+      </p:nvGrpSpPr>
+      <p:grpSpPr>
+        <a:xfrm>
+          <a:off x="0" y="0"/>
+          <a:ext cx="0" cy="0"/>
+          <a:chOff x="0" y="0"/>
+          <a:chExt cx="0" cy="0"/>
+        </a:xfrm>
+      </p:grpSpPr>
+      <p:sp>
+        <p:nvSpPr>
+          <p:cNvPr id="2" name="Title 1">
+            <a:extLst>
+              <a:ext uri="{FF2B5EF4-FFF2-40B4-BE49-F238E27FC236}">
+                <a16:creationId xmlns:a16="http://schemas.microsoft.com/office/drawing/2014/main" id="{2DA79CC7-B38F-4A17-957F-5DA74F035E60}"/>
+              </a:ext>
+            </a:extLst>
+          </p:cNvPr>
+          <p:cNvSpPr txBox="1">
+            <a:spLocks/>
+          </p:cNvSpPr>
+          <p:nvPr/>
+        </p:nvSpPr>
+        <p:spPr>
+          <a:xfrm>
+            <a:off x="1141413" y="618518"/>
+            <a:ext cx="9905998" cy="1478570"/>
+          </a:xfrm>
+          <a:prstGeom prst="rect">
+            <a:avLst/>
+          </a:prstGeom>
+        </p:spPr>
+        <p:txBody>
+          <a:bodyPr/>
+          <a:lstStyle>
+            <a:lvl1pPr algn="l" defTabSz="914400" rtl="0" eaLnBrk="1" latinLnBrk="0" hangingPunct="1">
+              <a:lnSpc>
+                <a:spcPct val="90000"/>
+              </a:lnSpc>
+              <a:spcBef>
+                <a:spcPct val="0"/>
+              </a:spcBef>
+              <a:buNone/>
+              <a:defRPr sz="3200" b="0" i="0" kern="1200" cap="all">
+                <a:solidFill>
+                  <a:schemeClr val="tx1"/>
+                </a:solidFill>
+                <a:effectLst/>
+                <a:latin typeface="+mj-lt"/>
+                <a:ea typeface="+mj-ea"/>
+                <a:cs typeface="+mj-cs"/>
+              </a:defRPr>
+            </a:lvl1pPr>
+          </a:lstStyle>
+          <a:p>
+            <a:r>
+              <a:rPr lang="en-US" dirty="0"/>
+              <a:t>About ME</a:t>
+            </a:r>
+          </a:p>
+        </p:txBody>
+      </p:sp>
+      <p:sp>
+        <p:nvSpPr>
+          <p:cNvPr id="3" name="Content Placeholder 3">
+            <a:extLst>
+              <a:ext uri="{FF2B5EF4-FFF2-40B4-BE49-F238E27FC236}">
+                <a16:creationId xmlns:a16="http://schemas.microsoft.com/office/drawing/2014/main" id="{4908BDBE-A953-4864-9A2E-E8BA26CCCEC8}"/>
+              </a:ext>
+            </a:extLst>
+          </p:cNvPr>
+          <p:cNvSpPr txBox="1">
+            <a:spLocks/>
+          </p:cNvSpPr>
+          <p:nvPr/>
+        </p:nvSpPr>
+        <p:spPr>
+          <a:xfrm>
+            <a:off x="1141412" y="2249487"/>
+            <a:ext cx="9905999" cy="3541714"/>
+          </a:xfrm>
+          <a:prstGeom prst="rect">
+            <a:avLst/>
+          </a:prstGeom>
+        </p:spPr>
+        <p:txBody>
+          <a:bodyPr>
+            <a:normAutofit fontScale="92500" lnSpcReduction="10000"/>
+          </a:bodyPr>
+          <a:lstStyle>
+            <a:lvl1pPr marL="228600" indent="-228600" algn="l" defTabSz="914400" rtl="0" eaLnBrk="1" latinLnBrk="0" hangingPunct="1">
+              <a:lnSpc>
+                <a:spcPct val="120000"/>
+              </a:lnSpc>
+              <a:spcBef>
+                <a:spcPts val="1000"/>
+              </a:spcBef>
+              <a:buClr>
+                <a:schemeClr val="accent1"/>
+              </a:buClr>
+              <a:buSzPct val="100000"/>
+              <a:buFont typeface="Arial" panose="020B0604020202020204" pitchFamily="34" charset="0"/>
+              <a:buChar char="•"/>
+              <a:defRPr sz="2000" kern="1200">
+                <a:solidFill>
+                  <a:schemeClr val="tx1"/>
+                </a:solidFill>
+                <a:effectLst/>
+                <a:latin typeface="+mn-lt"/>
+                <a:ea typeface="+mn-ea"/>
+                <a:cs typeface="+mn-cs"/>
+              </a:defRPr>
+            </a:lvl1pPr>
+            <a:lvl2pPr marL="685800" indent="-228600" algn="l" defTabSz="914400" rtl="0" eaLnBrk="1" latinLnBrk="0" hangingPunct="1">
+              <a:lnSpc>
+                <a:spcPct val="120000"/>
+              </a:lnSpc>
+              <a:spcBef>
+                <a:spcPts val="500"/>
+              </a:spcBef>
+              <a:buClr>
+                <a:schemeClr val="accent1"/>
+              </a:buClr>
+              <a:buSzPct val="100000"/>
+              <a:buFont typeface="Arial" panose="020B0604020202020204" pitchFamily="34" charset="0"/>
+              <a:buChar char="•"/>
+              <a:defRPr sz="1800" kern="1200" cap="none" baseline="0">
+                <a:solidFill>
+                  <a:schemeClr val="tx1"/>
+                </a:solidFill>
+                <a:effectLst/>
+                <a:latin typeface="+mn-lt"/>
+                <a:ea typeface="+mn-ea"/>
+                <a:cs typeface="+mn-cs"/>
+              </a:defRPr>
+            </a:lvl2pPr>
+            <a:lvl3pPr marL="1143000" indent="-228600" algn="l" defTabSz="914400" rtl="0" eaLnBrk="1" latinLnBrk="0" hangingPunct="1">
+              <a:lnSpc>
+                <a:spcPct val="120000"/>
+              </a:lnSpc>
+              <a:spcBef>
+                <a:spcPts val="500"/>
+              </a:spcBef>
+              <a:buClr>
+                <a:schemeClr val="accent1"/>
+              </a:buClr>
+              <a:buSzPct val="100000"/>
+              <a:buFont typeface="Arial" panose="020B0604020202020204" pitchFamily="34" charset="0"/>
+              <a:buChar char="•"/>
+              <a:defRPr sz="1600" kern="1200">
+                <a:solidFill>
+                  <a:schemeClr val="tx1"/>
+                </a:solidFill>
+                <a:effectLst/>
+                <a:latin typeface="+mn-lt"/>
+                <a:ea typeface="+mn-ea"/>
+                <a:cs typeface="+mn-cs"/>
+              </a:defRPr>
+            </a:lvl3pPr>
+            <a:lvl4pPr marL="1600200" indent="-228600" algn="l" defTabSz="914400" rtl="0" eaLnBrk="1" latinLnBrk="0" hangingPunct="1">
+              <a:lnSpc>
+                <a:spcPct val="120000"/>
+              </a:lnSpc>
+              <a:spcBef>
+                <a:spcPts val="500"/>
+              </a:spcBef>
+              <a:buClr>
+                <a:schemeClr val="accent1"/>
+              </a:buClr>
+              <a:buSzPct val="100000"/>
+              <a:buFont typeface="Arial" panose="020B0604020202020204" pitchFamily="34" charset="0"/>
+              <a:buChar char="•"/>
+              <a:defRPr sz="1400" kern="1200" cap="none" baseline="0">
+                <a:solidFill>
+                  <a:schemeClr val="tx1"/>
+                </a:solidFill>
+                <a:effectLst/>
+                <a:latin typeface="+mn-lt"/>
+                <a:ea typeface="+mn-ea"/>
+                <a:cs typeface="+mn-cs"/>
+              </a:defRPr>
+            </a:lvl4pPr>
+            <a:lvl5pPr marL="2057400" indent="-228600" algn="l" defTabSz="914400" rtl="0" eaLnBrk="1" latinLnBrk="0" hangingPunct="1">
+              <a:lnSpc>
+                <a:spcPct val="120000"/>
+              </a:lnSpc>
+              <a:spcBef>
+                <a:spcPts val="500"/>
+              </a:spcBef>
+              <a:buClr>
+                <a:schemeClr val="accent1"/>
+              </a:buClr>
+              <a:buSzPct val="100000"/>
+              <a:buFont typeface="Arial" panose="020B0604020202020204" pitchFamily="34" charset="0"/>
+              <a:buChar char="•"/>
+              <a:defRPr sz="1200" kern="1200">
+                <a:solidFill>
+                  <a:schemeClr val="tx1"/>
+                </a:solidFill>
+                <a:effectLst/>
+                <a:latin typeface="+mn-lt"/>
+                <a:ea typeface="+mn-ea"/>
+                <a:cs typeface="+mn-cs"/>
+              </a:defRPr>
+            </a:lvl5pPr>
+            <a:lvl6pPr marL="2514600" indent="-228600" algn="l" defTabSz="914400" rtl="0" eaLnBrk="1" latinLnBrk="0" hangingPunct="1">
+              <a:lnSpc>
+                <a:spcPct val="120000"/>
+              </a:lnSpc>
+              <a:spcBef>
+                <a:spcPts val="500"/>
+              </a:spcBef>
+              <a:buClr>
+                <a:schemeClr val="accent1"/>
+              </a:buClr>
+              <a:buSzPct val="100000"/>
+              <a:buFont typeface="Arial" panose="020B0604020202020204" pitchFamily="34" charset="0"/>
+              <a:buChar char="•"/>
+              <a:defRPr sz="1200" kern="1200">
+                <a:solidFill>
+                  <a:schemeClr val="tx1"/>
+                </a:solidFill>
+                <a:effectLst/>
+                <a:latin typeface="+mn-lt"/>
+                <a:ea typeface="+mn-ea"/>
+                <a:cs typeface="+mn-cs"/>
+              </a:defRPr>
+            </a:lvl6pPr>
+            <a:lvl7pPr marL="2971800" indent="-228600" algn="l" defTabSz="914400" rtl="0" eaLnBrk="1" latinLnBrk="0" hangingPunct="1">
+              <a:lnSpc>
+                <a:spcPct val="120000"/>
+              </a:lnSpc>
+              <a:spcBef>
+                <a:spcPts val="500"/>
+              </a:spcBef>
+              <a:buClr>
+                <a:schemeClr val="accent1"/>
+              </a:buClr>
+              <a:buSzPct val="100000"/>
+              <a:buFont typeface="Arial" panose="020B0604020202020204" pitchFamily="34" charset="0"/>
+              <a:buChar char="•"/>
+              <a:defRPr sz="1200" kern="1200">
+                <a:solidFill>
+                  <a:schemeClr val="tx1"/>
+                </a:solidFill>
+                <a:effectLst/>
+                <a:latin typeface="+mn-lt"/>
+                <a:ea typeface="+mn-ea"/>
+                <a:cs typeface="+mn-cs"/>
+              </a:defRPr>
+            </a:lvl7pPr>
+            <a:lvl8pPr marL="3429000" indent="-228600" algn="l" defTabSz="914400" rtl="0" eaLnBrk="1" latinLnBrk="0" hangingPunct="1">
+              <a:lnSpc>
+                <a:spcPct val="120000"/>
+              </a:lnSpc>
+              <a:spcBef>
+                <a:spcPts val="500"/>
+              </a:spcBef>
+              <a:buClr>
+                <a:schemeClr val="accent1"/>
+              </a:buClr>
+              <a:buSzPct val="100000"/>
+              <a:buFont typeface="Arial" panose="020B0604020202020204" pitchFamily="34" charset="0"/>
+              <a:buChar char="•"/>
+              <a:defRPr sz="1200" kern="1200" baseline="0">
+                <a:solidFill>
+                  <a:schemeClr val="tx1"/>
+                </a:solidFill>
+                <a:effectLst/>
+                <a:latin typeface="+mn-lt"/>
+                <a:ea typeface="+mn-ea"/>
+                <a:cs typeface="+mn-cs"/>
+              </a:defRPr>
+            </a:lvl8pPr>
+            <a:lvl9pPr marL="3886200" indent="-228600" algn="l" defTabSz="914400" rtl="0" eaLnBrk="1" latinLnBrk="0" hangingPunct="1">
+              <a:lnSpc>
+                <a:spcPct val="120000"/>
+              </a:lnSpc>
+              <a:spcBef>
+                <a:spcPts val="500"/>
+              </a:spcBef>
+              <a:buClr>
+                <a:schemeClr val="accent1"/>
+              </a:buClr>
+              <a:buSzPct val="100000"/>
+              <a:buFont typeface="Arial" panose="020B0604020202020204" pitchFamily="34" charset="0"/>
+              <a:buChar char="•"/>
+              <a:defRPr sz="1200" kern="1200" baseline="0">
+                <a:solidFill>
+                  <a:schemeClr val="tx1"/>
+                </a:solidFill>
+                <a:effectLst/>
+                <a:latin typeface="+mn-lt"/>
+                <a:ea typeface="+mn-ea"/>
+                <a:cs typeface="+mn-cs"/>
+              </a:defRPr>
+            </a:lvl9pPr>
+          </a:lstStyle>
+          <a:p>
+            <a:r>
+              <a:rPr lang="en-US" dirty="0"/>
+              <a:t>Employed in IT since 1999</a:t>
+            </a:r>
+          </a:p>
+          <a:p>
+            <a:pPr lvl="1"/>
+            <a:r>
+              <a:rPr lang="en-US" dirty="0"/>
+              <a:t>Developer / Architect / Team Leader</a:t>
+            </a:r>
+          </a:p>
+          <a:p>
+            <a:pPr lvl="1"/>
+            <a:r>
+              <a:rPr lang="en-US" dirty="0"/>
+              <a:t>Now: Senior Software Developer </a:t>
+            </a:r>
+            <a:br>
+              <a:rPr lang="en-US" dirty="0"/>
+            </a:br>
+            <a:r>
+              <a:rPr lang="en-US" dirty="0"/>
+              <a:t>@ SoftwareONE</a:t>
+            </a:r>
+          </a:p>
+          <a:p>
+            <a:r>
+              <a:rPr lang="en-US" dirty="0"/>
+              <a:t>Experienced in many technologies</a:t>
+            </a:r>
+          </a:p>
+          <a:p>
+            <a:pPr lvl="1"/>
+            <a:r>
+              <a:rPr lang="en-US" sz="1600" dirty="0"/>
+              <a:t>.NET, SQL, SharePoint, BizTalk, Google Cloud, Android, SCCM</a:t>
+            </a:r>
+            <a:br>
+              <a:rPr lang="en-US" sz="1600" dirty="0"/>
+            </a:br>
+            <a:r>
+              <a:rPr lang="en-US" sz="1600" dirty="0"/>
+              <a:t>Active Directory, Web Development …</a:t>
+            </a:r>
+            <a:endParaRPr lang="en-US" sz="2000" dirty="0"/>
+          </a:p>
+          <a:p>
+            <a:r>
+              <a:rPr lang="en-US" dirty="0"/>
+              <a:t>I like to share my knowledge with others</a:t>
+            </a:r>
+          </a:p>
+          <a:p>
+            <a:pPr lvl="1"/>
+            <a:r>
+              <a:rPr lang="en-US" sz="1600" dirty="0"/>
+              <a:t>You can meet me at </a:t>
+            </a:r>
+            <a:r>
+              <a:rPr lang="en-US" sz="1600" dirty="0" err="1"/>
+              <a:t>Warszawska</a:t>
+            </a:r>
+            <a:r>
+              <a:rPr lang="en-US" sz="1600" dirty="0"/>
+              <a:t> </a:t>
+            </a:r>
+            <a:r>
+              <a:rPr lang="en-US" sz="1600" dirty="0" err="1"/>
+              <a:t>Grupa</a:t>
+            </a:r>
+            <a:r>
+              <a:rPr lang="en-US" sz="1600" dirty="0"/>
+              <a:t> .NET (WG-NET)</a:t>
+            </a:r>
+          </a:p>
+          <a:p>
+            <a:pPr lvl="1"/>
+            <a:r>
+              <a:rPr lang="en-US" sz="1600" dirty="0"/>
+              <a:t>I got chance to present on </a:t>
+            </a:r>
+            <a:r>
+              <a:rPr lang="en-US" sz="1600" dirty="0" err="1"/>
+              <a:t>Warszawskie</a:t>
+            </a:r>
+            <a:r>
+              <a:rPr lang="en-US" sz="1600" dirty="0"/>
+              <a:t> </a:t>
+            </a:r>
+            <a:r>
+              <a:rPr lang="en-US" sz="1600" dirty="0" err="1"/>
+              <a:t>Dni</a:t>
+            </a:r>
+            <a:r>
+              <a:rPr lang="en-US" sz="1600" dirty="0"/>
+              <a:t> </a:t>
+            </a:r>
+            <a:r>
+              <a:rPr lang="en-US" sz="1600" dirty="0" err="1"/>
+              <a:t>Informatyki</a:t>
+            </a:r>
+            <a:endParaRPr lang="en-US" sz="1600" dirty="0"/>
+          </a:p>
+        </p:txBody>
+      </p:sp>
+      <p:pic>
+        <p:nvPicPr>
+          <p:cNvPr id="4" name="Picture 2" descr="Mariusz Krzanowski">
+            <a:extLst>
+              <a:ext uri="{FF2B5EF4-FFF2-40B4-BE49-F238E27FC236}">
+                <a16:creationId xmlns:a16="http://schemas.microsoft.com/office/drawing/2014/main" id="{D8CEEB4E-C891-4490-B4AF-44C4B3D03DF0}"/>
+              </a:ext>
+            </a:extLst>
+          </p:cNvPr>
+          <p:cNvPicPr>
+            <a:picLocks noChangeAspect="1" noChangeArrowheads="1"/>
+          </p:cNvPicPr>
+          <p:nvPr/>
+        </p:nvPicPr>
+        <p:blipFill>
+          <a:blip r:embed="rId2">
+            <a:extLst>
+              <a:ext uri="{28A0092B-C50C-407E-A947-70E740481C1C}">
+                <a14:useLocalDpi xmlns:a14="http://schemas.microsoft.com/office/drawing/2010/main" val="0"/>
+              </a:ext>
+            </a:extLst>
+          </a:blip>
+          <a:srcRect/>
+          <a:stretch>
+            <a:fillRect/>
+          </a:stretch>
+        </p:blipFill>
+        <p:spPr bwMode="auto">
+          <a:xfrm>
+            <a:off x="7695416" y="2232581"/>
+            <a:ext cx="2886173" cy="2886173"/>
+          </a:xfrm>
+          <a:prstGeom prst="rect">
+            <a:avLst/>
+          </a:prstGeom>
+          <a:noFill/>
+          <a:extLst>
+            <a:ext uri="{909E8E84-426E-40DD-AFC4-6F175D3DCCD1}">
+              <a14:hiddenFill xmlns:a14="http://schemas.microsoft.com/office/drawing/2010/main">
+                <a:solidFill>
+                  <a:srgbClr val="FFFFFF"/>
+                </a:solidFill>
+              </a14:hiddenFill>
+            </a:ext>
+          </a:extLst>
+        </p:spPr>
+      </p:pic>
+      <p:pic>
+        <p:nvPicPr>
+          <p:cNvPr id="11" name="Obraz 10">
+            <a:extLst>
+              <a:ext uri="{FF2B5EF4-FFF2-40B4-BE49-F238E27FC236}">
+                <a16:creationId xmlns:a16="http://schemas.microsoft.com/office/drawing/2014/main" id="{51D7E79A-6FFD-41CD-9374-1E2CE99C147B}"/>
+              </a:ext>
+            </a:extLst>
+          </p:cNvPr>
+          <p:cNvPicPr>
+            <a:picLocks noChangeAspect="1"/>
+          </p:cNvPicPr>
+          <p:nvPr/>
+        </p:nvPicPr>
+        <p:blipFill>
+          <a:blip r:embed="rId3"/>
+          <a:stretch>
+            <a:fillRect/>
+          </a:stretch>
+        </p:blipFill>
+        <p:spPr>
+          <a:xfrm>
+            <a:off x="8469745" y="5135660"/>
+            <a:ext cx="2111844" cy="527961"/>
+          </a:xfrm>
+          <a:prstGeom prst="rect">
+            <a:avLst/>
+          </a:prstGeom>
+        </p:spPr>
+      </p:pic>
+    </p:spTree>
+    <p:extLst>
+      <p:ext uri="{BB962C8B-B14F-4D97-AF65-F5344CB8AC3E}">
+        <p14:creationId xmlns:p14="http://schemas.microsoft.com/office/powerpoint/2010/main" val="4021164258"/>
+      </p:ext>
+    </p:extLst>
+  </p:cSld>
+  <p:clrMapOvr>
+    <a:masterClrMapping/>
+  </p:clrMapOvr>
+</p:sld>
+</file>
+
+<file path=ppt/slides/slide4.xml><?xml version="1.0" encoding="utf-8"?>
+<p:sld xmlns:a="http://schemas.openxmlformats.org/drawingml/2006/main" xmlns:r="http://schemas.openxmlformats.org/officeDocument/2006/relationships" xmlns:p="http://schemas.openxmlformats.org/presentationml/2006/main">
+  <p:cSld>
+    <p:spTree>
+      <p:nvGrpSpPr>
+        <p:cNvPr id="1" name=""/>
+        <p:cNvGrpSpPr/>
+        <p:nvPr/>
+      </p:nvGrpSpPr>
+      <p:grpSpPr>
+        <a:xfrm>
+          <a:off x="0" y="0"/>
+          <a:ext cx="0" cy="0"/>
+          <a:chOff x="0" y="0"/>
+          <a:chExt cx="0" cy="0"/>
+        </a:xfrm>
+      </p:grpSpPr>
+      <p:sp>
+        <p:nvSpPr>
+          <p:cNvPr id="2" name="Tytuł 1">
+            <a:extLst>
+              <a:ext uri="{FF2B5EF4-FFF2-40B4-BE49-F238E27FC236}">
+                <a16:creationId xmlns:a16="http://schemas.microsoft.com/office/drawing/2014/main" id="{1568D01C-6E4B-485E-9CC9-F835670545BA}"/>
+              </a:ext>
+            </a:extLst>
+          </p:cNvPr>
+          <p:cNvSpPr>
+            <a:spLocks noGrp="1"/>
+          </p:cNvSpPr>
+          <p:nvPr>
+            <p:ph type="title"/>
+          </p:nvPr>
+        </p:nvSpPr>
+        <p:spPr/>
+        <p:txBody>
+          <a:bodyPr/>
+          <a:lstStyle/>
+          <a:p>
+            <a:r>
+              <a:rPr lang="en-US" dirty="0"/>
+              <a:t>Agenda</a:t>
+            </a:r>
+            <a:endParaRPr lang="pl-PL" dirty="0"/>
+          </a:p>
+        </p:txBody>
+      </p:sp>
+      <p:sp>
+        <p:nvSpPr>
+          <p:cNvPr id="3" name="Symbol zastępczy zawartości 2">
+            <a:extLst>
+              <a:ext uri="{FF2B5EF4-FFF2-40B4-BE49-F238E27FC236}">
+                <a16:creationId xmlns:a16="http://schemas.microsoft.com/office/drawing/2014/main" id="{C78A4384-4F29-4DCA-B873-6B082A3CDD90}"/>
+              </a:ext>
+            </a:extLst>
+          </p:cNvPr>
+          <p:cNvSpPr>
+            <a:spLocks noGrp="1"/>
+          </p:cNvSpPr>
+          <p:nvPr>
+            <p:ph idx="1"/>
+          </p:nvPr>
+        </p:nvSpPr>
+        <p:spPr/>
+        <p:txBody>
+          <a:bodyPr/>
+          <a:lstStyle/>
+          <a:p>
+            <a:r>
+              <a:rPr lang="en-US" dirty="0"/>
+              <a:t>Warmup - async or no async that’s the question</a:t>
+            </a:r>
+          </a:p>
+          <a:p>
+            <a:r>
+              <a:rPr lang="en-US" dirty="0"/>
+              <a:t>More work requires less time</a:t>
+            </a:r>
+          </a:p>
+          <a:p>
+            <a:r>
+              <a:rPr lang="en-US" dirty="0"/>
+              <a:t>Action block and never executed tasks</a:t>
+            </a:r>
+          </a:p>
+          <a:p>
+            <a:r>
+              <a:rPr lang="en-US" dirty="0"/>
+              <a:t>Concurrent dictionary and factory problem</a:t>
+            </a:r>
+          </a:p>
+          <a:p>
+            <a:r>
+              <a:rPr lang="en-US" dirty="0"/>
+              <a:t>Slim Semaphore deadlock</a:t>
+            </a:r>
+          </a:p>
+        </p:txBody>
+      </p:sp>
+    </p:spTree>
+    <p:extLst>
+      <p:ext uri="{BB962C8B-B14F-4D97-AF65-F5344CB8AC3E}">
+        <p14:creationId xmlns:p14="http://schemas.microsoft.com/office/powerpoint/2010/main" val="2062289299"/>
+      </p:ext>
+    </p:extLst>
+  </p:cSld>
+  <p:clrMapOvr>
+    <a:masterClrMapping/>
+  </p:clrMapOvr>
+</p:sld>
+</file>
+
+<file path=ppt/slides/slide5.xml><?xml version="1.0" encoding="utf-8"?>
+<p:sld xmlns:a="http://schemas.openxmlformats.org/drawingml/2006/main" xmlns:r="http://schemas.openxmlformats.org/officeDocument/2006/relationships" xmlns:p="http://schemas.openxmlformats.org/presentationml/2006/main">
+  <p:cSld>
+    <p:spTree>
+      <p:nvGrpSpPr>
+        <p:cNvPr id="1" name=""/>
+        <p:cNvGrpSpPr/>
+        <p:nvPr/>
+      </p:nvGrpSpPr>
+      <p:grpSpPr>
+        <a:xfrm>
+          <a:off x="0" y="0"/>
+          <a:ext cx="0" cy="0"/>
+          <a:chOff x="0" y="0"/>
+          <a:chExt cx="0" cy="0"/>
+        </a:xfrm>
+      </p:grpSpPr>
+      <p:sp>
+        <p:nvSpPr>
+          <p:cNvPr id="2" name="Tytuł 1">
+            <a:extLst>
+              <a:ext uri="{FF2B5EF4-FFF2-40B4-BE49-F238E27FC236}">
+                <a16:creationId xmlns:a16="http://schemas.microsoft.com/office/drawing/2014/main" id="{1568D01C-6E4B-485E-9CC9-F835670545BA}"/>
+              </a:ext>
+            </a:extLst>
+          </p:cNvPr>
+          <p:cNvSpPr>
+            <a:spLocks noGrp="1"/>
+          </p:cNvSpPr>
+          <p:nvPr>
+            <p:ph type="title"/>
+          </p:nvPr>
+        </p:nvSpPr>
+        <p:spPr/>
+        <p:txBody>
+          <a:bodyPr/>
+          <a:lstStyle/>
+          <a:p>
+            <a:r>
+              <a:rPr lang="en-US" dirty="0"/>
+              <a:t>Agenda</a:t>
+            </a:r>
+            <a:endParaRPr lang="pl-PL" dirty="0"/>
+          </a:p>
+        </p:txBody>
+      </p:sp>
+      <p:sp>
+        <p:nvSpPr>
+          <p:cNvPr id="3" name="Symbol zastępczy zawartości 2">
+            <a:extLst>
+              <a:ext uri="{FF2B5EF4-FFF2-40B4-BE49-F238E27FC236}">
+                <a16:creationId xmlns:a16="http://schemas.microsoft.com/office/drawing/2014/main" id="{C78A4384-4F29-4DCA-B873-6B082A3CDD90}"/>
+              </a:ext>
+            </a:extLst>
+          </p:cNvPr>
+          <p:cNvSpPr>
+            <a:spLocks noGrp="1"/>
+          </p:cNvSpPr>
+          <p:nvPr>
+            <p:ph idx="1"/>
+          </p:nvPr>
+        </p:nvSpPr>
+        <p:spPr/>
+        <p:txBody>
+          <a:bodyPr/>
+          <a:lstStyle/>
+          <a:p>
+            <a:r>
+              <a:rPr lang="en-US" dirty="0"/>
+              <a:t>Warmup - async or no async that’s the question</a:t>
+            </a:r>
+          </a:p>
+          <a:p>
+            <a:r>
+              <a:rPr lang="en-US" dirty="0"/>
+              <a:t>More work requires less time</a:t>
+            </a:r>
+          </a:p>
+          <a:p>
+            <a:r>
+              <a:rPr lang="en-US" dirty="0"/>
+              <a:t>Action block and never executed tasks</a:t>
+            </a:r>
+          </a:p>
+          <a:p>
+            <a:r>
+              <a:rPr lang="en-US" dirty="0"/>
+              <a:t>Concurrent dictionary and factory problem</a:t>
+            </a:r>
+          </a:p>
+          <a:p>
+            <a:r>
+              <a:rPr lang="en-US" dirty="0"/>
+              <a:t>Slim Semaphore deadlock</a:t>
+            </a:r>
+          </a:p>
+        </p:txBody>
+      </p:sp>
+      <p:sp>
+        <p:nvSpPr>
+          <p:cNvPr id="4" name="pole tekstowe 3">
+            <a:extLst>
+              <a:ext uri="{FF2B5EF4-FFF2-40B4-BE49-F238E27FC236}">
+                <a16:creationId xmlns:a16="http://schemas.microsoft.com/office/drawing/2014/main" id="{2D0BF914-2E13-4964-A31B-030AA77BDB90}"/>
+              </a:ext>
+            </a:extLst>
+          </p:cNvPr>
+          <p:cNvSpPr txBox="1"/>
+          <p:nvPr/>
+        </p:nvSpPr>
+        <p:spPr>
+          <a:xfrm rot="2288855">
+            <a:off x="7426421" y="4023387"/>
+            <a:ext cx="3247360" cy="707886"/>
+          </a:xfrm>
+          <a:prstGeom prst="rect">
+            <a:avLst/>
+          </a:prstGeom>
+          <a:noFill/>
+        </p:spPr>
+        <p:txBody>
+          <a:bodyPr wrap="square" rtlCol="0">
+            <a:spAutoFit/>
+          </a:bodyPr>
+          <a:lstStyle/>
+          <a:p>
+            <a:r>
+              <a:rPr lang="en-US" sz="4000" b="1" dirty="0">
+                <a:solidFill>
+                  <a:srgbClr val="FF0000"/>
+                </a:solidFill>
+              </a:rPr>
+              <a:t>A lot of code</a:t>
+            </a:r>
+            <a:endParaRPr lang="pl-PL" sz="4000" b="1" dirty="0">
+              <a:solidFill>
+                <a:srgbClr val="FF0000"/>
+              </a:solidFill>
+            </a:endParaRPr>
+          </a:p>
+        </p:txBody>
+      </p:sp>
+    </p:spTree>
+    <p:extLst>
+      <p:ext uri="{BB962C8B-B14F-4D97-AF65-F5344CB8AC3E}">
+        <p14:creationId xmlns:p14="http://schemas.microsoft.com/office/powerpoint/2010/main" val="337301197"/>
+      </p:ext>
+    </p:extLst>
+  </p:cSld>
+  <p:clrMapOvr>
+    <a:masterClrMapping/>
+  </p:clrMapOvr>
+</p:sld>
+</file>
+
+<file path=ppt/slides/slide6.xml><?xml version="1.0" encoding="utf-8"?>
+<p:sld xmlns:a="http://schemas.openxmlformats.org/drawingml/2006/main" xmlns:r="http://schemas.openxmlformats.org/officeDocument/2006/relationships" xmlns:p="http://schemas.openxmlformats.org/presentationml/2006/main">
+  <p:cSld>
+    <p:spTree>
+      <p:nvGrpSpPr>
+        <p:cNvPr id="1" name=""/>
+        <p:cNvGrpSpPr/>
+        <p:nvPr/>
+      </p:nvGrpSpPr>
+      <p:grpSpPr>
+        <a:xfrm>
+          <a:off x="0" y="0"/>
+          <a:ext cx="0" cy="0"/>
+          <a:chOff x="0" y="0"/>
+          <a:chExt cx="0" cy="0"/>
+        </a:xfrm>
+      </p:grpSpPr>
+      <p:sp>
+        <p:nvSpPr>
+          <p:cNvPr id="2" name="Tytuł 1">
+            <a:extLst>
+              <a:ext uri="{FF2B5EF4-FFF2-40B4-BE49-F238E27FC236}">
+                <a16:creationId xmlns:a16="http://schemas.microsoft.com/office/drawing/2014/main" id="{5D1FC2DA-2BEE-450E-BD8F-19DFBEEAAA51}"/>
+              </a:ext>
+            </a:extLst>
+          </p:cNvPr>
+          <p:cNvSpPr>
+            <a:spLocks noGrp="1"/>
+          </p:cNvSpPr>
+          <p:nvPr>
+            <p:ph type="title"/>
+          </p:nvPr>
+        </p:nvSpPr>
+        <p:spPr/>
+        <p:txBody>
+          <a:bodyPr/>
+          <a:lstStyle/>
+          <a:p>
+            <a:r>
+              <a:rPr lang="en-US" dirty="0"/>
+              <a:t>Our crew</a:t>
+            </a:r>
+            <a:endParaRPr lang="pl-PL" dirty="0"/>
+          </a:p>
+        </p:txBody>
+      </p:sp>
+      <p:sp>
+        <p:nvSpPr>
+          <p:cNvPr id="4" name="Symbol zastępczy tekstu 3">
+            <a:extLst>
+              <a:ext uri="{FF2B5EF4-FFF2-40B4-BE49-F238E27FC236}">
+                <a16:creationId xmlns:a16="http://schemas.microsoft.com/office/drawing/2014/main" id="{630C01DF-04E3-4C74-A29D-4A4A6CD69710}"/>
+              </a:ext>
+            </a:extLst>
+          </p:cNvPr>
+          <p:cNvSpPr>
+            <a:spLocks noGrp="1"/>
+          </p:cNvSpPr>
+          <p:nvPr>
+            <p:ph type="body" idx="1"/>
+          </p:nvPr>
+        </p:nvSpPr>
+        <p:spPr/>
+        <p:txBody>
+          <a:bodyPr/>
+          <a:lstStyle/>
+          <a:p>
+            <a:r>
+              <a:rPr lang="en-US" dirty="0"/>
+              <a:t>Core stuff</a:t>
+            </a:r>
+            <a:endParaRPr lang="pl-PL" dirty="0"/>
+          </a:p>
+        </p:txBody>
+      </p:sp>
+      <p:sp>
+        <p:nvSpPr>
+          <p:cNvPr id="3" name="Symbol zastępczy zawartości 2">
+            <a:extLst>
+              <a:ext uri="{FF2B5EF4-FFF2-40B4-BE49-F238E27FC236}">
+                <a16:creationId xmlns:a16="http://schemas.microsoft.com/office/drawing/2014/main" id="{969F43AF-F6FD-45CE-A2DB-1355F8D5A243}"/>
+              </a:ext>
+            </a:extLst>
+          </p:cNvPr>
+          <p:cNvSpPr>
+            <a:spLocks noGrp="1"/>
+          </p:cNvSpPr>
+          <p:nvPr>
+            <p:ph sz="half" idx="2"/>
+          </p:nvPr>
+        </p:nvSpPr>
+        <p:spPr/>
+        <p:txBody>
+          <a:bodyPr>
+            <a:normAutofit/>
+          </a:bodyPr>
+          <a:lstStyle/>
+          <a:p>
+            <a:r>
+              <a:rPr lang="en-US" dirty="0"/>
+              <a:t>Thread and Task</a:t>
+            </a:r>
+          </a:p>
+          <a:p>
+            <a:r>
+              <a:rPr lang="en-US" dirty="0"/>
+              <a:t>Async and await</a:t>
+            </a:r>
+          </a:p>
+          <a:p>
+            <a:r>
+              <a:rPr lang="en-US" dirty="0"/>
+              <a:t>Action Block</a:t>
+            </a:r>
+            <a:endParaRPr lang="pl-PL" dirty="0"/>
+          </a:p>
+          <a:p>
+            <a:r>
+              <a:rPr lang="en-US" dirty="0"/>
+              <a:t>Semaphore Slim</a:t>
+            </a:r>
+          </a:p>
+          <a:p>
+            <a:r>
+              <a:rPr lang="en-US" dirty="0"/>
+              <a:t>Concurrent Dictionary</a:t>
+            </a:r>
+          </a:p>
+          <a:p>
+            <a:endParaRPr lang="en-US" dirty="0"/>
+          </a:p>
+        </p:txBody>
+      </p:sp>
+      <p:sp>
+        <p:nvSpPr>
+          <p:cNvPr id="5" name="Symbol zastępczy tekstu 4">
+            <a:extLst>
+              <a:ext uri="{FF2B5EF4-FFF2-40B4-BE49-F238E27FC236}">
+                <a16:creationId xmlns:a16="http://schemas.microsoft.com/office/drawing/2014/main" id="{363549D5-B2B5-48D5-84DF-BD05D1588298}"/>
+              </a:ext>
+            </a:extLst>
+          </p:cNvPr>
+          <p:cNvSpPr>
+            <a:spLocks noGrp="1"/>
+          </p:cNvSpPr>
+          <p:nvPr>
+            <p:ph type="body" sz="quarter" idx="3"/>
+          </p:nvPr>
+        </p:nvSpPr>
+        <p:spPr/>
+        <p:txBody>
+          <a:bodyPr/>
+          <a:lstStyle/>
+          <a:p>
+            <a:r>
+              <a:rPr lang="en-US" dirty="0"/>
+              <a:t>Supporters</a:t>
+            </a:r>
+            <a:endParaRPr lang="pl-PL" dirty="0"/>
+          </a:p>
+        </p:txBody>
+      </p:sp>
+      <p:sp>
+        <p:nvSpPr>
+          <p:cNvPr id="6" name="Symbol zastępczy zawartości 5">
+            <a:extLst>
+              <a:ext uri="{FF2B5EF4-FFF2-40B4-BE49-F238E27FC236}">
+                <a16:creationId xmlns:a16="http://schemas.microsoft.com/office/drawing/2014/main" id="{91F23F06-AACA-44D0-938C-3C8024A56C6C}"/>
+              </a:ext>
+            </a:extLst>
+          </p:cNvPr>
+          <p:cNvSpPr>
+            <a:spLocks noGrp="1"/>
+          </p:cNvSpPr>
+          <p:nvPr>
+            <p:ph sz="quarter" idx="4"/>
+          </p:nvPr>
+        </p:nvSpPr>
+        <p:spPr/>
+        <p:txBody>
+          <a:bodyPr>
+            <a:normAutofit/>
+          </a:bodyPr>
+          <a:lstStyle/>
+          <a:p>
+            <a:r>
+              <a:rPr lang="en-US" dirty="0"/>
+              <a:t>Interlocked Increment</a:t>
+            </a:r>
+          </a:p>
+          <a:p>
+            <a:r>
+              <a:rPr lang="en-US" dirty="0"/>
+              <a:t>Manual Reset Event</a:t>
+            </a:r>
+          </a:p>
+          <a:p>
+            <a:r>
+              <a:rPr lang="en-US" dirty="0"/>
+              <a:t>Task Completion Source</a:t>
+            </a:r>
+          </a:p>
+          <a:p>
+            <a:r>
+              <a:rPr lang="en-US" dirty="0"/>
+              <a:t>Cancellation Token Source</a:t>
+            </a:r>
+          </a:p>
+          <a:p>
+            <a:r>
+              <a:rPr lang="en-US" dirty="0"/>
+              <a:t>Concurrent Queue</a:t>
+            </a:r>
+          </a:p>
+          <a:p>
+            <a:endParaRPr lang="pl-PL" dirty="0"/>
+          </a:p>
+        </p:txBody>
+      </p:sp>
+    </p:spTree>
+    <p:extLst>
+      <p:ext uri="{BB962C8B-B14F-4D97-AF65-F5344CB8AC3E}">
+        <p14:creationId xmlns:p14="http://schemas.microsoft.com/office/powerpoint/2010/main" val="63138878"/>
+      </p:ext>
+    </p:extLst>
+  </p:cSld>
+  <p:clrMapOvr>
+    <a:masterClrMapping/>
+  </p:clrMapOvr>
+</p:sld>
+</file>
+
+<file path=ppt/slides/slide7.xml><?xml version="1.0" encoding="utf-8"?>
+<p:sld xmlns:a="http://schemas.openxmlformats.org/drawingml/2006/main" xmlns:r="http://schemas.openxmlformats.org/officeDocument/2006/relationships" xmlns:p="http://schemas.openxmlformats.org/presentationml/2006/main">
+  <p:cSld>
+    <p:spTree>
+      <p:nvGrpSpPr>
+        <p:cNvPr id="1" name=""/>
+        <p:cNvGrpSpPr/>
+        <p:nvPr/>
+      </p:nvGrpSpPr>
+      <p:grpSpPr>
+        <a:xfrm>
+          <a:off x="0" y="0"/>
+          <a:ext cx="0" cy="0"/>
+          <a:chOff x="0" y="0"/>
+          <a:chExt cx="0" cy="0"/>
+        </a:xfrm>
+      </p:grpSpPr>
+      <p:sp>
+        <p:nvSpPr>
+          <p:cNvPr id="2" name="Tytuł 1">
+            <a:extLst>
+              <a:ext uri="{FF2B5EF4-FFF2-40B4-BE49-F238E27FC236}">
+                <a16:creationId xmlns:a16="http://schemas.microsoft.com/office/drawing/2014/main" id="{1AA05E84-7D33-480A-AF32-DD754CCFA378}"/>
+              </a:ext>
+            </a:extLst>
+          </p:cNvPr>
+          <p:cNvSpPr>
+            <a:spLocks noGrp="1"/>
+          </p:cNvSpPr>
+          <p:nvPr>
+            <p:ph type="title"/>
+          </p:nvPr>
+        </p:nvSpPr>
+        <p:spPr/>
+        <p:txBody>
+          <a:bodyPr/>
+          <a:lstStyle/>
+          <a:p>
+            <a:r>
+              <a:rPr lang="en-US" dirty="0"/>
+              <a:t>How to understand async today?</a:t>
+            </a:r>
+            <a:endParaRPr lang="pl-PL" dirty="0"/>
+          </a:p>
+        </p:txBody>
+      </p:sp>
+      <p:sp>
+        <p:nvSpPr>
+          <p:cNvPr id="8" name="Rectangle 4">
+            <a:extLst>
+              <a:ext uri="{FF2B5EF4-FFF2-40B4-BE49-F238E27FC236}">
+                <a16:creationId xmlns:a16="http://schemas.microsoft.com/office/drawing/2014/main" id="{EDE892E9-4E8A-40D2-B553-463116C2A0B6}"/>
+              </a:ext>
+            </a:extLst>
+          </p:cNvPr>
+          <p:cNvSpPr>
+            <a:spLocks noChangeArrowheads="1"/>
+          </p:cNvSpPr>
+          <p:nvPr/>
+        </p:nvSpPr>
+        <p:spPr bwMode="auto">
+          <a:xfrm>
+            <a:off x="1295402" y="3136887"/>
+            <a:ext cx="3733102" cy="400110"/>
+          </a:xfrm>
+          <a:prstGeom prst="rect">
+            <a:avLst/>
+          </a:prstGeom>
+          <a:solidFill>
+            <a:srgbClr val="FFFFFF"/>
+          </a:solidFill>
+          <a:ln>
+            <a:noFill/>
+          </a:ln>
+          <a:effectLst/>
+          <a:extLst>
+            <a:ext uri="{91240B29-F687-4F45-9708-019B960494DF}">
+              <a14:hiddenLine xmlns:a14="http://schemas.microsoft.com/office/drawing/2010/main" w="9525">
+                <a:solidFill>
+                  <a:schemeClr val="tx1"/>
+                </a:solidFill>
+                <a:miter lim="800000"/>
+                <a:headEnd/>
+                <a:tailEnd/>
+              </a14:hiddenLine>
+            </a:ext>
+            <a:ext uri="{AF507438-7753-43E0-B8FC-AC1667EBCBE1}">
+              <a14:hiddenEffects xmlns:a14="http://schemas.microsoft.com/office/drawing/2010/main">
+                <a:effectLst>
+                  <a:outerShdw dist="35921" dir="2700000" algn="ctr" rotWithShape="0">
+                    <a:schemeClr val="bg2"/>
+                  </a:outerShdw>
+                </a:effectLst>
+              </a14:hiddenEffects>
+            </a:ext>
+          </a:extLst>
+        </p:spPr>
+        <p:txBody>
+          <a:bodyPr vert="horz" wrap="square" lIns="91440" tIns="45720" rIns="91440" bIns="45720" numCol="1" anchor="ctr" anchorCtr="0" compatLnSpc="1">
+            <a:prstTxWarp prst="textNoShape">
+              <a:avLst/>
+            </a:prstTxWarp>
+            <a:spAutoFit/>
+          </a:bodyPr>
+          <a:lstStyle/>
+          <a:p>
+            <a:pPr marL="0" marR="0" lvl="0" indent="0" algn="l" defTabSz="914400" rtl="0" eaLnBrk="0" fontAlgn="base" latinLnBrk="0" hangingPunct="0">
+              <a:lnSpc>
+                <a:spcPct val="100000"/>
+              </a:lnSpc>
+              <a:spcBef>
+                <a:spcPct val="0"/>
+              </a:spcBef>
+              <a:spcAft>
+                <a:spcPct val="0"/>
+              </a:spcAft>
+              <a:buClrTx/>
+              <a:buSzTx/>
+              <a:buFontTx/>
+              <a:buNone/>
+              <a:tabLst/>
+            </a:pPr>
+            <a:r>
+              <a:rPr kumimoji="0" lang="pl-PL" altLang="pl-PL" sz="2000" b="0" i="0" u="none" strike="noStrike" cap="none" normalizeH="0" baseline="0" dirty="0" err="1">
+                <a:ln>
+                  <a:noFill/>
+                </a:ln>
+                <a:solidFill>
+                  <a:srgbClr val="0000FF"/>
+                </a:solidFill>
+                <a:effectLst/>
+                <a:latin typeface="Consolas" panose="020B0609020204030204" pitchFamily="49" charset="0"/>
+              </a:rPr>
+              <a:t>await</a:t>
+            </a:r>
+            <a:r>
+              <a:rPr kumimoji="0" lang="pl-PL" altLang="pl-PL" sz="2000" b="0" i="0" u="none" strike="noStrike" cap="none" normalizeH="0" baseline="0" dirty="0">
+                <a:ln>
+                  <a:noFill/>
+                </a:ln>
+                <a:solidFill>
+                  <a:srgbClr val="000000"/>
+                </a:solidFill>
+                <a:effectLst/>
+                <a:latin typeface="Consolas" panose="020B0609020204030204" pitchFamily="49" charset="0"/>
+              </a:rPr>
+              <a:t> </a:t>
+            </a:r>
+            <a:r>
+              <a:rPr kumimoji="0" lang="pl-PL" altLang="pl-PL" sz="2000" b="0" i="0" u="none" strike="noStrike" cap="none" normalizeH="0" baseline="0" dirty="0" err="1">
+                <a:ln>
+                  <a:noFill/>
+                </a:ln>
+                <a:solidFill>
+                  <a:srgbClr val="000000"/>
+                </a:solidFill>
+                <a:effectLst/>
+                <a:latin typeface="Consolas" panose="020B0609020204030204" pitchFamily="49" charset="0"/>
+              </a:rPr>
+              <a:t>DoSomethingAsync</a:t>
+            </a:r>
+            <a:r>
+              <a:rPr kumimoji="0" lang="pl-PL" altLang="pl-PL" sz="2000" b="0" i="0" u="none" strike="noStrike" cap="none" normalizeH="0" baseline="0" dirty="0">
+                <a:ln>
+                  <a:noFill/>
+                </a:ln>
+                <a:solidFill>
+                  <a:srgbClr val="000000"/>
+                </a:solidFill>
+                <a:effectLst/>
+                <a:latin typeface="Consolas" panose="020B0609020204030204" pitchFamily="49" charset="0"/>
+              </a:rPr>
+              <a:t>(); </a:t>
+            </a:r>
+            <a:endParaRPr kumimoji="0" lang="pl-PL" altLang="pl-PL" sz="4800" b="0" i="0" u="none" strike="noStrike" cap="none" normalizeH="0" baseline="0" dirty="0">
+              <a:ln>
+                <a:noFill/>
+              </a:ln>
+              <a:solidFill>
+                <a:schemeClr val="tx1"/>
+              </a:solidFill>
+              <a:effectLst/>
+              <a:latin typeface="Arial" panose="020B0604020202020204" pitchFamily="34" charset="0"/>
+            </a:endParaRPr>
+          </a:p>
+        </p:txBody>
+      </p:sp>
+      <p:sp>
+        <p:nvSpPr>
+          <p:cNvPr id="9" name="Rectangle 5">
+            <a:extLst>
+              <a:ext uri="{FF2B5EF4-FFF2-40B4-BE49-F238E27FC236}">
+                <a16:creationId xmlns:a16="http://schemas.microsoft.com/office/drawing/2014/main" id="{BD9C465A-B936-4A28-B145-FD779A639976}"/>
+              </a:ext>
+            </a:extLst>
+          </p:cNvPr>
+          <p:cNvSpPr>
+            <a:spLocks noChangeArrowheads="1"/>
+          </p:cNvSpPr>
+          <p:nvPr/>
+        </p:nvSpPr>
+        <p:spPr bwMode="auto">
+          <a:xfrm>
+            <a:off x="6207853" y="2815517"/>
+            <a:ext cx="4303552" cy="1015663"/>
+          </a:xfrm>
+          <a:prstGeom prst="rect">
+            <a:avLst/>
+          </a:prstGeom>
+          <a:solidFill>
+            <a:srgbClr val="FFFFFF"/>
+          </a:solidFill>
+          <a:ln>
+            <a:noFill/>
+          </a:ln>
+          <a:effectLst/>
+          <a:extLst>
+            <a:ext uri="{91240B29-F687-4F45-9708-019B960494DF}">
+              <a14:hiddenLine xmlns:a14="http://schemas.microsoft.com/office/drawing/2010/main" w="9525">
+                <a:solidFill>
+                  <a:schemeClr val="tx1"/>
+                </a:solidFill>
+                <a:miter lim="800000"/>
+                <a:headEnd/>
+                <a:tailEnd/>
+              </a14:hiddenLine>
+            </a:ext>
+            <a:ext uri="{AF507438-7753-43E0-B8FC-AC1667EBCBE1}">
+              <a14:hiddenEffects xmlns:a14="http://schemas.microsoft.com/office/drawing/2010/main">
+                <a:effectLst>
+                  <a:outerShdw dist="35921" dir="2700000" algn="ctr" rotWithShape="0">
+                    <a:schemeClr val="bg2"/>
+                  </a:outerShdw>
+                </a:effectLst>
+              </a14:hiddenEffects>
+            </a:ext>
+          </a:extLst>
+        </p:spPr>
+        <p:txBody>
+          <a:bodyPr vert="horz" wrap="square" lIns="91440" tIns="45720" rIns="91440" bIns="45720" numCol="1" anchor="ctr" anchorCtr="0" compatLnSpc="1">
+            <a:prstTxWarp prst="textNoShape">
+              <a:avLst/>
+            </a:prstTxWarp>
+            <a:spAutoFit/>
+          </a:bodyPr>
+          <a:lstStyle/>
+          <a:p>
+            <a:pPr marL="0" marR="0" lvl="0" indent="0" algn="l" defTabSz="914400" rtl="0" eaLnBrk="0" fontAlgn="base" latinLnBrk="0" hangingPunct="0">
+              <a:lnSpc>
+                <a:spcPct val="100000"/>
+              </a:lnSpc>
+              <a:spcBef>
+                <a:spcPct val="0"/>
+              </a:spcBef>
+              <a:spcAft>
+                <a:spcPct val="0"/>
+              </a:spcAft>
+              <a:buClrTx/>
+              <a:buSzTx/>
+              <a:buFontTx/>
+              <a:buNone/>
+              <a:tabLst/>
+            </a:pPr>
+            <a:r>
+              <a:rPr kumimoji="0" lang="pl-PL" altLang="pl-PL" sz="2000" b="0" i="0" u="none" strike="noStrike" cap="none" normalizeH="0" baseline="0" dirty="0" err="1">
+                <a:ln>
+                  <a:noFill/>
+                </a:ln>
+                <a:solidFill>
+                  <a:srgbClr val="0000FF"/>
+                </a:solidFill>
+                <a:effectLst/>
+                <a:latin typeface="Consolas" panose="020B0609020204030204" pitchFamily="49" charset="0"/>
+              </a:rPr>
+              <a:t>var</a:t>
+            </a:r>
+            <a:r>
+              <a:rPr kumimoji="0" lang="pl-PL" altLang="pl-PL" sz="2000" b="0" i="0" u="none" strike="noStrike" cap="none" normalizeH="0" baseline="0" dirty="0">
+                <a:ln>
+                  <a:noFill/>
+                </a:ln>
+                <a:solidFill>
+                  <a:srgbClr val="000000"/>
+                </a:solidFill>
+                <a:effectLst/>
+                <a:latin typeface="Consolas" panose="020B0609020204030204" pitchFamily="49" charset="0"/>
+              </a:rPr>
+              <a:t> </a:t>
+            </a:r>
+            <a:r>
+              <a:rPr kumimoji="0" lang="pl-PL" altLang="pl-PL" sz="2000" b="0" i="0" u="none" strike="noStrike" cap="none" normalizeH="0" baseline="0" dirty="0" err="1">
+                <a:ln>
+                  <a:noFill/>
+                </a:ln>
+                <a:solidFill>
+                  <a:srgbClr val="1F377F"/>
+                </a:solidFill>
+                <a:effectLst/>
+                <a:latin typeface="Consolas" panose="020B0609020204030204" pitchFamily="49" charset="0"/>
+              </a:rPr>
+              <a:t>task</a:t>
+            </a:r>
+            <a:r>
+              <a:rPr kumimoji="0" lang="pl-PL" altLang="pl-PL" sz="2000" b="0" i="0" u="none" strike="noStrike" cap="none" normalizeH="0" baseline="0" dirty="0">
+                <a:ln>
+                  <a:noFill/>
+                </a:ln>
+                <a:solidFill>
+                  <a:srgbClr val="000000"/>
+                </a:solidFill>
+                <a:effectLst/>
+                <a:latin typeface="Consolas" panose="020B0609020204030204" pitchFamily="49" charset="0"/>
+              </a:rPr>
+              <a:t>= </a:t>
+            </a:r>
+            <a:r>
+              <a:rPr kumimoji="0" lang="pl-PL" altLang="pl-PL" sz="2000" b="0" i="0" u="none" strike="noStrike" cap="none" normalizeH="0" baseline="0" dirty="0" err="1">
+                <a:ln>
+                  <a:noFill/>
+                </a:ln>
+                <a:solidFill>
+                  <a:srgbClr val="000000"/>
+                </a:solidFill>
+                <a:effectLst/>
+                <a:latin typeface="Consolas" panose="020B0609020204030204" pitchFamily="49" charset="0"/>
+              </a:rPr>
+              <a:t>DoSomethingAsync</a:t>
+            </a:r>
+            <a:r>
+              <a:rPr kumimoji="0" lang="pl-PL" altLang="pl-PL" sz="2000" b="0" i="0" u="none" strike="noStrike" cap="none" normalizeH="0" baseline="0" dirty="0">
+                <a:ln>
+                  <a:noFill/>
+                </a:ln>
+                <a:solidFill>
+                  <a:srgbClr val="000000"/>
+                </a:solidFill>
+                <a:effectLst/>
+                <a:latin typeface="Consolas" panose="020B0609020204030204" pitchFamily="49" charset="0"/>
+              </a:rPr>
+              <a:t>();</a:t>
+            </a:r>
+            <a:endParaRPr kumimoji="0" lang="en-US" altLang="pl-PL" sz="2000" b="0" i="0" u="none" strike="noStrike" cap="none" normalizeH="0" baseline="0" dirty="0">
+              <a:ln>
+                <a:noFill/>
+              </a:ln>
+              <a:solidFill>
+                <a:srgbClr val="000000"/>
+              </a:solidFill>
+              <a:effectLst/>
+              <a:latin typeface="Consolas" panose="020B0609020204030204" pitchFamily="49" charset="0"/>
+            </a:endParaRPr>
+          </a:p>
+          <a:p>
+            <a:pPr marL="0" marR="0" lvl="0" indent="0" algn="l" defTabSz="914400" rtl="0" eaLnBrk="0" fontAlgn="base" latinLnBrk="0" hangingPunct="0">
+              <a:lnSpc>
+                <a:spcPct val="100000"/>
+              </a:lnSpc>
+              <a:spcBef>
+                <a:spcPct val="0"/>
+              </a:spcBef>
+              <a:spcAft>
+                <a:spcPct val="0"/>
+              </a:spcAft>
+              <a:buClrTx/>
+              <a:buSzTx/>
+              <a:buFontTx/>
+              <a:buNone/>
+              <a:tabLst/>
+            </a:pPr>
+            <a:r>
+              <a:rPr kumimoji="0" lang="pl-PL" altLang="pl-PL" sz="2000" b="0" i="0" u="none" strike="noStrike" cap="none" normalizeH="0" baseline="0" dirty="0">
+                <a:ln>
+                  <a:noFill/>
+                </a:ln>
+                <a:solidFill>
+                  <a:srgbClr val="008000"/>
+                </a:solidFill>
+                <a:effectLst/>
+                <a:latin typeface="Consolas" panose="020B0609020204030204" pitchFamily="49" charset="0"/>
+              </a:rPr>
+              <a:t>// </a:t>
+            </a:r>
+            <a:r>
+              <a:rPr kumimoji="0" lang="pl-PL" altLang="pl-PL" sz="2000" b="0" i="0" u="none" strike="noStrike" cap="none" normalizeH="0" baseline="0" dirty="0" err="1">
+                <a:ln>
+                  <a:noFill/>
+                </a:ln>
+                <a:solidFill>
+                  <a:srgbClr val="008000"/>
+                </a:solidFill>
+                <a:effectLst/>
+                <a:latin typeface="Consolas" panose="020B0609020204030204" pitchFamily="49" charset="0"/>
+              </a:rPr>
+              <a:t>time</a:t>
+            </a:r>
+            <a:br>
+              <a:rPr kumimoji="0" lang="en-US" altLang="pl-PL" sz="2000" b="0" i="0" u="none" strike="noStrike" cap="none" normalizeH="0" baseline="0" dirty="0">
+                <a:ln>
+                  <a:noFill/>
+                </a:ln>
+                <a:solidFill>
+                  <a:srgbClr val="0000FF"/>
+                </a:solidFill>
+                <a:effectLst/>
+                <a:latin typeface="Consolas" panose="020B0609020204030204" pitchFamily="49" charset="0"/>
+              </a:rPr>
+            </a:br>
+            <a:r>
+              <a:rPr kumimoji="0" lang="pl-PL" altLang="pl-PL" sz="2000" b="0" i="0" u="none" strike="noStrike" cap="none" normalizeH="0" baseline="0" dirty="0" err="1">
+                <a:ln>
+                  <a:noFill/>
+                </a:ln>
+                <a:solidFill>
+                  <a:srgbClr val="0000FF"/>
+                </a:solidFill>
+                <a:effectLst/>
+                <a:latin typeface="Consolas" panose="020B0609020204030204" pitchFamily="49" charset="0"/>
+              </a:rPr>
+              <a:t>await</a:t>
+            </a:r>
+            <a:r>
+              <a:rPr kumimoji="0" lang="pl-PL" altLang="pl-PL" sz="2000" b="0" i="0" u="none" strike="noStrike" cap="none" normalizeH="0" baseline="0" dirty="0">
+                <a:ln>
+                  <a:noFill/>
+                </a:ln>
+                <a:solidFill>
+                  <a:srgbClr val="000000"/>
+                </a:solidFill>
+                <a:effectLst/>
+                <a:latin typeface="Consolas" panose="020B0609020204030204" pitchFamily="49" charset="0"/>
+              </a:rPr>
+              <a:t> </a:t>
+            </a:r>
+            <a:r>
+              <a:rPr kumimoji="0" lang="pl-PL" altLang="pl-PL" sz="2000" b="0" i="0" u="none" strike="noStrike" cap="none" normalizeH="0" baseline="0" dirty="0" err="1">
+                <a:ln>
+                  <a:noFill/>
+                </a:ln>
+                <a:solidFill>
+                  <a:srgbClr val="1F377F"/>
+                </a:solidFill>
+                <a:effectLst/>
+                <a:latin typeface="Consolas" panose="020B0609020204030204" pitchFamily="49" charset="0"/>
+              </a:rPr>
+              <a:t>task</a:t>
+            </a:r>
+            <a:r>
+              <a:rPr kumimoji="0" lang="pl-PL" altLang="pl-PL" sz="2000" b="0" i="0" u="none" strike="noStrike" cap="none" normalizeH="0" baseline="0" dirty="0">
+                <a:ln>
+                  <a:noFill/>
+                </a:ln>
+                <a:solidFill>
+                  <a:srgbClr val="000000"/>
+                </a:solidFill>
+                <a:effectLst/>
+                <a:latin typeface="Consolas" panose="020B0609020204030204" pitchFamily="49" charset="0"/>
+              </a:rPr>
+              <a:t>;</a:t>
+            </a:r>
+            <a:endParaRPr kumimoji="0" lang="pl-PL" altLang="pl-PL" sz="4800" b="0" i="0" u="none" strike="noStrike" cap="none" normalizeH="0" baseline="0" dirty="0">
+              <a:ln>
+                <a:noFill/>
+              </a:ln>
+              <a:solidFill>
+                <a:schemeClr val="tx1"/>
+              </a:solidFill>
+              <a:effectLst/>
+              <a:latin typeface="Arial" panose="020B0604020202020204" pitchFamily="34" charset="0"/>
+            </a:endParaRPr>
+          </a:p>
+        </p:txBody>
+      </p:sp>
+      <p:sp>
+        <p:nvSpPr>
+          <p:cNvPr id="12" name="pole tekstowe 11">
+            <a:extLst>
+              <a:ext uri="{FF2B5EF4-FFF2-40B4-BE49-F238E27FC236}">
+                <a16:creationId xmlns:a16="http://schemas.microsoft.com/office/drawing/2014/main" id="{251F9430-CA54-4A2E-841D-58BE8F15B8AC}"/>
+              </a:ext>
+            </a:extLst>
+          </p:cNvPr>
+          <p:cNvSpPr txBox="1"/>
+          <p:nvPr/>
+        </p:nvSpPr>
+        <p:spPr>
+          <a:xfrm>
+            <a:off x="5440084" y="3123293"/>
+            <a:ext cx="356188" cy="400110"/>
+          </a:xfrm>
+          <a:prstGeom prst="rect">
+            <a:avLst/>
+          </a:prstGeom>
+          <a:noFill/>
+        </p:spPr>
+        <p:txBody>
+          <a:bodyPr wrap="none" rtlCol="0">
+            <a:spAutoFit/>
+          </a:bodyPr>
+          <a:lstStyle/>
+          <a:p>
+            <a:r>
+              <a:rPr lang="pl-PL" sz="2000" b="1" dirty="0"/>
+              <a:t>≡</a:t>
+            </a:r>
+          </a:p>
+        </p:txBody>
+      </p:sp>
+      <p:grpSp>
+        <p:nvGrpSpPr>
+          <p:cNvPr id="27" name="Grupa 26">
+            <a:extLst>
+              <a:ext uri="{FF2B5EF4-FFF2-40B4-BE49-F238E27FC236}">
+                <a16:creationId xmlns:a16="http://schemas.microsoft.com/office/drawing/2014/main" id="{937B8DBF-9049-4EA5-AFD3-ABFD1C9CEEB5}"/>
+              </a:ext>
+            </a:extLst>
+          </p:cNvPr>
+          <p:cNvGrpSpPr/>
+          <p:nvPr/>
+        </p:nvGrpSpPr>
+        <p:grpSpPr>
+          <a:xfrm>
+            <a:off x="4955009" y="3981911"/>
+            <a:ext cx="1571538" cy="2164360"/>
+            <a:chOff x="2716634" y="4043824"/>
+            <a:chExt cx="1571538" cy="2164360"/>
+          </a:xfrm>
+        </p:grpSpPr>
+        <p:cxnSp>
+          <p:nvCxnSpPr>
+            <p:cNvPr id="14" name="Łącznik prosty 13">
+              <a:extLst>
+                <a:ext uri="{FF2B5EF4-FFF2-40B4-BE49-F238E27FC236}">
+                  <a16:creationId xmlns:a16="http://schemas.microsoft.com/office/drawing/2014/main" id="{8D04E602-7BAB-4B8F-9D2F-916F8C778AF4}"/>
+                </a:ext>
+              </a:extLst>
+            </p:cNvPr>
+            <p:cNvCxnSpPr>
+              <a:cxnSpLocks/>
+            </p:cNvCxnSpPr>
+            <p:nvPr/>
+          </p:nvCxnSpPr>
+          <p:spPr>
+            <a:xfrm>
+              <a:off x="2792835" y="4043825"/>
+              <a:ext cx="0" cy="2164359"/>
+            </a:xfrm>
+            <a:prstGeom prst="line">
+              <a:avLst/>
+            </a:prstGeom>
+          </p:spPr>
+          <p:style>
+            <a:lnRef idx="2">
+              <a:schemeClr val="dk1"/>
+            </a:lnRef>
+            <a:fillRef idx="0">
+              <a:schemeClr val="dk1"/>
+            </a:fillRef>
+            <a:effectRef idx="1">
+              <a:schemeClr val="dk1"/>
+            </a:effectRef>
+            <a:fontRef idx="minor">
+              <a:schemeClr val="tx1"/>
+            </a:fontRef>
+          </p:style>
+        </p:cxnSp>
+        <p:cxnSp>
+          <p:nvCxnSpPr>
+            <p:cNvPr id="16" name="Łącznik prosty ze strzałką 15">
+              <a:extLst>
+                <a:ext uri="{FF2B5EF4-FFF2-40B4-BE49-F238E27FC236}">
+                  <a16:creationId xmlns:a16="http://schemas.microsoft.com/office/drawing/2014/main" id="{6A6E364F-3BF7-4E19-A05E-969172C3ECC8}"/>
+                </a:ext>
+              </a:extLst>
+            </p:cNvPr>
+            <p:cNvCxnSpPr/>
+            <p:nvPr/>
+          </p:nvCxnSpPr>
+          <p:spPr>
+            <a:xfrm>
+              <a:off x="2869034" y="4597167"/>
+              <a:ext cx="1266738" cy="0"/>
+            </a:xfrm>
+            <a:prstGeom prst="straightConnector1">
+              <a:avLst/>
+            </a:prstGeom>
+            <a:ln>
+              <a:tailEnd type="triangle"/>
+            </a:ln>
+          </p:spPr>
+          <p:style>
+            <a:lnRef idx="2">
+              <a:schemeClr val="dk1"/>
+            </a:lnRef>
+            <a:fillRef idx="0">
+              <a:schemeClr val="dk1"/>
+            </a:fillRef>
+            <a:effectRef idx="1">
+              <a:schemeClr val="dk1"/>
+            </a:effectRef>
+            <a:fontRef idx="minor">
+              <a:schemeClr val="tx1"/>
+            </a:fontRef>
+          </p:style>
+        </p:cxnSp>
+        <p:cxnSp>
+          <p:nvCxnSpPr>
+            <p:cNvPr id="18" name="Łącznik prosty ze strzałką 17">
+              <a:extLst>
+                <a:ext uri="{FF2B5EF4-FFF2-40B4-BE49-F238E27FC236}">
+                  <a16:creationId xmlns:a16="http://schemas.microsoft.com/office/drawing/2014/main" id="{8F36ADF7-D5E8-4B14-9CF9-9924771BEF3F}"/>
+                </a:ext>
+              </a:extLst>
+            </p:cNvPr>
+            <p:cNvCxnSpPr/>
+            <p:nvPr/>
+          </p:nvCxnSpPr>
+          <p:spPr>
+            <a:xfrm flipH="1">
+              <a:off x="2869034" y="4806881"/>
+              <a:ext cx="1266738" cy="0"/>
+            </a:xfrm>
+            <a:prstGeom prst="straightConnector1">
+              <a:avLst/>
+            </a:prstGeom>
+            <a:ln>
+              <a:tailEnd type="triangle"/>
+            </a:ln>
+          </p:spPr>
+          <p:style>
+            <a:lnRef idx="2">
+              <a:schemeClr val="dk1"/>
+            </a:lnRef>
+            <a:fillRef idx="0">
+              <a:schemeClr val="dk1"/>
+            </a:fillRef>
+            <a:effectRef idx="1">
+              <a:schemeClr val="dk1"/>
+            </a:effectRef>
+            <a:fontRef idx="minor">
+              <a:schemeClr val="tx1"/>
+            </a:fontRef>
+          </p:style>
+        </p:cxnSp>
+        <p:cxnSp>
+          <p:nvCxnSpPr>
+            <p:cNvPr id="22" name="Łącznik prosty ze strzałką 21">
+              <a:extLst>
+                <a:ext uri="{FF2B5EF4-FFF2-40B4-BE49-F238E27FC236}">
+                  <a16:creationId xmlns:a16="http://schemas.microsoft.com/office/drawing/2014/main" id="{4927479A-4C9B-4B80-8151-1A67094DC2D2}"/>
+                </a:ext>
+              </a:extLst>
+            </p:cNvPr>
+            <p:cNvCxnSpPr/>
+            <p:nvPr/>
+          </p:nvCxnSpPr>
+          <p:spPr>
+            <a:xfrm flipH="1">
+              <a:off x="2869034" y="5427660"/>
+              <a:ext cx="1266738" cy="0"/>
+            </a:xfrm>
+            <a:prstGeom prst="straightConnector1">
+              <a:avLst/>
+            </a:prstGeom>
+            <a:ln>
+              <a:tailEnd type="triangle"/>
+            </a:ln>
+          </p:spPr>
+          <p:style>
+            <a:lnRef idx="2">
+              <a:schemeClr val="dk1"/>
+            </a:lnRef>
+            <a:fillRef idx="0">
+              <a:schemeClr val="dk1"/>
+            </a:fillRef>
+            <a:effectRef idx="1">
+              <a:schemeClr val="dk1"/>
+            </a:effectRef>
+            <a:fontRef idx="minor">
+              <a:schemeClr val="tx1"/>
+            </a:fontRef>
+          </p:style>
+        </p:cxnSp>
+        <p:cxnSp>
+          <p:nvCxnSpPr>
+            <p:cNvPr id="25" name="Łącznik prosty 24">
+              <a:extLst>
+                <a:ext uri="{FF2B5EF4-FFF2-40B4-BE49-F238E27FC236}">
+                  <a16:creationId xmlns:a16="http://schemas.microsoft.com/office/drawing/2014/main" id="{DD17D5D1-95F6-4AF1-8888-55E77D7A5B8C}"/>
+                </a:ext>
+              </a:extLst>
+            </p:cNvPr>
+            <p:cNvCxnSpPr>
+              <a:cxnSpLocks/>
+            </p:cNvCxnSpPr>
+            <p:nvPr/>
+          </p:nvCxnSpPr>
+          <p:spPr>
+            <a:xfrm>
+              <a:off x="4211972" y="4043824"/>
+              <a:ext cx="0" cy="2164359"/>
+            </a:xfrm>
+            <a:prstGeom prst="line">
+              <a:avLst/>
+            </a:prstGeom>
+          </p:spPr>
+          <p:style>
+            <a:lnRef idx="2">
+              <a:schemeClr val="dk1"/>
+            </a:lnRef>
+            <a:fillRef idx="0">
+              <a:schemeClr val="dk1"/>
+            </a:fillRef>
+            <a:effectRef idx="1">
+              <a:schemeClr val="dk1"/>
+            </a:effectRef>
+            <a:fontRef idx="minor">
+              <a:schemeClr val="tx1"/>
+            </a:fontRef>
+          </p:style>
+        </p:cxnSp>
+        <p:sp>
+          <p:nvSpPr>
+            <p:cNvPr id="19" name="Prostokąt 18">
+              <a:extLst>
+                <a:ext uri="{FF2B5EF4-FFF2-40B4-BE49-F238E27FC236}">
+                  <a16:creationId xmlns:a16="http://schemas.microsoft.com/office/drawing/2014/main" id="{CBA0E096-81C3-4CBB-B19F-AE779F78ED75}"/>
+                </a:ext>
+              </a:extLst>
+            </p:cNvPr>
+            <p:cNvSpPr/>
+            <p:nvPr/>
+          </p:nvSpPr>
+          <p:spPr>
+            <a:xfrm>
+              <a:off x="2716634" y="4230516"/>
+              <a:ext cx="152400" cy="366651"/>
+            </a:xfrm>
+            <a:prstGeom prst="rect">
+              <a:avLst/>
+            </a:prstGeom>
+            <a:solidFill>
+              <a:srgbClr val="00B050"/>
+            </a:solidFill>
+          </p:spPr>
+          <p:style>
+            <a:lnRef idx="2">
+              <a:schemeClr val="accent1">
+                <a:shade val="50000"/>
+              </a:schemeClr>
+            </a:lnRef>
+            <a:fillRef idx="1">
+              <a:schemeClr val="accent1"/>
+            </a:fillRef>
+            <a:effectRef idx="0">
+              <a:schemeClr val="accent1"/>
+            </a:effectRef>
+            <a:fontRef idx="minor">
+              <a:schemeClr val="lt1"/>
+            </a:fontRef>
+          </p:style>
+          <p:txBody>
+            <a:bodyPr rtlCol="0" anchor="ctr"/>
+            <a:lstStyle/>
+            <a:p>
+              <a:pPr algn="ctr"/>
+              <a:endParaRPr lang="pl-PL"/>
+            </a:p>
+          </p:txBody>
+        </p:sp>
+        <p:sp>
+          <p:nvSpPr>
+            <p:cNvPr id="20" name="Prostokąt 19">
+              <a:extLst>
+                <a:ext uri="{FF2B5EF4-FFF2-40B4-BE49-F238E27FC236}">
+                  <a16:creationId xmlns:a16="http://schemas.microsoft.com/office/drawing/2014/main" id="{8B211568-B169-4AEE-B84E-A947CBC5AB3F}"/>
+                </a:ext>
+              </a:extLst>
+            </p:cNvPr>
+            <p:cNvSpPr/>
+            <p:nvPr/>
+          </p:nvSpPr>
+          <p:spPr>
+            <a:xfrm>
+              <a:off x="4135772" y="4588778"/>
+              <a:ext cx="152400" cy="218103"/>
+            </a:xfrm>
+            <a:prstGeom prst="rect">
+              <a:avLst/>
+            </a:prstGeom>
+            <a:solidFill>
+              <a:srgbClr val="FFFF00"/>
+            </a:solidFill>
+          </p:spPr>
+          <p:style>
+            <a:lnRef idx="2">
+              <a:schemeClr val="accent1">
+                <a:shade val="50000"/>
+              </a:schemeClr>
+            </a:lnRef>
+            <a:fillRef idx="1">
+              <a:schemeClr val="accent1"/>
+            </a:fillRef>
+            <a:effectRef idx="0">
+              <a:schemeClr val="accent1"/>
+            </a:effectRef>
+            <a:fontRef idx="minor">
+              <a:schemeClr val="lt1"/>
+            </a:fontRef>
+          </p:style>
+          <p:txBody>
+            <a:bodyPr rtlCol="0" anchor="ctr"/>
+            <a:lstStyle/>
+            <a:p>
+              <a:pPr algn="ctr"/>
+              <a:endParaRPr lang="pl-PL"/>
+            </a:p>
+          </p:txBody>
+        </p:sp>
+        <p:sp>
+          <p:nvSpPr>
+            <p:cNvPr id="21" name="Prostokąt 20">
+              <a:extLst>
+                <a:ext uri="{FF2B5EF4-FFF2-40B4-BE49-F238E27FC236}">
+                  <a16:creationId xmlns:a16="http://schemas.microsoft.com/office/drawing/2014/main" id="{DCF89D8B-2EA4-49B0-8C15-10376E510D0D}"/>
+                </a:ext>
+              </a:extLst>
+            </p:cNvPr>
+            <p:cNvSpPr/>
+            <p:nvPr/>
+          </p:nvSpPr>
+          <p:spPr>
+            <a:xfrm>
+              <a:off x="4135772" y="4824351"/>
+              <a:ext cx="152400" cy="603309"/>
+            </a:xfrm>
+            <a:prstGeom prst="rect">
+              <a:avLst/>
+            </a:prstGeom>
+            <a:solidFill>
+              <a:srgbClr val="00B050"/>
+            </a:solidFill>
+          </p:spPr>
+          <p:style>
+            <a:lnRef idx="2">
+              <a:schemeClr val="accent1">
+                <a:shade val="50000"/>
+              </a:schemeClr>
+            </a:lnRef>
+            <a:fillRef idx="1">
+              <a:schemeClr val="accent1"/>
+            </a:fillRef>
+            <a:effectRef idx="0">
+              <a:schemeClr val="accent1"/>
+            </a:effectRef>
+            <a:fontRef idx="minor">
+              <a:schemeClr val="lt1"/>
+            </a:fontRef>
+          </p:style>
+          <p:txBody>
+            <a:bodyPr rtlCol="0" anchor="ctr"/>
+            <a:lstStyle/>
+            <a:p>
+              <a:pPr algn="ctr"/>
+              <a:endParaRPr lang="pl-PL"/>
+            </a:p>
+          </p:txBody>
+        </p:sp>
+        <p:sp>
+          <p:nvSpPr>
+            <p:cNvPr id="23" name="Prostokąt 22">
+              <a:extLst>
+                <a:ext uri="{FF2B5EF4-FFF2-40B4-BE49-F238E27FC236}">
+                  <a16:creationId xmlns:a16="http://schemas.microsoft.com/office/drawing/2014/main" id="{327CE55C-7A90-460C-86CE-028FE5A32DF4}"/>
+                </a:ext>
+              </a:extLst>
+            </p:cNvPr>
+            <p:cNvSpPr/>
+            <p:nvPr/>
+          </p:nvSpPr>
+          <p:spPr>
+            <a:xfrm>
+              <a:off x="2734112" y="5419952"/>
+              <a:ext cx="152400" cy="512410"/>
+            </a:xfrm>
+            <a:prstGeom prst="rect">
+              <a:avLst/>
+            </a:prstGeom>
+            <a:solidFill>
+              <a:srgbClr val="00B050"/>
+            </a:solidFill>
+          </p:spPr>
+          <p:style>
+            <a:lnRef idx="2">
+              <a:schemeClr val="accent1">
+                <a:shade val="50000"/>
+              </a:schemeClr>
+            </a:lnRef>
+            <a:fillRef idx="1">
+              <a:schemeClr val="accent1"/>
+            </a:fillRef>
+            <a:effectRef idx="0">
+              <a:schemeClr val="accent1"/>
+            </a:effectRef>
+            <a:fontRef idx="minor">
+              <a:schemeClr val="lt1"/>
+            </a:fontRef>
+          </p:style>
+          <p:txBody>
+            <a:bodyPr rtlCol="0" anchor="ctr"/>
+            <a:lstStyle/>
+            <a:p>
+              <a:pPr algn="ctr"/>
+              <a:endParaRPr lang="pl-PL"/>
+            </a:p>
+          </p:txBody>
+        </p:sp>
+        <p:sp>
+          <p:nvSpPr>
+            <p:cNvPr id="26" name="Prostokąt 25">
+              <a:extLst>
+                <a:ext uri="{FF2B5EF4-FFF2-40B4-BE49-F238E27FC236}">
+                  <a16:creationId xmlns:a16="http://schemas.microsoft.com/office/drawing/2014/main" id="{187B6ED9-D0B9-4444-8404-2D00DAFB9A70}"/>
+                </a:ext>
+              </a:extLst>
+            </p:cNvPr>
+            <p:cNvSpPr/>
+            <p:nvPr/>
+          </p:nvSpPr>
+          <p:spPr>
+            <a:xfrm>
+              <a:off x="2716634" y="4597167"/>
+              <a:ext cx="152400" cy="218103"/>
+            </a:xfrm>
+            <a:prstGeom prst="rect">
+              <a:avLst/>
+            </a:prstGeom>
+            <a:solidFill>
+              <a:schemeClr val="bg1">
+                <a:lumMod val="85000"/>
+              </a:schemeClr>
+            </a:solidFill>
+          </p:spPr>
+          <p:style>
+            <a:lnRef idx="2">
+              <a:schemeClr val="accent1">
+                <a:shade val="50000"/>
+              </a:schemeClr>
+            </a:lnRef>
+            <a:fillRef idx="1">
+              <a:schemeClr val="accent1"/>
+            </a:fillRef>
+            <a:effectRef idx="0">
+              <a:schemeClr val="accent1"/>
+            </a:effectRef>
+            <a:fontRef idx="minor">
+              <a:schemeClr val="lt1"/>
+            </a:fontRef>
+          </p:style>
+          <p:txBody>
+            <a:bodyPr rtlCol="0" anchor="ctr"/>
+            <a:lstStyle/>
+            <a:p>
+              <a:pPr algn="ctr"/>
+              <a:endParaRPr lang="pl-PL"/>
+            </a:p>
+          </p:txBody>
+        </p:sp>
+      </p:grpSp>
+    </p:spTree>
+    <p:extLst>
+      <p:ext uri="{BB962C8B-B14F-4D97-AF65-F5344CB8AC3E}">
+        <p14:creationId xmlns:p14="http://schemas.microsoft.com/office/powerpoint/2010/main" val="1305631284"/>
+      </p:ext>
+    </p:extLst>
+  </p:cSld>
+  <p:clrMapOvr>
+    <a:masterClrMapping/>
+  </p:clrMapOvr>
+</p:sld>
+</file>
+
+<file path=ppt/slides/slide8.xml><?xml version="1.0" encoding="utf-8"?>
+<p:sld xmlns:a="http://schemas.openxmlformats.org/drawingml/2006/main" xmlns:r="http://schemas.openxmlformats.org/officeDocument/2006/relationships" xmlns:p="http://schemas.openxmlformats.org/presentationml/2006/main">
+  <p:cSld>
+    <p:spTree>
+      <p:nvGrpSpPr>
+        <p:cNvPr id="1" name=""/>
+        <p:cNvGrpSpPr/>
+        <p:nvPr/>
+      </p:nvGrpSpPr>
+      <p:grpSpPr>
+        <a:xfrm>
+          <a:off x="0" y="0"/>
+          <a:ext cx="0" cy="0"/>
+          <a:chOff x="0" y="0"/>
+          <a:chExt cx="0" cy="0"/>
+        </a:xfrm>
+      </p:grpSpPr>
+      <p:sp>
+        <p:nvSpPr>
+          <p:cNvPr id="4" name="Tytuł 3">
+            <a:extLst>
+              <a:ext uri="{FF2B5EF4-FFF2-40B4-BE49-F238E27FC236}">
+                <a16:creationId xmlns:a16="http://schemas.microsoft.com/office/drawing/2014/main" id="{7E828BA3-5224-4A93-A032-79DA7DA92090}"/>
+              </a:ext>
+            </a:extLst>
+          </p:cNvPr>
+          <p:cNvSpPr>
+            <a:spLocks noGrp="1"/>
+          </p:cNvSpPr>
+          <p:nvPr>
+            <p:ph type="title"/>
+          </p:nvPr>
+        </p:nvSpPr>
+        <p:spPr/>
+        <p:txBody>
+          <a:bodyPr/>
+          <a:lstStyle/>
+          <a:p>
+            <a:r>
+              <a:rPr lang="en-US" dirty="0"/>
+              <a:t>Show me the code</a:t>
+            </a:r>
+            <a:endParaRPr lang="pl-PL" dirty="0"/>
+          </a:p>
+        </p:txBody>
+      </p:sp>
+      <p:sp>
+        <p:nvSpPr>
+          <p:cNvPr id="7" name="pole tekstowe 6">
+            <a:extLst>
+              <a:ext uri="{FF2B5EF4-FFF2-40B4-BE49-F238E27FC236}">
+                <a16:creationId xmlns:a16="http://schemas.microsoft.com/office/drawing/2014/main" id="{9AE79706-8FEB-45D4-ACD8-FD1B2839776F}"/>
+              </a:ext>
+            </a:extLst>
+          </p:cNvPr>
+          <p:cNvSpPr txBox="1"/>
+          <p:nvPr/>
+        </p:nvSpPr>
+        <p:spPr>
+          <a:xfrm>
+            <a:off x="3154329" y="2598567"/>
+            <a:ext cx="5883342" cy="3170868"/>
+          </a:xfrm>
+          <a:prstGeom prst="rect">
+            <a:avLst/>
+          </a:prstGeom>
+          <a:noFill/>
+        </p:spPr>
+        <p:txBody>
+          <a:bodyPr wrap="none" rtlCol="0">
+            <a:spAutoFit/>
+          </a:bodyPr>
+          <a:lstStyle/>
+          <a:p>
+            <a:pPr>
+              <a:lnSpc>
+                <a:spcPct val="107000"/>
+              </a:lnSpc>
+              <a:spcAft>
+                <a:spcPts val="800"/>
+              </a:spcAft>
+              <a:tabLst>
+                <a:tab pos="581660" algn="l"/>
+                <a:tab pos="1163320" algn="l"/>
+                <a:tab pos="1744980" algn="l"/>
+                <a:tab pos="2326640" algn="l"/>
+                <a:tab pos="2908300" algn="l"/>
+                <a:tab pos="3489960" algn="l"/>
+                <a:tab pos="4071620" algn="l"/>
+                <a:tab pos="4653280" algn="l"/>
+                <a:tab pos="5234940" algn="l"/>
+                <a:tab pos="5816600" algn="l"/>
+                <a:tab pos="6398260" algn="l"/>
+                <a:tab pos="6979920" algn="l"/>
+                <a:tab pos="7561580" algn="l"/>
+                <a:tab pos="8143240" algn="l"/>
+                <a:tab pos="8724900" algn="l"/>
+                <a:tab pos="9306560" algn="l"/>
+              </a:tabLst>
+            </a:pPr>
+            <a:r>
+              <a:rPr lang="en-US" sz="1800" dirty="0" err="1">
+                <a:solidFill>
+                  <a:srgbClr val="2B91AF"/>
+                </a:solidFill>
+                <a:effectLst/>
+                <a:latin typeface="Consolas" panose="020B0609020204030204" pitchFamily="49" charset="0"/>
+                <a:ea typeface="Times New Roman" panose="02020603050405020304" pitchFamily="18" charset="0"/>
+                <a:cs typeface="Courier New" panose="02070309020205020404" pitchFamily="49" charset="0"/>
+              </a:rPr>
+              <a:t>Console</a:t>
+            </a:r>
+            <a:r>
+              <a:rPr lang="en-US" sz="1800" dirty="0" err="1">
+                <a:solidFill>
+                  <a:srgbClr val="000000"/>
+                </a:solidFill>
+                <a:effectLst/>
+                <a:latin typeface="Consolas" panose="020B0609020204030204" pitchFamily="49" charset="0"/>
+                <a:ea typeface="Times New Roman" panose="02020603050405020304" pitchFamily="18" charset="0"/>
+                <a:cs typeface="Courier New" panose="02070309020205020404" pitchFamily="49" charset="0"/>
+              </a:rPr>
+              <a:t>.</a:t>
+            </a:r>
+            <a:r>
+              <a:rPr lang="en-US" sz="1800" dirty="0" err="1">
+                <a:solidFill>
+                  <a:srgbClr val="74531F"/>
+                </a:solidFill>
+                <a:effectLst/>
+                <a:latin typeface="Consolas" panose="020B0609020204030204" pitchFamily="49" charset="0"/>
+                <a:ea typeface="Times New Roman" panose="02020603050405020304" pitchFamily="18" charset="0"/>
+                <a:cs typeface="Courier New" panose="02070309020205020404" pitchFamily="49" charset="0"/>
+              </a:rPr>
+              <a:t>Clear</a:t>
+            </a:r>
+            <a:r>
+              <a:rPr lang="en-US" sz="1800" dirty="0">
+                <a:solidFill>
+                  <a:srgbClr val="000000"/>
+                </a:solidFill>
+                <a:effectLst/>
+                <a:latin typeface="Consolas" panose="020B0609020204030204" pitchFamily="49" charset="0"/>
+                <a:ea typeface="Times New Roman" panose="02020603050405020304" pitchFamily="18" charset="0"/>
+                <a:cs typeface="Courier New" panose="02070309020205020404" pitchFamily="49" charset="0"/>
+              </a:rPr>
+              <a:t>();</a:t>
+            </a:r>
+            <a:endParaRPr lang="pl-PL" sz="1800" dirty="0">
+              <a:effectLst/>
+              <a:latin typeface="Calibri" panose="020F0502020204030204" pitchFamily="34" charset="0"/>
+              <a:ea typeface="Calibri" panose="020F0502020204030204" pitchFamily="34" charset="0"/>
+              <a:cs typeface="Times New Roman" panose="02020603050405020304" pitchFamily="18" charset="0"/>
+            </a:endParaRPr>
+          </a:p>
+          <a:p>
+            <a:pPr>
+              <a:lnSpc>
+                <a:spcPct val="107000"/>
+              </a:lnSpc>
+              <a:spcAft>
+                <a:spcPts val="800"/>
+              </a:spcAft>
+              <a:tabLst>
+                <a:tab pos="581660" algn="l"/>
+                <a:tab pos="1163320" algn="l"/>
+                <a:tab pos="1744980" algn="l"/>
+                <a:tab pos="2326640" algn="l"/>
+                <a:tab pos="2908300" algn="l"/>
+                <a:tab pos="3489960" algn="l"/>
+                <a:tab pos="4071620" algn="l"/>
+                <a:tab pos="4653280" algn="l"/>
+                <a:tab pos="5234940" algn="l"/>
+                <a:tab pos="5816600" algn="l"/>
+                <a:tab pos="6398260" algn="l"/>
+                <a:tab pos="6979920" algn="l"/>
+                <a:tab pos="7561580" algn="l"/>
+                <a:tab pos="8143240" algn="l"/>
+                <a:tab pos="8724900" algn="l"/>
+                <a:tab pos="9306560" algn="l"/>
+              </a:tabLst>
+            </a:pPr>
+            <a:r>
+              <a:rPr lang="en-US" sz="1800" dirty="0" err="1">
+                <a:solidFill>
+                  <a:srgbClr val="2B91AF"/>
+                </a:solidFill>
+                <a:effectLst/>
+                <a:latin typeface="Consolas" panose="020B0609020204030204" pitchFamily="49" charset="0"/>
+                <a:ea typeface="Times New Roman" panose="02020603050405020304" pitchFamily="18" charset="0"/>
+                <a:cs typeface="Courier New" panose="02070309020205020404" pitchFamily="49" charset="0"/>
+              </a:rPr>
+              <a:t>Console</a:t>
+            </a:r>
+            <a:r>
+              <a:rPr lang="en-US" sz="1800" dirty="0" err="1">
+                <a:solidFill>
+                  <a:srgbClr val="000000"/>
+                </a:solidFill>
+                <a:effectLst/>
+                <a:latin typeface="Consolas" panose="020B0609020204030204" pitchFamily="49" charset="0"/>
+                <a:ea typeface="Times New Roman" panose="02020603050405020304" pitchFamily="18" charset="0"/>
+                <a:cs typeface="Courier New" panose="02070309020205020404" pitchFamily="49" charset="0"/>
+              </a:rPr>
+              <a:t>.</a:t>
+            </a:r>
+            <a:r>
+              <a:rPr lang="en-US" sz="1800" dirty="0" err="1">
+                <a:solidFill>
+                  <a:srgbClr val="74531F"/>
+                </a:solidFill>
+                <a:effectLst/>
+                <a:latin typeface="Consolas" panose="020B0609020204030204" pitchFamily="49" charset="0"/>
+                <a:ea typeface="Times New Roman" panose="02020603050405020304" pitchFamily="18" charset="0"/>
+                <a:cs typeface="Courier New" panose="02070309020205020404" pitchFamily="49" charset="0"/>
+              </a:rPr>
+              <a:t>WriteLine</a:t>
+            </a:r>
+            <a:r>
+              <a:rPr lang="en-US" sz="1800" dirty="0">
+                <a:solidFill>
+                  <a:srgbClr val="000000"/>
+                </a:solidFill>
+                <a:effectLst/>
+                <a:latin typeface="Consolas" panose="020B0609020204030204" pitchFamily="49" charset="0"/>
+                <a:ea typeface="Times New Roman" panose="02020603050405020304" pitchFamily="18" charset="0"/>
+                <a:cs typeface="Courier New" panose="02070309020205020404" pitchFamily="49" charset="0"/>
+              </a:rPr>
+              <a:t>(</a:t>
+            </a:r>
+            <a:r>
+              <a:rPr lang="en-US" sz="1800" dirty="0" err="1">
+                <a:solidFill>
+                  <a:srgbClr val="2B91AF"/>
+                </a:solidFill>
+                <a:effectLst/>
+                <a:latin typeface="Consolas" panose="020B0609020204030204" pitchFamily="49" charset="0"/>
+                <a:ea typeface="Times New Roman" panose="02020603050405020304" pitchFamily="18" charset="0"/>
+                <a:cs typeface="Courier New" panose="02070309020205020404" pitchFamily="49" charset="0"/>
+              </a:rPr>
+              <a:t>Resources</a:t>
+            </a:r>
+            <a:r>
+              <a:rPr lang="en-US" sz="1800" dirty="0" err="1">
+                <a:solidFill>
+                  <a:srgbClr val="000000"/>
+                </a:solidFill>
+                <a:effectLst/>
+                <a:latin typeface="Consolas" panose="020B0609020204030204" pitchFamily="49" charset="0"/>
+                <a:ea typeface="Times New Roman" panose="02020603050405020304" pitchFamily="18" charset="0"/>
+                <a:cs typeface="Courier New" panose="02070309020205020404" pitchFamily="49" charset="0"/>
+              </a:rPr>
+              <a:t>.OptionsToChoose</a:t>
+            </a:r>
+            <a:r>
+              <a:rPr lang="en-US" sz="1800" dirty="0">
+                <a:solidFill>
+                  <a:srgbClr val="000000"/>
+                </a:solidFill>
+                <a:effectLst/>
+                <a:latin typeface="Consolas" panose="020B0609020204030204" pitchFamily="49" charset="0"/>
+                <a:ea typeface="Times New Roman" panose="02020603050405020304" pitchFamily="18" charset="0"/>
+                <a:cs typeface="Courier New" panose="02070309020205020404" pitchFamily="49" charset="0"/>
+              </a:rPr>
+              <a:t>);</a:t>
+            </a:r>
+            <a:endParaRPr lang="pl-PL" sz="1800" dirty="0">
+              <a:effectLst/>
+              <a:latin typeface="Calibri" panose="020F0502020204030204" pitchFamily="34" charset="0"/>
+              <a:ea typeface="Calibri" panose="020F0502020204030204" pitchFamily="34" charset="0"/>
+              <a:cs typeface="Times New Roman" panose="02020603050405020304" pitchFamily="18" charset="0"/>
+            </a:endParaRPr>
+          </a:p>
+          <a:p>
+            <a:pPr>
+              <a:lnSpc>
+                <a:spcPct val="107000"/>
+              </a:lnSpc>
+              <a:spcAft>
+                <a:spcPts val="800"/>
+              </a:spcAft>
+              <a:tabLst>
+                <a:tab pos="581660" algn="l"/>
+                <a:tab pos="1163320" algn="l"/>
+                <a:tab pos="1744980" algn="l"/>
+                <a:tab pos="2326640" algn="l"/>
+                <a:tab pos="2908300" algn="l"/>
+                <a:tab pos="3489960" algn="l"/>
+                <a:tab pos="4071620" algn="l"/>
+                <a:tab pos="4653280" algn="l"/>
+                <a:tab pos="5234940" algn="l"/>
+                <a:tab pos="5816600" algn="l"/>
+                <a:tab pos="6398260" algn="l"/>
+                <a:tab pos="6979920" algn="l"/>
+                <a:tab pos="7561580" algn="l"/>
+                <a:tab pos="8143240" algn="l"/>
+                <a:tab pos="8724900" algn="l"/>
+                <a:tab pos="9306560" algn="l"/>
+              </a:tabLst>
+            </a:pPr>
+            <a:r>
+              <a:rPr lang="en-US" sz="1800" dirty="0">
+                <a:solidFill>
+                  <a:srgbClr val="000000"/>
+                </a:solidFill>
+                <a:effectLst/>
+                <a:latin typeface="Consolas" panose="020B0609020204030204" pitchFamily="49" charset="0"/>
+                <a:ea typeface="Times New Roman" panose="02020603050405020304" pitchFamily="18" charset="0"/>
+                <a:cs typeface="Courier New" panose="02070309020205020404" pitchFamily="49" charset="0"/>
+              </a:rPr>
+              <a:t> </a:t>
+            </a:r>
+            <a:endParaRPr lang="pl-PL" sz="1800" dirty="0">
+              <a:effectLst/>
+              <a:latin typeface="Calibri" panose="020F0502020204030204" pitchFamily="34" charset="0"/>
+              <a:ea typeface="Calibri" panose="020F0502020204030204" pitchFamily="34" charset="0"/>
+              <a:cs typeface="Times New Roman" panose="02020603050405020304" pitchFamily="18" charset="0"/>
+            </a:endParaRPr>
+          </a:p>
+          <a:p>
+            <a:pPr>
+              <a:lnSpc>
+                <a:spcPct val="107000"/>
+              </a:lnSpc>
+              <a:spcAft>
+                <a:spcPts val="800"/>
+              </a:spcAft>
+              <a:tabLst>
+                <a:tab pos="581660" algn="l"/>
+                <a:tab pos="1163320" algn="l"/>
+                <a:tab pos="1744980" algn="l"/>
+                <a:tab pos="2326640" algn="l"/>
+                <a:tab pos="2908300" algn="l"/>
+                <a:tab pos="3489960" algn="l"/>
+                <a:tab pos="4071620" algn="l"/>
+                <a:tab pos="4653280" algn="l"/>
+                <a:tab pos="5234940" algn="l"/>
+                <a:tab pos="5816600" algn="l"/>
+                <a:tab pos="6398260" algn="l"/>
+                <a:tab pos="6979920" algn="l"/>
+                <a:tab pos="7561580" algn="l"/>
+                <a:tab pos="8143240" algn="l"/>
+                <a:tab pos="8724900" algn="l"/>
+                <a:tab pos="9306560" algn="l"/>
+              </a:tabLst>
+            </a:pPr>
+            <a:r>
+              <a:rPr lang="en-US" sz="1800" dirty="0">
+                <a:solidFill>
+                  <a:srgbClr val="0000FF"/>
+                </a:solidFill>
+                <a:effectLst/>
+                <a:latin typeface="Consolas" panose="020B0609020204030204" pitchFamily="49" charset="0"/>
+                <a:ea typeface="Times New Roman" panose="02020603050405020304" pitchFamily="18" charset="0"/>
+                <a:cs typeface="Courier New" panose="02070309020205020404" pitchFamily="49" charset="0"/>
+              </a:rPr>
+              <a:t>var</a:t>
+            </a:r>
+            <a:r>
+              <a:rPr lang="en-US" sz="1800" dirty="0">
+                <a:solidFill>
+                  <a:srgbClr val="000000"/>
+                </a:solidFill>
+                <a:effectLst/>
+                <a:latin typeface="Consolas" panose="020B0609020204030204" pitchFamily="49" charset="0"/>
+                <a:ea typeface="Times New Roman" panose="02020603050405020304" pitchFamily="18" charset="0"/>
+                <a:cs typeface="Courier New" panose="02070309020205020404" pitchFamily="49" charset="0"/>
+              </a:rPr>
+              <a:t> </a:t>
+            </a:r>
+            <a:r>
+              <a:rPr lang="en-US" sz="1800" dirty="0" err="1">
+                <a:solidFill>
+                  <a:srgbClr val="1F377F"/>
+                </a:solidFill>
+                <a:effectLst/>
+                <a:latin typeface="Consolas" panose="020B0609020204030204" pitchFamily="49" charset="0"/>
+                <a:ea typeface="Times New Roman" panose="02020603050405020304" pitchFamily="18" charset="0"/>
+                <a:cs typeface="Courier New" panose="02070309020205020404" pitchFamily="49" charset="0"/>
+              </a:rPr>
+              <a:t>chosenOption</a:t>
+            </a:r>
+            <a:r>
+              <a:rPr lang="en-US" sz="1800" dirty="0">
+                <a:solidFill>
+                  <a:srgbClr val="000000"/>
+                </a:solidFill>
+                <a:effectLst/>
+                <a:latin typeface="Consolas" panose="020B0609020204030204" pitchFamily="49" charset="0"/>
+                <a:ea typeface="Times New Roman" panose="02020603050405020304" pitchFamily="18" charset="0"/>
+                <a:cs typeface="Courier New" panose="02070309020205020404" pitchFamily="49" charset="0"/>
+              </a:rPr>
+              <a:t> = </a:t>
+            </a:r>
+            <a:r>
+              <a:rPr lang="en-US" sz="1800" dirty="0" err="1">
+                <a:solidFill>
+                  <a:srgbClr val="74531F"/>
+                </a:solidFill>
+                <a:effectLst/>
+                <a:latin typeface="Consolas" panose="020B0609020204030204" pitchFamily="49" charset="0"/>
+                <a:ea typeface="Times New Roman" panose="02020603050405020304" pitchFamily="18" charset="0"/>
+                <a:cs typeface="Courier New" panose="02070309020205020404" pitchFamily="49" charset="0"/>
+              </a:rPr>
+              <a:t>ReadChosenOption</a:t>
+            </a:r>
+            <a:r>
+              <a:rPr lang="en-US" sz="1800" dirty="0">
+                <a:solidFill>
+                  <a:srgbClr val="000000"/>
+                </a:solidFill>
+                <a:effectLst/>
+                <a:latin typeface="Consolas" panose="020B0609020204030204" pitchFamily="49" charset="0"/>
+                <a:ea typeface="Times New Roman" panose="02020603050405020304" pitchFamily="18" charset="0"/>
+                <a:cs typeface="Courier New" panose="02070309020205020404" pitchFamily="49" charset="0"/>
+              </a:rPr>
+              <a:t>();</a:t>
+            </a:r>
+            <a:endParaRPr lang="pl-PL" sz="1800" dirty="0">
+              <a:effectLst/>
+              <a:latin typeface="Calibri" panose="020F0502020204030204" pitchFamily="34" charset="0"/>
+              <a:ea typeface="Calibri" panose="020F0502020204030204" pitchFamily="34" charset="0"/>
+              <a:cs typeface="Times New Roman" panose="02020603050405020304" pitchFamily="18" charset="0"/>
+            </a:endParaRPr>
+          </a:p>
+          <a:p>
+            <a:pPr>
+              <a:lnSpc>
+                <a:spcPct val="107000"/>
+              </a:lnSpc>
+              <a:spcAft>
+                <a:spcPts val="800"/>
+              </a:spcAft>
+              <a:tabLst>
+                <a:tab pos="581660" algn="l"/>
+                <a:tab pos="1163320" algn="l"/>
+                <a:tab pos="1744980" algn="l"/>
+                <a:tab pos="2326640" algn="l"/>
+                <a:tab pos="2908300" algn="l"/>
+                <a:tab pos="3489960" algn="l"/>
+                <a:tab pos="4071620" algn="l"/>
+                <a:tab pos="4653280" algn="l"/>
+                <a:tab pos="5234940" algn="l"/>
+                <a:tab pos="5816600" algn="l"/>
+                <a:tab pos="6398260" algn="l"/>
+                <a:tab pos="6979920" algn="l"/>
+                <a:tab pos="7561580" algn="l"/>
+                <a:tab pos="8143240" algn="l"/>
+                <a:tab pos="8724900" algn="l"/>
+                <a:tab pos="9306560" algn="l"/>
+              </a:tabLst>
+            </a:pPr>
+            <a:r>
+              <a:rPr lang="en-US" sz="1800" dirty="0">
+                <a:solidFill>
+                  <a:srgbClr val="8F08C4"/>
+                </a:solidFill>
+                <a:effectLst/>
+                <a:latin typeface="Consolas" panose="020B0609020204030204" pitchFamily="49" charset="0"/>
+                <a:ea typeface="Times New Roman" panose="02020603050405020304" pitchFamily="18" charset="0"/>
+                <a:cs typeface="Courier New" panose="02070309020205020404" pitchFamily="49" charset="0"/>
+              </a:rPr>
+              <a:t>if</a:t>
+            </a:r>
+            <a:r>
+              <a:rPr lang="en-US" sz="1800" dirty="0">
+                <a:solidFill>
+                  <a:srgbClr val="000000"/>
+                </a:solidFill>
+                <a:effectLst/>
+                <a:latin typeface="Consolas" panose="020B0609020204030204" pitchFamily="49" charset="0"/>
+                <a:ea typeface="Times New Roman" panose="02020603050405020304" pitchFamily="18" charset="0"/>
+                <a:cs typeface="Courier New" panose="02070309020205020404" pitchFamily="49" charset="0"/>
+              </a:rPr>
+              <a:t> (</a:t>
+            </a:r>
+            <a:r>
+              <a:rPr lang="en-US" sz="1800" dirty="0">
+                <a:solidFill>
+                  <a:srgbClr val="A31515"/>
+                </a:solidFill>
+                <a:effectLst/>
+                <a:latin typeface="Consolas" panose="020B0609020204030204" pitchFamily="49" charset="0"/>
+                <a:ea typeface="Times New Roman" panose="02020603050405020304" pitchFamily="18" charset="0"/>
+                <a:cs typeface="Courier New" panose="02070309020205020404" pitchFamily="49" charset="0"/>
+              </a:rPr>
+              <a:t>"Q"</a:t>
+            </a:r>
+            <a:r>
+              <a:rPr lang="en-US" sz="1800" dirty="0">
+                <a:solidFill>
+                  <a:srgbClr val="000000"/>
+                </a:solidFill>
+                <a:effectLst/>
+                <a:latin typeface="Consolas" panose="020B0609020204030204" pitchFamily="49" charset="0"/>
+                <a:ea typeface="Times New Roman" panose="02020603050405020304" pitchFamily="18" charset="0"/>
+                <a:cs typeface="Courier New" panose="02070309020205020404" pitchFamily="49" charset="0"/>
+              </a:rPr>
+              <a:t> == </a:t>
+            </a:r>
+            <a:r>
+              <a:rPr lang="en-US" sz="1800" dirty="0" err="1">
+                <a:solidFill>
+                  <a:srgbClr val="1F377F"/>
+                </a:solidFill>
+                <a:effectLst/>
+                <a:latin typeface="Consolas" panose="020B0609020204030204" pitchFamily="49" charset="0"/>
+                <a:ea typeface="Times New Roman" panose="02020603050405020304" pitchFamily="18" charset="0"/>
+                <a:cs typeface="Courier New" panose="02070309020205020404" pitchFamily="49" charset="0"/>
+              </a:rPr>
+              <a:t>chosenOption</a:t>
+            </a:r>
+            <a:r>
+              <a:rPr lang="en-US" sz="1800" dirty="0">
+                <a:solidFill>
+                  <a:srgbClr val="000000"/>
+                </a:solidFill>
+                <a:effectLst/>
+                <a:latin typeface="Consolas" panose="020B0609020204030204" pitchFamily="49" charset="0"/>
+                <a:ea typeface="Times New Roman" panose="02020603050405020304" pitchFamily="18" charset="0"/>
+                <a:cs typeface="Courier New" panose="02070309020205020404" pitchFamily="49" charset="0"/>
+              </a:rPr>
+              <a:t>)</a:t>
+            </a:r>
+            <a:endParaRPr lang="pl-PL" sz="1800" dirty="0">
+              <a:effectLst/>
+              <a:latin typeface="Calibri" panose="020F0502020204030204" pitchFamily="34" charset="0"/>
+              <a:ea typeface="Calibri" panose="020F0502020204030204" pitchFamily="34" charset="0"/>
+              <a:cs typeface="Times New Roman" panose="02020603050405020304" pitchFamily="18" charset="0"/>
+            </a:endParaRPr>
+          </a:p>
+          <a:p>
+            <a:pPr>
+              <a:lnSpc>
+                <a:spcPct val="107000"/>
+              </a:lnSpc>
+              <a:spcAft>
+                <a:spcPts val="800"/>
+              </a:spcAft>
+              <a:tabLst>
+                <a:tab pos="581660" algn="l"/>
+                <a:tab pos="1163320" algn="l"/>
+                <a:tab pos="1744980" algn="l"/>
+                <a:tab pos="2326640" algn="l"/>
+                <a:tab pos="2908300" algn="l"/>
+                <a:tab pos="3489960" algn="l"/>
+                <a:tab pos="4071620" algn="l"/>
+                <a:tab pos="4653280" algn="l"/>
+                <a:tab pos="5234940" algn="l"/>
+                <a:tab pos="5816600" algn="l"/>
+                <a:tab pos="6398260" algn="l"/>
+                <a:tab pos="6979920" algn="l"/>
+                <a:tab pos="7561580" algn="l"/>
+                <a:tab pos="8143240" algn="l"/>
+                <a:tab pos="8724900" algn="l"/>
+                <a:tab pos="9306560" algn="l"/>
+              </a:tabLst>
+            </a:pPr>
+            <a:r>
+              <a:rPr lang="pl-PL" sz="1800" dirty="0">
+                <a:solidFill>
+                  <a:srgbClr val="000000"/>
+                </a:solidFill>
+                <a:effectLst/>
+                <a:latin typeface="Consolas" panose="020B0609020204030204" pitchFamily="49" charset="0"/>
+                <a:ea typeface="Times New Roman" panose="02020603050405020304" pitchFamily="18" charset="0"/>
+                <a:cs typeface="Courier New" panose="02070309020205020404" pitchFamily="49" charset="0"/>
+              </a:rPr>
+              <a:t>{</a:t>
+            </a:r>
+            <a:endParaRPr lang="pl-PL" sz="1800" dirty="0">
+              <a:effectLst/>
+              <a:latin typeface="Calibri" panose="020F0502020204030204" pitchFamily="34" charset="0"/>
+              <a:ea typeface="Calibri" panose="020F0502020204030204" pitchFamily="34" charset="0"/>
+              <a:cs typeface="Times New Roman" panose="02020603050405020304" pitchFamily="18" charset="0"/>
+            </a:endParaRPr>
+          </a:p>
+          <a:p>
+            <a:pPr>
+              <a:lnSpc>
+                <a:spcPct val="107000"/>
+              </a:lnSpc>
+              <a:spcAft>
+                <a:spcPts val="800"/>
+              </a:spcAft>
+              <a:tabLst>
+                <a:tab pos="581660" algn="l"/>
+                <a:tab pos="1163320" algn="l"/>
+                <a:tab pos="1744980" algn="l"/>
+                <a:tab pos="2326640" algn="l"/>
+                <a:tab pos="2908300" algn="l"/>
+                <a:tab pos="3489960" algn="l"/>
+                <a:tab pos="4071620" algn="l"/>
+                <a:tab pos="4653280" algn="l"/>
+                <a:tab pos="5234940" algn="l"/>
+                <a:tab pos="5816600" algn="l"/>
+                <a:tab pos="6398260" algn="l"/>
+                <a:tab pos="6979920" algn="l"/>
+                <a:tab pos="7561580" algn="l"/>
+                <a:tab pos="8143240" algn="l"/>
+                <a:tab pos="8724900" algn="l"/>
+                <a:tab pos="9306560" algn="l"/>
+              </a:tabLst>
+            </a:pPr>
+            <a:r>
+              <a:rPr lang="pl-PL" sz="1800" dirty="0">
+                <a:solidFill>
+                  <a:srgbClr val="000000"/>
+                </a:solidFill>
+                <a:effectLst/>
+                <a:latin typeface="Consolas" panose="020B0609020204030204" pitchFamily="49" charset="0"/>
+                <a:ea typeface="Times New Roman" panose="02020603050405020304" pitchFamily="18" charset="0"/>
+                <a:cs typeface="Courier New" panose="02070309020205020404" pitchFamily="49" charset="0"/>
+              </a:rPr>
+              <a:t>  </a:t>
+            </a:r>
+            <a:r>
+              <a:rPr lang="pl-PL" sz="1800" dirty="0">
+                <a:solidFill>
+                  <a:srgbClr val="8F08C4"/>
+                </a:solidFill>
+                <a:effectLst/>
+                <a:latin typeface="Consolas" panose="020B0609020204030204" pitchFamily="49" charset="0"/>
+                <a:ea typeface="Times New Roman" panose="02020603050405020304" pitchFamily="18" charset="0"/>
+                <a:cs typeface="Courier New" panose="02070309020205020404" pitchFamily="49" charset="0"/>
+              </a:rPr>
+              <a:t>return</a:t>
+            </a:r>
+            <a:r>
+              <a:rPr lang="pl-PL" sz="1800" dirty="0">
+                <a:solidFill>
+                  <a:srgbClr val="000000"/>
+                </a:solidFill>
+                <a:effectLst/>
+                <a:latin typeface="Consolas" panose="020B0609020204030204" pitchFamily="49" charset="0"/>
+                <a:ea typeface="Times New Roman" panose="02020603050405020304" pitchFamily="18" charset="0"/>
+                <a:cs typeface="Courier New" panose="02070309020205020404" pitchFamily="49" charset="0"/>
+              </a:rPr>
+              <a:t>;</a:t>
+            </a:r>
+            <a:endParaRPr lang="pl-PL" sz="1800" dirty="0">
+              <a:effectLst/>
+              <a:latin typeface="Calibri" panose="020F0502020204030204" pitchFamily="34" charset="0"/>
+              <a:ea typeface="Calibri" panose="020F0502020204030204" pitchFamily="34" charset="0"/>
+              <a:cs typeface="Times New Roman" panose="02020603050405020304" pitchFamily="18" charset="0"/>
+            </a:endParaRPr>
+          </a:p>
+          <a:p>
+            <a:pPr>
+              <a:lnSpc>
+                <a:spcPct val="107000"/>
+              </a:lnSpc>
+              <a:spcAft>
+                <a:spcPts val="800"/>
+              </a:spcAft>
+              <a:tabLst>
+                <a:tab pos="581660" algn="l"/>
+                <a:tab pos="1163320" algn="l"/>
+                <a:tab pos="1744980" algn="l"/>
+                <a:tab pos="2326640" algn="l"/>
+                <a:tab pos="2908300" algn="l"/>
+                <a:tab pos="3489960" algn="l"/>
+                <a:tab pos="4071620" algn="l"/>
+                <a:tab pos="4653280" algn="l"/>
+                <a:tab pos="5234940" algn="l"/>
+                <a:tab pos="5816600" algn="l"/>
+                <a:tab pos="6398260" algn="l"/>
+                <a:tab pos="6979920" algn="l"/>
+                <a:tab pos="7561580" algn="l"/>
+                <a:tab pos="8143240" algn="l"/>
+                <a:tab pos="8724900" algn="l"/>
+                <a:tab pos="9306560" algn="l"/>
+              </a:tabLst>
+            </a:pPr>
+            <a:r>
+              <a:rPr lang="pl-PL" sz="1800" dirty="0">
+                <a:solidFill>
+                  <a:srgbClr val="000000"/>
+                </a:solidFill>
+                <a:effectLst/>
+                <a:latin typeface="Consolas" panose="020B0609020204030204" pitchFamily="49" charset="0"/>
+                <a:ea typeface="Times New Roman" panose="02020603050405020304" pitchFamily="18" charset="0"/>
+                <a:cs typeface="Courier New" panose="02070309020205020404" pitchFamily="49" charset="0"/>
+              </a:rPr>
+              <a:t>}</a:t>
+            </a:r>
+            <a:endParaRPr lang="pl-PL" dirty="0"/>
+          </a:p>
+        </p:txBody>
+      </p:sp>
+    </p:spTree>
+    <p:extLst>
+      <p:ext uri="{BB962C8B-B14F-4D97-AF65-F5344CB8AC3E}">
+        <p14:creationId xmlns:p14="http://schemas.microsoft.com/office/powerpoint/2010/main" val="207472617"/>
+      </p:ext>
+    </p:extLst>
+  </p:cSld>
+  <p:clrMapOvr>
+    <a:masterClrMapping/>
+  </p:clrMapOvr>
+</p:sld>
+</file>
+
+<file path=ppt/slides/slide9.xml><?xml version="1.0" encoding="utf-8"?>
+<p:sld xmlns:a="http://schemas.openxmlformats.org/drawingml/2006/main" xmlns:r="http://schemas.openxmlformats.org/officeDocument/2006/relationships" xmlns:p="http://schemas.openxmlformats.org/presentationml/2006/main" show="0">
+  <p:cSld>
+    <p:spTree>
+      <p:nvGrpSpPr>
+        <p:cNvPr id="1" name=""/>
+        <p:cNvGrpSpPr/>
+        <p:nvPr/>
+      </p:nvGrpSpPr>
+      <p:grpSpPr>
+        <a:xfrm>
+          <a:off x="0" y="0"/>
+          <a:ext cx="0" cy="0"/>
+          <a:chOff x="0" y="0"/>
+          <a:chExt cx="0" cy="0"/>
+        </a:xfrm>
+      </p:grpSpPr>
+      <p:sp>
+        <p:nvSpPr>
+          <p:cNvPr id="2" name="Tytuł 1">
+            <a:extLst>
+              <a:ext uri="{FF2B5EF4-FFF2-40B4-BE49-F238E27FC236}">
+                <a16:creationId xmlns:a16="http://schemas.microsoft.com/office/drawing/2014/main" id="{219DD17C-59DF-4EBF-A995-7EA4DE2A2058}"/>
+              </a:ext>
+            </a:extLst>
+          </p:cNvPr>
+          <p:cNvSpPr>
+            <a:spLocks noGrp="1"/>
+          </p:cNvSpPr>
+          <p:nvPr>
+            <p:ph type="title"/>
+          </p:nvPr>
+        </p:nvSpPr>
+        <p:spPr/>
+        <p:txBody>
+          <a:bodyPr/>
+          <a:lstStyle/>
+          <a:p>
+            <a:r>
+              <a:rPr lang="en-US" dirty="0"/>
+              <a:t>Manual Reset Event </a:t>
+            </a:r>
+            <a:endParaRPr lang="pl-PL" dirty="0"/>
+          </a:p>
+        </p:txBody>
+      </p:sp>
+      <p:sp>
+        <p:nvSpPr>
+          <p:cNvPr id="3" name="Symbol zastępczy zawartości 2">
+            <a:extLst>
+              <a:ext uri="{FF2B5EF4-FFF2-40B4-BE49-F238E27FC236}">
+                <a16:creationId xmlns:a16="http://schemas.microsoft.com/office/drawing/2014/main" id="{D03FA739-504E-4CDD-AED4-6ACF0CFDB750}"/>
+              </a:ext>
+            </a:extLst>
+          </p:cNvPr>
+          <p:cNvSpPr>
+            <a:spLocks noGrp="1"/>
+          </p:cNvSpPr>
+          <p:nvPr>
+            <p:ph idx="1"/>
+          </p:nvPr>
+        </p:nvSpPr>
+        <p:spPr/>
+        <p:txBody>
+          <a:bodyPr/>
+          <a:lstStyle/>
+          <a:p>
+            <a:r>
+              <a:rPr lang="en-US" dirty="0"/>
+              <a:t>Blocks all thread waiting. When it is signaled all threads can enter protected section.</a:t>
+            </a:r>
+          </a:p>
+          <a:p>
+            <a:r>
+              <a:rPr lang="en-US" dirty="0"/>
+              <a:t>Start line</a:t>
+            </a:r>
+          </a:p>
+          <a:p>
+            <a:r>
+              <a:rPr lang="en-US" dirty="0"/>
+              <a:t>Synchronizations point for multiple thread.</a:t>
+            </a:r>
+            <a:endParaRPr lang="pl-PL" dirty="0"/>
+          </a:p>
+        </p:txBody>
+      </p:sp>
+      <p:grpSp>
+        <p:nvGrpSpPr>
+          <p:cNvPr id="14" name="Grupa 13">
+            <a:extLst>
+              <a:ext uri="{FF2B5EF4-FFF2-40B4-BE49-F238E27FC236}">
+                <a16:creationId xmlns:a16="http://schemas.microsoft.com/office/drawing/2014/main" id="{105DF45A-8935-4829-BC04-F215A9B245B2}"/>
+              </a:ext>
+            </a:extLst>
+          </p:cNvPr>
+          <p:cNvGrpSpPr/>
+          <p:nvPr/>
+        </p:nvGrpSpPr>
+        <p:grpSpPr>
+          <a:xfrm>
+            <a:off x="9734197" y="3160553"/>
+            <a:ext cx="827544" cy="1478560"/>
+            <a:chOff x="4147127" y="1607127"/>
+            <a:chExt cx="1182255" cy="2092418"/>
+          </a:xfrm>
+        </p:grpSpPr>
+        <p:sp>
+          <p:nvSpPr>
+            <p:cNvPr id="15" name="Prostokąt 14">
+              <a:extLst>
+                <a:ext uri="{FF2B5EF4-FFF2-40B4-BE49-F238E27FC236}">
+                  <a16:creationId xmlns:a16="http://schemas.microsoft.com/office/drawing/2014/main" id="{A4839F76-B527-44EE-83BB-62F14CA8898C}"/>
+                </a:ext>
+              </a:extLst>
+            </p:cNvPr>
+            <p:cNvSpPr/>
+            <p:nvPr/>
+          </p:nvSpPr>
+          <p:spPr>
+            <a:xfrm>
+              <a:off x="4147127" y="1607127"/>
+              <a:ext cx="1182255" cy="2092418"/>
+            </a:xfrm>
+            <a:prstGeom prst="rect">
+              <a:avLst/>
+            </a:prstGeom>
+          </p:spPr>
+          <p:style>
+            <a:lnRef idx="2">
+              <a:schemeClr val="dk1">
+                <a:shade val="50000"/>
+              </a:schemeClr>
+            </a:lnRef>
+            <a:fillRef idx="1">
+              <a:schemeClr val="dk1"/>
+            </a:fillRef>
+            <a:effectRef idx="0">
+              <a:schemeClr val="dk1"/>
+            </a:effectRef>
+            <a:fontRef idx="minor">
+              <a:schemeClr val="lt1"/>
+            </a:fontRef>
+          </p:style>
+          <p:txBody>
+            <a:bodyPr rtlCol="0" anchor="ctr"/>
+            <a:lstStyle/>
+            <a:p>
+              <a:pPr algn="ctr"/>
+              <a:endParaRPr lang="pl-PL"/>
+            </a:p>
+          </p:txBody>
+        </p:sp>
+        <p:sp>
+          <p:nvSpPr>
+            <p:cNvPr id="16" name="Owal 15">
+              <a:extLst>
+                <a:ext uri="{FF2B5EF4-FFF2-40B4-BE49-F238E27FC236}">
+                  <a16:creationId xmlns:a16="http://schemas.microsoft.com/office/drawing/2014/main" id="{AA293148-E8BF-4274-818F-0DA4EF70398D}"/>
+                </a:ext>
+              </a:extLst>
+            </p:cNvPr>
+            <p:cNvSpPr/>
+            <p:nvPr/>
+          </p:nvSpPr>
+          <p:spPr>
+            <a:xfrm>
+              <a:off x="4276860" y="2710693"/>
+              <a:ext cx="922788" cy="853579"/>
+            </a:xfrm>
+            <a:prstGeom prst="ellipse">
+              <a:avLst/>
+            </a:prstGeom>
+            <a:solidFill>
+              <a:schemeClr val="accent1">
+                <a:lumMod val="50000"/>
+              </a:schemeClr>
+            </a:solidFill>
+          </p:spPr>
+          <p:style>
+            <a:lnRef idx="2">
+              <a:schemeClr val="accent1">
+                <a:shade val="50000"/>
+              </a:schemeClr>
+            </a:lnRef>
+            <a:fillRef idx="1">
+              <a:schemeClr val="accent1"/>
+            </a:fillRef>
+            <a:effectRef idx="0">
+              <a:schemeClr val="accent1"/>
+            </a:effectRef>
+            <a:fontRef idx="minor">
+              <a:schemeClr val="lt1"/>
+            </a:fontRef>
+          </p:style>
+          <p:txBody>
+            <a:bodyPr rtlCol="0" anchor="ctr"/>
+            <a:lstStyle/>
+            <a:p>
+              <a:pPr algn="ctr"/>
+              <a:endParaRPr lang="pl-PL"/>
+            </a:p>
+          </p:txBody>
+        </p:sp>
+        <p:sp>
+          <p:nvSpPr>
+            <p:cNvPr id="17" name="Owal 16">
+              <a:extLst>
+                <a:ext uri="{FF2B5EF4-FFF2-40B4-BE49-F238E27FC236}">
+                  <a16:creationId xmlns:a16="http://schemas.microsoft.com/office/drawing/2014/main" id="{06B07D13-99E0-442D-8C8D-78E02D153D59}"/>
+                </a:ext>
+              </a:extLst>
+            </p:cNvPr>
+            <p:cNvSpPr/>
+            <p:nvPr/>
+          </p:nvSpPr>
+          <p:spPr>
+            <a:xfrm>
+              <a:off x="4276860" y="1721841"/>
+              <a:ext cx="922788" cy="853579"/>
+            </a:xfrm>
+            <a:prstGeom prst="ellipse">
+              <a:avLst/>
+            </a:prstGeom>
+            <a:solidFill>
+              <a:srgbClr val="FF0000"/>
+            </a:solidFill>
+          </p:spPr>
+          <p:style>
+            <a:lnRef idx="2">
+              <a:schemeClr val="accent1">
+                <a:shade val="50000"/>
+              </a:schemeClr>
+            </a:lnRef>
+            <a:fillRef idx="1">
+              <a:schemeClr val="accent1"/>
+            </a:fillRef>
+            <a:effectRef idx="0">
+              <a:schemeClr val="accent1"/>
+            </a:effectRef>
+            <a:fontRef idx="minor">
+              <a:schemeClr val="lt1"/>
+            </a:fontRef>
+          </p:style>
+          <p:txBody>
+            <a:bodyPr rtlCol="0" anchor="ctr"/>
+            <a:lstStyle/>
+            <a:p>
+              <a:pPr algn="ctr"/>
+              <a:endParaRPr lang="pl-PL">
+                <a:ln>
+                  <a:solidFill>
+                    <a:srgbClr val="FF0000"/>
+                  </a:solidFill>
+                </a:ln>
+                <a:solidFill>
+                  <a:srgbClr val="FF0000"/>
+                </a:solidFill>
+              </a:endParaRPr>
+            </a:p>
+          </p:txBody>
+        </p:sp>
+      </p:grpSp>
+    </p:spTree>
+    <p:extLst>
+      <p:ext uri="{BB962C8B-B14F-4D97-AF65-F5344CB8AC3E}">
+        <p14:creationId xmlns:p14="http://schemas.microsoft.com/office/powerpoint/2010/main" val="2572891360"/>
       </p:ext>
     </p:extLst>
   </p:cSld>

--- a/slides/AsynchronousIntuition.pptx
+++ b/slides/AsynchronousIntuition.pptx
@@ -13,13 +13,12 @@
     <p:sldId id="268" r:id="rId7"/>
     <p:sldId id="270" r:id="rId8"/>
     <p:sldId id="273" r:id="rId9"/>
-    <p:sldId id="263" r:id="rId10"/>
-    <p:sldId id="269" r:id="rId11"/>
-    <p:sldId id="274" r:id="rId12"/>
-    <p:sldId id="264" r:id="rId13"/>
-    <p:sldId id="267" r:id="rId14"/>
-    <p:sldId id="275" r:id="rId15"/>
-    <p:sldId id="276" r:id="rId16"/>
+    <p:sldId id="277" r:id="rId10"/>
+    <p:sldId id="274" r:id="rId11"/>
+    <p:sldId id="264" r:id="rId12"/>
+    <p:sldId id="267" r:id="rId13"/>
+    <p:sldId id="275" r:id="rId14"/>
+    <p:sldId id="276" r:id="rId15"/>
   </p:sldIdLst>
   <p:sldSz cx="12192000" cy="6858000"/>
   <p:notesSz cx="6858000" cy="9144000"/>
@@ -5938,7 +5937,7 @@
           <a:p>
             <a:r>
               <a:rPr lang="en-US" dirty="0"/>
-              <a:t>How to avoid problems and ask a valid question</a:t>
+              <a:t>How to avoid problems and ask valid questions</a:t>
             </a:r>
           </a:p>
         </p:txBody>
@@ -5993,212 +5992,6 @@
 </file>
 
 <file path=ppt/slides/slide10.xml><?xml version="1.0" encoding="utf-8"?>
-<p:sld xmlns:a="http://schemas.openxmlformats.org/drawingml/2006/main" xmlns:r="http://schemas.openxmlformats.org/officeDocument/2006/relationships" xmlns:p="http://schemas.openxmlformats.org/presentationml/2006/main" show="0">
-  <p:cSld>
-    <p:spTree>
-      <p:nvGrpSpPr>
-        <p:cNvPr id="1" name=""/>
-        <p:cNvGrpSpPr/>
-        <p:nvPr/>
-      </p:nvGrpSpPr>
-      <p:grpSpPr>
-        <a:xfrm>
-          <a:off x="0" y="0"/>
-          <a:ext cx="0" cy="0"/>
-          <a:chOff x="0" y="0"/>
-          <a:chExt cx="0" cy="0"/>
-        </a:xfrm>
-      </p:grpSpPr>
-      <p:grpSp>
-        <p:nvGrpSpPr>
-          <p:cNvPr id="5" name="Grupa 4">
-            <a:extLst>
-              <a:ext uri="{FF2B5EF4-FFF2-40B4-BE49-F238E27FC236}">
-                <a16:creationId xmlns:a16="http://schemas.microsoft.com/office/drawing/2014/main" id="{EF2CAC3E-8AD4-4E52-AF63-B64EF9258DB6}"/>
-              </a:ext>
-            </a:extLst>
-          </p:cNvPr>
-          <p:cNvGrpSpPr/>
-          <p:nvPr/>
-        </p:nvGrpSpPr>
-        <p:grpSpPr>
-          <a:xfrm>
-            <a:off x="4147127" y="1607127"/>
-            <a:ext cx="1182255" cy="2092418"/>
-            <a:chOff x="4147127" y="1607127"/>
-            <a:chExt cx="1182255" cy="2092418"/>
-          </a:xfrm>
-        </p:grpSpPr>
-        <p:sp>
-          <p:nvSpPr>
-            <p:cNvPr id="2" name="Prostokąt 1">
-              <a:extLst>
-                <a:ext uri="{FF2B5EF4-FFF2-40B4-BE49-F238E27FC236}">
-                  <a16:creationId xmlns:a16="http://schemas.microsoft.com/office/drawing/2014/main" id="{FC1BD6D8-FC47-4434-B411-5B77EA7E0B8B}"/>
-                </a:ext>
-              </a:extLst>
-            </p:cNvPr>
-            <p:cNvSpPr/>
-            <p:nvPr/>
-          </p:nvSpPr>
-          <p:spPr>
-            <a:xfrm>
-              <a:off x="4147127" y="1607127"/>
-              <a:ext cx="1182255" cy="2092418"/>
-            </a:xfrm>
-            <a:prstGeom prst="rect">
-              <a:avLst/>
-            </a:prstGeom>
-          </p:spPr>
-          <p:style>
-            <a:lnRef idx="2">
-              <a:schemeClr val="dk1">
-                <a:shade val="50000"/>
-              </a:schemeClr>
-            </a:lnRef>
-            <a:fillRef idx="1">
-              <a:schemeClr val="dk1"/>
-            </a:fillRef>
-            <a:effectRef idx="0">
-              <a:schemeClr val="dk1"/>
-            </a:effectRef>
-            <a:fontRef idx="minor">
-              <a:schemeClr val="lt1"/>
-            </a:fontRef>
-          </p:style>
-          <p:txBody>
-            <a:bodyPr rtlCol="0" anchor="ctr"/>
-            <a:lstStyle/>
-            <a:p>
-              <a:pPr algn="ctr"/>
-              <a:endParaRPr lang="pl-PL"/>
-            </a:p>
-          </p:txBody>
-        </p:sp>
-        <p:sp>
-          <p:nvSpPr>
-            <p:cNvPr id="3" name="Owal 2">
-              <a:extLst>
-                <a:ext uri="{FF2B5EF4-FFF2-40B4-BE49-F238E27FC236}">
-                  <a16:creationId xmlns:a16="http://schemas.microsoft.com/office/drawing/2014/main" id="{2C77E6FB-EB48-482E-B8FD-133058D4D4ED}"/>
-                </a:ext>
-              </a:extLst>
-            </p:cNvPr>
-            <p:cNvSpPr/>
-            <p:nvPr/>
-          </p:nvSpPr>
-          <p:spPr>
-            <a:xfrm>
-              <a:off x="4276860" y="2710693"/>
-              <a:ext cx="922788" cy="853579"/>
-            </a:xfrm>
-            <a:prstGeom prst="ellipse">
-              <a:avLst/>
-            </a:prstGeom>
-            <a:solidFill>
-              <a:schemeClr val="accent1">
-                <a:lumMod val="50000"/>
-              </a:schemeClr>
-            </a:solidFill>
-          </p:spPr>
-          <p:style>
-            <a:lnRef idx="2">
-              <a:schemeClr val="accent1">
-                <a:shade val="50000"/>
-              </a:schemeClr>
-            </a:lnRef>
-            <a:fillRef idx="1">
-              <a:schemeClr val="accent1"/>
-            </a:fillRef>
-            <a:effectRef idx="0">
-              <a:schemeClr val="accent1"/>
-            </a:effectRef>
-            <a:fontRef idx="minor">
-              <a:schemeClr val="lt1"/>
-            </a:fontRef>
-          </p:style>
-          <p:txBody>
-            <a:bodyPr rtlCol="0" anchor="ctr"/>
-            <a:lstStyle/>
-            <a:p>
-              <a:pPr algn="ctr"/>
-              <a:endParaRPr lang="pl-PL"/>
-            </a:p>
-          </p:txBody>
-        </p:sp>
-        <p:sp>
-          <p:nvSpPr>
-            <p:cNvPr id="4" name="Owal 3">
-              <a:extLst>
-                <a:ext uri="{FF2B5EF4-FFF2-40B4-BE49-F238E27FC236}">
-                  <a16:creationId xmlns:a16="http://schemas.microsoft.com/office/drawing/2014/main" id="{C544CE16-2406-4DCD-909C-A16FB04AB930}"/>
-                </a:ext>
-              </a:extLst>
-            </p:cNvPr>
-            <p:cNvSpPr/>
-            <p:nvPr/>
-          </p:nvSpPr>
-          <p:spPr>
-            <a:xfrm>
-              <a:off x="4276860" y="1721841"/>
-              <a:ext cx="922788" cy="853579"/>
-            </a:xfrm>
-            <a:prstGeom prst="ellipse">
-              <a:avLst/>
-            </a:prstGeom>
-            <a:solidFill>
-              <a:srgbClr val="FF0000"/>
-            </a:solidFill>
-          </p:spPr>
-          <p:style>
-            <a:lnRef idx="2">
-              <a:schemeClr val="accent1">
-                <a:shade val="50000"/>
-              </a:schemeClr>
-            </a:lnRef>
-            <a:fillRef idx="1">
-              <a:schemeClr val="accent1"/>
-            </a:fillRef>
-            <a:effectRef idx="0">
-              <a:schemeClr val="accent1"/>
-            </a:effectRef>
-            <a:fontRef idx="minor">
-              <a:schemeClr val="lt1"/>
-            </a:fontRef>
-          </p:style>
-          <p:txBody>
-            <a:bodyPr rtlCol="0" anchor="ctr"/>
-            <a:lstStyle/>
-            <a:p>
-              <a:pPr algn="ctr"/>
-              <a:endParaRPr lang="pl-PL">
-                <a:ln>
-                  <a:solidFill>
-                    <a:srgbClr val="FF0000"/>
-                  </a:solidFill>
-                </a:ln>
-                <a:solidFill>
-                  <a:srgbClr val="FF0000"/>
-                </a:solidFill>
-              </a:endParaRPr>
-            </a:p>
-          </p:txBody>
-        </p:sp>
-      </p:grpSp>
-    </p:spTree>
-    <p:extLst>
-      <p:ext uri="{BB962C8B-B14F-4D97-AF65-F5344CB8AC3E}">
-        <p14:creationId xmlns:p14="http://schemas.microsoft.com/office/powerpoint/2010/main" val="4234332544"/>
-      </p:ext>
-    </p:extLst>
-  </p:cSld>
-  <p:clrMapOvr>
-    <a:masterClrMapping/>
-  </p:clrMapOvr>
-</p:sld>
-</file>
-
-<file path=ppt/slides/slide11.xml><?xml version="1.0" encoding="utf-8"?>
 <p:sld xmlns:a="http://schemas.openxmlformats.org/drawingml/2006/main" xmlns:r="http://schemas.openxmlformats.org/officeDocument/2006/relationships" xmlns:p="http://schemas.openxmlformats.org/presentationml/2006/main">
   <p:cSld>
     <p:spTree>
@@ -6267,13 +6060,13 @@
           <a:p>
             <a:r>
               <a:rPr lang="en-US" dirty="0"/>
-              <a:t>Read carefully documentations.</a:t>
+              <a:t>Read documentation carefully.</a:t>
             </a:r>
           </a:p>
           <a:p>
             <a:r>
               <a:rPr lang="en-US" dirty="0"/>
-              <a:t>Samples are samples not a final solution.</a:t>
+              <a:t>Samples are just samples. They are not a final solution.</a:t>
             </a:r>
           </a:p>
           <a:p>
@@ -6312,7 +6105,7 @@
 </p:sld>
 </file>
 
-<file path=ppt/slides/slide12.xml><?xml version="1.0" encoding="utf-8"?>
+<file path=ppt/slides/slide11.xml><?xml version="1.0" encoding="utf-8"?>
 <p:sld xmlns:a="http://schemas.openxmlformats.org/drawingml/2006/main" xmlns:r="http://schemas.openxmlformats.org/officeDocument/2006/relationships" xmlns:p="http://schemas.openxmlformats.org/presentationml/2006/main">
   <p:cSld>
     <p:bg>
@@ -7080,7 +6873,7 @@
 </p:sld>
 </file>
 
-<file path=ppt/slides/slide13.xml><?xml version="1.0" encoding="utf-8"?>
+<file path=ppt/slides/slide12.xml><?xml version="1.0" encoding="utf-8"?>
 <p:sld xmlns:a="http://schemas.openxmlformats.org/drawingml/2006/main" xmlns:r="http://schemas.openxmlformats.org/officeDocument/2006/relationships" xmlns:p="http://schemas.openxmlformats.org/presentationml/2006/main">
   <p:cSld>
     <p:spTree>
@@ -7562,7 +7355,7 @@
 </p:sld>
 </file>
 
-<file path=ppt/slides/slide14.xml><?xml version="1.0" encoding="utf-8"?>
+<file path=ppt/slides/slide13.xml><?xml version="1.0" encoding="utf-8"?>
 <p:sld xmlns:a="http://schemas.openxmlformats.org/drawingml/2006/main" xmlns:r="http://schemas.openxmlformats.org/officeDocument/2006/relationships" xmlns:p="http://schemas.openxmlformats.org/presentationml/2006/main">
   <p:cSld>
     <p:spTree>
@@ -7646,7 +7439,7 @@
 </p:sld>
 </file>
 
-<file path=ppt/slides/slide15.xml><?xml version="1.0" encoding="utf-8"?>
+<file path=ppt/slides/slide14.xml><?xml version="1.0" encoding="utf-8"?>
 <p:sld xmlns:a="http://schemas.openxmlformats.org/drawingml/2006/main" xmlns:r="http://schemas.openxmlformats.org/officeDocument/2006/relationships" xmlns:p="http://schemas.openxmlformats.org/presentationml/2006/main">
   <p:cSld>
     <p:spTree>
@@ -8197,13 +7990,13 @@
           <a:p>
             <a:r>
               <a:rPr lang="en-US" dirty="0"/>
-              <a:t>Help us start thinking outside the box</a:t>
+              <a:t>Help us to start thinking outside the box.</a:t>
             </a:r>
           </a:p>
           <a:p>
             <a:r>
               <a:rPr lang="en-US" dirty="0"/>
-              <a:t>See where to look for traps.</a:t>
+              <a:t>See where to look for potential traps.</a:t>
             </a:r>
           </a:p>
           <a:p>
@@ -8623,7 +8416,7 @@
             <a:pPr lvl="1"/>
             <a:r>
               <a:rPr lang="en-US" sz="1600" dirty="0"/>
-              <a:t>I got chance to present on </a:t>
+              <a:t>I was presenting on </a:t>
             </a:r>
             <a:r>
               <a:rPr lang="en-US" sz="1600" dirty="0" err="1"/>
@@ -8808,31 +8601,31 @@
           <a:p>
             <a:r>
               <a:rPr lang="en-US" dirty="0"/>
-              <a:t>Warmup - async or no async that’s the question</a:t>
+              <a:t>Warm up - async or no async, that is the question.</a:t>
             </a:r>
           </a:p>
           <a:p>
             <a:r>
               <a:rPr lang="en-US" dirty="0"/>
-              <a:t>More work requires less time</a:t>
+              <a:t>More work with less time.</a:t>
             </a:r>
           </a:p>
           <a:p>
             <a:r>
               <a:rPr lang="en-US" dirty="0"/>
-              <a:t>Action block and never executed tasks</a:t>
+              <a:t>Action Block and never executed tasks.</a:t>
             </a:r>
           </a:p>
           <a:p>
             <a:r>
               <a:rPr lang="en-US" dirty="0"/>
-              <a:t>Concurrent dictionary and factory problem</a:t>
+              <a:t>Concurrent Dictionary and factory problem.</a:t>
             </a:r>
           </a:p>
           <a:p>
             <a:r>
               <a:rPr lang="en-US" dirty="0"/>
-              <a:t>Slim Semaphore deadlock</a:t>
+              <a:t>Slim Semaphore deadlock.</a:t>
             </a:r>
           </a:p>
         </p:txBody>
@@ -8919,31 +8712,31 @@
           <a:p>
             <a:r>
               <a:rPr lang="en-US" dirty="0"/>
-              <a:t>Warmup - async or no async that’s the question</a:t>
+              <a:t>Warm up - async or no async, that is the question.</a:t>
             </a:r>
           </a:p>
           <a:p>
             <a:r>
               <a:rPr lang="en-US" dirty="0"/>
-              <a:t>More work requires less time</a:t>
+              <a:t>More work with less time.</a:t>
             </a:r>
           </a:p>
           <a:p>
             <a:r>
               <a:rPr lang="en-US" dirty="0"/>
-              <a:t>Action block and never executed tasks</a:t>
+              <a:t>Action Block and never executed tasks.</a:t>
             </a:r>
           </a:p>
           <a:p>
             <a:r>
               <a:rPr lang="en-US" dirty="0"/>
-              <a:t>Concurrent dictionary and factory problem</a:t>
+              <a:t>Concurrent Dictionary and factory problem.</a:t>
             </a:r>
           </a:p>
           <a:p>
             <a:r>
               <a:rPr lang="en-US" dirty="0"/>
-              <a:t>Slim Semaphore deadlock</a:t>
+              <a:t>Slim Semaphore deadlock.</a:t>
             </a:r>
           </a:p>
         </p:txBody>
@@ -9074,7 +8867,7 @@
           <a:p>
             <a:r>
               <a:rPr lang="en-US" dirty="0"/>
-              <a:t>Core stuff</a:t>
+              <a:t>Core Staff</a:t>
             </a:r>
             <a:endParaRPr lang="pl-PL" dirty="0"/>
           </a:p>
@@ -10922,7 +10715,7 @@
 </file>
 
 <file path=ppt/slides/slide9.xml><?xml version="1.0" encoding="utf-8"?>
-<p:sld xmlns:a="http://schemas.openxmlformats.org/drawingml/2006/main" xmlns:r="http://schemas.openxmlformats.org/officeDocument/2006/relationships" xmlns:p="http://schemas.openxmlformats.org/presentationml/2006/main" show="0">
+<p:sld xmlns:a="http://schemas.openxmlformats.org/drawingml/2006/main" xmlns:r="http://schemas.openxmlformats.org/officeDocument/2006/relationships" xmlns:p="http://schemas.openxmlformats.org/presentationml/2006/main">
   <p:cSld>
     <p:spTree>
       <p:nvGrpSpPr>
@@ -10943,7 +10736,7 @@
           <p:cNvPr id="2" name="Tytuł 1">
             <a:extLst>
               <a:ext uri="{FF2B5EF4-FFF2-40B4-BE49-F238E27FC236}">
-                <a16:creationId xmlns:a16="http://schemas.microsoft.com/office/drawing/2014/main" id="{219DD17C-59DF-4EBF-A995-7EA4DE2A2058}"/>
+                <a16:creationId xmlns:a16="http://schemas.microsoft.com/office/drawing/2014/main" id="{76535B44-83C8-414A-89C5-03F2BB601FE7}"/>
               </a:ext>
             </a:extLst>
           </p:cNvPr>
@@ -10961,233 +10754,16 @@
           <a:p>
             <a:r>
               <a:rPr lang="en-US" dirty="0"/>
-              <a:t>Manual Reset Event </a:t>
+              <a:t>Demo</a:t>
             </a:r>
             <a:endParaRPr lang="pl-PL" dirty="0"/>
           </a:p>
         </p:txBody>
       </p:sp>
-      <p:sp>
-        <p:nvSpPr>
-          <p:cNvPr id="3" name="Symbol zastępczy zawartości 2">
-            <a:extLst>
-              <a:ext uri="{FF2B5EF4-FFF2-40B4-BE49-F238E27FC236}">
-                <a16:creationId xmlns:a16="http://schemas.microsoft.com/office/drawing/2014/main" id="{D03FA739-504E-4CDD-AED4-6ACF0CFDB750}"/>
-              </a:ext>
-            </a:extLst>
-          </p:cNvPr>
-          <p:cNvSpPr>
-            <a:spLocks noGrp="1"/>
-          </p:cNvSpPr>
-          <p:nvPr>
-            <p:ph idx="1"/>
-          </p:nvPr>
-        </p:nvSpPr>
-        <p:spPr/>
-        <p:txBody>
-          <a:bodyPr/>
-          <a:lstStyle/>
-          <a:p>
-            <a:r>
-              <a:rPr lang="en-US" dirty="0"/>
-              <a:t>Blocks all thread waiting. When it is signaled all threads can enter protected section.</a:t>
-            </a:r>
-          </a:p>
-          <a:p>
-            <a:r>
-              <a:rPr lang="en-US" dirty="0"/>
-              <a:t>Start line</a:t>
-            </a:r>
-          </a:p>
-          <a:p>
-            <a:r>
-              <a:rPr lang="en-US" dirty="0"/>
-              <a:t>Synchronizations point for multiple thread.</a:t>
-            </a:r>
-            <a:endParaRPr lang="pl-PL" dirty="0"/>
-          </a:p>
-        </p:txBody>
-      </p:sp>
-      <p:grpSp>
-        <p:nvGrpSpPr>
-          <p:cNvPr id="14" name="Grupa 13">
-            <a:extLst>
-              <a:ext uri="{FF2B5EF4-FFF2-40B4-BE49-F238E27FC236}">
-                <a16:creationId xmlns:a16="http://schemas.microsoft.com/office/drawing/2014/main" id="{105DF45A-8935-4829-BC04-F215A9B245B2}"/>
-              </a:ext>
-            </a:extLst>
-          </p:cNvPr>
-          <p:cNvGrpSpPr/>
-          <p:nvPr/>
-        </p:nvGrpSpPr>
-        <p:grpSpPr>
-          <a:xfrm>
-            <a:off x="9734197" y="3160553"/>
-            <a:ext cx="827544" cy="1478560"/>
-            <a:chOff x="4147127" y="1607127"/>
-            <a:chExt cx="1182255" cy="2092418"/>
-          </a:xfrm>
-        </p:grpSpPr>
-        <p:sp>
-          <p:nvSpPr>
-            <p:cNvPr id="15" name="Prostokąt 14">
-              <a:extLst>
-                <a:ext uri="{FF2B5EF4-FFF2-40B4-BE49-F238E27FC236}">
-                  <a16:creationId xmlns:a16="http://schemas.microsoft.com/office/drawing/2014/main" id="{A4839F76-B527-44EE-83BB-62F14CA8898C}"/>
-                </a:ext>
-              </a:extLst>
-            </p:cNvPr>
-            <p:cNvSpPr/>
-            <p:nvPr/>
-          </p:nvSpPr>
-          <p:spPr>
-            <a:xfrm>
-              <a:off x="4147127" y="1607127"/>
-              <a:ext cx="1182255" cy="2092418"/>
-            </a:xfrm>
-            <a:prstGeom prst="rect">
-              <a:avLst/>
-            </a:prstGeom>
-          </p:spPr>
-          <p:style>
-            <a:lnRef idx="2">
-              <a:schemeClr val="dk1">
-                <a:shade val="50000"/>
-              </a:schemeClr>
-            </a:lnRef>
-            <a:fillRef idx="1">
-              <a:schemeClr val="dk1"/>
-            </a:fillRef>
-            <a:effectRef idx="0">
-              <a:schemeClr val="dk1"/>
-            </a:effectRef>
-            <a:fontRef idx="minor">
-              <a:schemeClr val="lt1"/>
-            </a:fontRef>
-          </p:style>
-          <p:txBody>
-            <a:bodyPr rtlCol="0" anchor="ctr"/>
-            <a:lstStyle/>
-            <a:p>
-              <a:pPr algn="ctr"/>
-              <a:endParaRPr lang="pl-PL"/>
-            </a:p>
-          </p:txBody>
-        </p:sp>
-        <p:sp>
-          <p:nvSpPr>
-            <p:cNvPr id="16" name="Owal 15">
-              <a:extLst>
-                <a:ext uri="{FF2B5EF4-FFF2-40B4-BE49-F238E27FC236}">
-                  <a16:creationId xmlns:a16="http://schemas.microsoft.com/office/drawing/2014/main" id="{AA293148-E8BF-4274-818F-0DA4EF70398D}"/>
-                </a:ext>
-              </a:extLst>
-            </p:cNvPr>
-            <p:cNvSpPr/>
-            <p:nvPr/>
-          </p:nvSpPr>
-          <p:spPr>
-            <a:xfrm>
-              <a:off x="4276860" y="2710693"/>
-              <a:ext cx="922788" cy="853579"/>
-            </a:xfrm>
-            <a:prstGeom prst="ellipse">
-              <a:avLst/>
-            </a:prstGeom>
-            <a:solidFill>
-              <a:schemeClr val="accent1">
-                <a:lumMod val="50000"/>
-              </a:schemeClr>
-            </a:solidFill>
-          </p:spPr>
-          <p:style>
-            <a:lnRef idx="2">
-              <a:schemeClr val="accent1">
-                <a:shade val="50000"/>
-              </a:schemeClr>
-            </a:lnRef>
-            <a:fillRef idx="1">
-              <a:schemeClr val="accent1"/>
-            </a:fillRef>
-            <a:effectRef idx="0">
-              <a:schemeClr val="accent1"/>
-            </a:effectRef>
-            <a:fontRef idx="minor">
-              <a:schemeClr val="lt1"/>
-            </a:fontRef>
-          </p:style>
-          <p:txBody>
-            <a:bodyPr rtlCol="0" anchor="ctr"/>
-            <a:lstStyle/>
-            <a:p>
-              <a:pPr algn="ctr"/>
-              <a:endParaRPr lang="pl-PL"/>
-            </a:p>
-          </p:txBody>
-        </p:sp>
-        <p:sp>
-          <p:nvSpPr>
-            <p:cNvPr id="17" name="Owal 16">
-              <a:extLst>
-                <a:ext uri="{FF2B5EF4-FFF2-40B4-BE49-F238E27FC236}">
-                  <a16:creationId xmlns:a16="http://schemas.microsoft.com/office/drawing/2014/main" id="{06B07D13-99E0-442D-8C8D-78E02D153D59}"/>
-                </a:ext>
-              </a:extLst>
-            </p:cNvPr>
-            <p:cNvSpPr/>
-            <p:nvPr/>
-          </p:nvSpPr>
-          <p:spPr>
-            <a:xfrm>
-              <a:off x="4276860" y="1721841"/>
-              <a:ext cx="922788" cy="853579"/>
-            </a:xfrm>
-            <a:prstGeom prst="ellipse">
-              <a:avLst/>
-            </a:prstGeom>
-            <a:solidFill>
-              <a:srgbClr val="FF0000"/>
-            </a:solidFill>
-          </p:spPr>
-          <p:style>
-            <a:lnRef idx="2">
-              <a:schemeClr val="accent1">
-                <a:shade val="50000"/>
-              </a:schemeClr>
-            </a:lnRef>
-            <a:fillRef idx="1">
-              <a:schemeClr val="accent1"/>
-            </a:fillRef>
-            <a:effectRef idx="0">
-              <a:schemeClr val="accent1"/>
-            </a:effectRef>
-            <a:fontRef idx="minor">
-              <a:schemeClr val="lt1"/>
-            </a:fontRef>
-          </p:style>
-          <p:txBody>
-            <a:bodyPr rtlCol="0" anchor="ctr"/>
-            <a:lstStyle/>
-            <a:p>
-              <a:pPr algn="ctr"/>
-              <a:endParaRPr lang="pl-PL">
-                <a:ln>
-                  <a:solidFill>
-                    <a:srgbClr val="FF0000"/>
-                  </a:solidFill>
-                </a:ln>
-                <a:solidFill>
-                  <a:srgbClr val="FF0000"/>
-                </a:solidFill>
-              </a:endParaRPr>
-            </a:p>
-          </p:txBody>
-        </p:sp>
-      </p:grpSp>
     </p:spTree>
     <p:extLst>
       <p:ext uri="{BB962C8B-B14F-4D97-AF65-F5344CB8AC3E}">
-        <p14:creationId xmlns:p14="http://schemas.microsoft.com/office/powerpoint/2010/main" val="2572891360"/>
+        <p14:creationId xmlns:p14="http://schemas.microsoft.com/office/powerpoint/2010/main" val="761374811"/>
       </p:ext>
     </p:extLst>
   </p:cSld>

--- a/slides/AsynchronousIntuition.pptx
+++ b/slides/AsynchronousIntuition.pptx
@@ -8625,7 +8625,19 @@
           <a:p>
             <a:r>
               <a:rPr lang="en-US" dirty="0"/>
-              <a:t>Slim Semaphore deadlock.</a:t>
+              <a:t>Semaphore</a:t>
+            </a:r>
+            <a:r>
+              <a:rPr lang="pl-PL" dirty="0"/>
+              <a:t> </a:t>
+            </a:r>
+            <a:r>
+              <a:rPr lang="en-US"/>
+              <a:t>Slim </a:t>
+            </a:r>
+            <a:r>
+              <a:rPr lang="en-US" dirty="0"/>
+              <a:t>deadlock.</a:t>
             </a:r>
           </a:p>
         </p:txBody>
